--- a/需求/过去一个月积木APP数据分析.pptx
+++ b/需求/过去一个月积木APP数据分析.pptx
@@ -5,16 +5,15 @@
     <p:sldMasterId id="2147483648" r:id="rId1"/>
   </p:sldMasterIdLst>
   <p:notesMasterIdLst>
-    <p:notesMasterId r:id="rId9"/>
+    <p:notesMasterId r:id="rId8"/>
   </p:notesMasterIdLst>
   <p:sldIdLst>
     <p:sldId id="256" r:id="rId2"/>
     <p:sldId id="257" r:id="rId3"/>
-    <p:sldId id="258" r:id="rId4"/>
-    <p:sldId id="259" r:id="rId5"/>
-    <p:sldId id="260" r:id="rId6"/>
-    <p:sldId id="261" r:id="rId7"/>
-    <p:sldId id="262" r:id="rId8"/>
+    <p:sldId id="260" r:id="rId4"/>
+    <p:sldId id="261" r:id="rId5"/>
+    <p:sldId id="262" r:id="rId6"/>
+    <p:sldId id="263" r:id="rId7"/>
   </p:sldIdLst>
   <p:sldSz cx="13004800" cy="9753600"/>
   <p:notesSz cx="6858000" cy="9144000"/>
@@ -339,6 +338,36 @@
   </mc:AlternateContent>
   <c:chart>
     <c:title>
+      <c:tx>
+        <c:rich>
+          <a:bodyPr rot="0" spcFirstLastPara="1" vertOverflow="ellipsis" vert="horz" wrap="square" anchor="ctr" anchorCtr="1"/>
+          <a:lstStyle/>
+          <a:p>
+            <a:pPr>
+              <a:defRPr sz="1862" b="0" i="0" u="none" strike="noStrike" kern="1200" spc="0" baseline="0">
+                <a:solidFill>
+                  <a:schemeClr val="tx1">
+                    <a:lumMod val="65000"/>
+                    <a:lumOff val="35000"/>
+                  </a:schemeClr>
+                </a:solidFill>
+                <a:latin typeface="+mn-lt"/>
+                <a:ea typeface="+mn-ea"/>
+                <a:cs typeface="+mn-cs"/>
+              </a:defRPr>
+            </a:pPr>
+            <a:r>
+              <a:rPr lang="zh-CN" altLang="en-US" dirty="0"/>
+              <a:t>新增</a:t>
+            </a:r>
+            <a:r>
+              <a:rPr lang="zh-CN" altLang="en-US" dirty="0" smtClean="0"/>
+              <a:t>用户每周整体数据</a:t>
+            </a:r>
+            <a:endParaRPr lang="zh-CN" altLang="en-US" dirty="0"/>
+          </a:p>
+        </c:rich>
+      </c:tx>
       <c:layout/>
       <c:overlay val="0"/>
       <c:spPr>
@@ -371,7 +400,17 @@
     </c:title>
     <c:autoTitleDeleted val="0"/>
     <c:plotArea>
-      <c:layout/>
+      <c:layout>
+        <c:manualLayout>
+          <c:layoutTarget val="inner"/>
+          <c:xMode val="edge"/>
+          <c:yMode val="edge"/>
+          <c:x val="4.6497476142644198E-2"/>
+          <c:y val="9.6256173553546001E-2"/>
+          <c:w val="0.94066872803578983"/>
+          <c:h val="0.69815328824087342"/>
+        </c:manualLayout>
+      </c:layout>
       <c:barChart>
         <c:barDir val="col"/>
         <c:grouping val="clustered"/>
@@ -510,11 +549,11 @@
         </c:dLbls>
         <c:gapWidth val="219"/>
         <c:overlap val="-27"/>
-        <c:axId val="368625008"/>
-        <c:axId val="363857232"/>
+        <c:axId val="227929936"/>
+        <c:axId val="227930496"/>
       </c:barChart>
       <c:catAx>
-        <c:axId val="368625008"/>
+        <c:axId val="227929936"/>
         <c:scaling>
           <c:orientation val="minMax"/>
         </c:scaling>
@@ -557,7 +596,7 @@
             <a:endParaRPr lang="zh-CN"/>
           </a:p>
         </c:txPr>
-        <c:crossAx val="363857232"/>
+        <c:crossAx val="227930496"/>
         <c:crosses val="autoZero"/>
         <c:auto val="1"/>
         <c:lblAlgn val="ctr"/>
@@ -565,7 +604,7 @@
         <c:noMultiLvlLbl val="0"/>
       </c:catAx>
       <c:valAx>
-        <c:axId val="363857232"/>
+        <c:axId val="227930496"/>
         <c:scaling>
           <c:orientation val="minMax"/>
         </c:scaling>
@@ -616,7 +655,7 @@
             <a:endParaRPr lang="zh-CN"/>
           </a:p>
         </c:txPr>
-        <c:crossAx val="368625008"/>
+        <c:crossAx val="227929936"/>
         <c:crosses val="autoZero"/>
         <c:crossBetween val="between"/>
       </c:valAx>
@@ -630,38 +669,6 @@
         <a:effectLst/>
       </c:spPr>
     </c:plotArea>
-    <c:legend>
-      <c:legendPos val="b"/>
-      <c:layout/>
-      <c:overlay val="0"/>
-      <c:spPr>
-        <a:noFill/>
-        <a:ln>
-          <a:noFill/>
-        </a:ln>
-        <a:effectLst/>
-      </c:spPr>
-      <c:txPr>
-        <a:bodyPr rot="0" spcFirstLastPara="1" vertOverflow="ellipsis" vert="horz" wrap="square" anchor="ctr" anchorCtr="1"/>
-        <a:lstStyle/>
-        <a:p>
-          <a:pPr>
-            <a:defRPr sz="1197" b="0" i="0" u="none" strike="noStrike" kern="1200" baseline="0">
-              <a:solidFill>
-                <a:schemeClr val="tx1">
-                  <a:lumMod val="65000"/>
-                  <a:lumOff val="35000"/>
-                </a:schemeClr>
-              </a:solidFill>
-              <a:latin typeface="+mn-lt"/>
-              <a:ea typeface="+mn-ea"/>
-              <a:cs typeface="+mn-cs"/>
-            </a:defRPr>
-          </a:pPr>
-          <a:endParaRPr lang="zh-CN"/>
-        </a:p>
-      </c:txPr>
-    </c:legend>
     <c:plotVisOnly val="1"/>
     <c:dispBlanksAs val="gap"/>
     <c:showDLblsOverMax val="0"/>
@@ -704,9 +711,86 @@
     </mc:Fallback>
   </mc:AlternateContent>
   <c:chart>
+    <c:title>
+      <c:tx>
+        <c:rich>
+          <a:bodyPr rot="0" spcFirstLastPara="1" vertOverflow="ellipsis" vert="horz" wrap="square" anchor="ctr" anchorCtr="1"/>
+          <a:lstStyle/>
+          <a:p>
+            <a:pPr>
+              <a:defRPr sz="1920" b="0" i="0" u="none" strike="noStrike" kern="1200" spc="0" baseline="0">
+                <a:solidFill>
+                  <a:schemeClr val="tx2">
+                    <a:lumMod val="10000"/>
+                  </a:schemeClr>
+                </a:solidFill>
+                <a:latin typeface="+mn-lt"/>
+                <a:ea typeface="+mn-ea"/>
+                <a:cs typeface="+mn-cs"/>
+              </a:defRPr>
+            </a:pPr>
+            <a:r>
+              <a:rPr lang="zh-CN" altLang="en-US" dirty="0" smtClean="0">
+                <a:solidFill>
+                  <a:schemeClr val="tx2">
+                    <a:lumMod val="10000"/>
+                  </a:schemeClr>
+                </a:solidFill>
+              </a:rPr>
+              <a:t>苹果和安卓比例</a:t>
+            </a:r>
+            <a:endParaRPr lang="zh-CN" altLang="en-US" dirty="0">
+              <a:solidFill>
+                <a:schemeClr val="tx2">
+                  <a:lumMod val="10000"/>
+                </a:schemeClr>
+              </a:solidFill>
+            </a:endParaRPr>
+          </a:p>
+        </c:rich>
+      </c:tx>
+      <c:layout/>
+      <c:overlay val="0"/>
+      <c:spPr>
+        <a:noFill/>
+        <a:ln>
+          <a:noFill/>
+        </a:ln>
+        <a:effectLst/>
+      </c:spPr>
+      <c:txPr>
+        <a:bodyPr rot="0" spcFirstLastPara="1" vertOverflow="ellipsis" vert="horz" wrap="square" anchor="ctr" anchorCtr="1"/>
+        <a:lstStyle/>
+        <a:p>
+          <a:pPr>
+            <a:defRPr sz="1920" b="0" i="0" u="none" strike="noStrike" kern="1200" spc="0" baseline="0">
+              <a:solidFill>
+                <a:schemeClr val="tx2">
+                  <a:lumMod val="10000"/>
+                </a:schemeClr>
+              </a:solidFill>
+              <a:latin typeface="+mn-lt"/>
+              <a:ea typeface="+mn-ea"/>
+              <a:cs typeface="+mn-cs"/>
+            </a:defRPr>
+          </a:pPr>
+          <a:endParaRPr lang="zh-CN"/>
+        </a:p>
+      </c:txPr>
+    </c:title>
     <c:autoTitleDeleted val="0"/>
     <c:plotArea>
-      <c:layout/>
+      <c:layout>
+        <c:manualLayout>
+          <c:layoutTarget val="inner"/>
+          <c:xMode val="edge"/>
+          <c:yMode val="edge"/>
+          <c:x val="5.080040991245096E-2"/>
+          <c:y val="3.2465527870809231E-2"/>
+          <c:w val="0.93105974150589832"/>
+          <c:h val="0.82914060455940353"/>
+        </c:manualLayout>
+      </c:layout>
       <c:barChart>
         <c:barDir val="col"/>
         <c:grouping val="clustered"/>
@@ -720,7 +804,7 @@
               <c:strCache>
                 <c:ptCount val="1"/>
                 <c:pt idx="0">
-                  <c:v>苹果用户</c:v>
+                  <c:v>iOS</c:v>
                 </c:pt>
               </c:strCache>
             </c:strRef>
@@ -839,7 +923,7 @@
               <c:strCache>
                 <c:ptCount val="1"/>
                 <c:pt idx="0">
-                  <c:v>安卓用户</c:v>
+                  <c:v>Android</c:v>
                 </c:pt>
               </c:strCache>
             </c:strRef>
@@ -958,11 +1042,11 @@
           <c:showBubbleSize val="0"/>
         </c:dLbls>
         <c:gapWidth val="219"/>
-        <c:axId val="363436272"/>
-        <c:axId val="363436832"/>
+        <c:axId val="456118848"/>
+        <c:axId val="456121088"/>
       </c:barChart>
       <c:catAx>
-        <c:axId val="363436272"/>
+        <c:axId val="456118848"/>
         <c:scaling>
           <c:orientation val="minMax"/>
         </c:scaling>
@@ -1005,7 +1089,7 @@
             <a:endParaRPr lang="zh-CN"/>
           </a:p>
         </c:txPr>
-        <c:crossAx val="363436832"/>
+        <c:crossAx val="456121088"/>
         <c:crosses val="autoZero"/>
         <c:auto val="1"/>
         <c:lblAlgn val="ctr"/>
@@ -1013,7 +1097,7 @@
         <c:noMultiLvlLbl val="0"/>
       </c:catAx>
       <c:valAx>
-        <c:axId val="363436832"/>
+        <c:axId val="456121088"/>
         <c:scaling>
           <c:orientation val="minMax"/>
         </c:scaling>
@@ -1064,7 +1148,7 @@
             <a:endParaRPr lang="zh-CN"/>
           </a:p>
         </c:txPr>
-        <c:crossAx val="363436272"/>
+        <c:crossAx val="456118848"/>
         <c:crosses val="autoZero"/>
         <c:crossBetween val="between"/>
       </c:valAx>
@@ -1151,9 +1235,92 @@
     </mc:Fallback>
   </mc:AlternateContent>
   <c:chart>
+    <c:title>
+      <c:tx>
+        <c:rich>
+          <a:bodyPr rot="0" spcFirstLastPara="1" vertOverflow="ellipsis" vert="horz" wrap="square" anchor="ctr" anchorCtr="1"/>
+          <a:lstStyle/>
+          <a:p>
+            <a:pPr>
+              <a:defRPr sz="1920" b="0" i="0" u="none" strike="noStrike" kern="1200" spc="0" baseline="0">
+                <a:solidFill>
+                  <a:schemeClr val="tx1">
+                    <a:lumMod val="65000"/>
+                    <a:lumOff val="35000"/>
+                  </a:schemeClr>
+                </a:solidFill>
+                <a:latin typeface="+mn-lt"/>
+                <a:ea typeface="+mn-ea"/>
+                <a:cs typeface="+mn-cs"/>
+              </a:defRPr>
+            </a:pPr>
+            <a:r>
+              <a:rPr lang="zh-CN" altLang="en-US" dirty="0" smtClean="0">
+                <a:solidFill>
+                  <a:schemeClr val="tx2">
+                    <a:lumMod val="10000"/>
+                  </a:schemeClr>
+                </a:solidFill>
+                <a:latin typeface="黑体" panose="02010609060101010101" pitchFamily="49" charset="-122"/>
+                <a:ea typeface="黑体" panose="02010609060101010101" pitchFamily="49" charset="-122"/>
+              </a:rPr>
+              <a:t>活跃用户</a:t>
+            </a:r>
+            <a:endParaRPr lang="zh-CN" altLang="en-US" dirty="0">
+              <a:solidFill>
+                <a:schemeClr val="tx2">
+                  <a:lumMod val="10000"/>
+                </a:schemeClr>
+              </a:solidFill>
+              <a:latin typeface="黑体" panose="02010609060101010101" pitchFamily="49" charset="-122"/>
+              <a:ea typeface="黑体" panose="02010609060101010101" pitchFamily="49" charset="-122"/>
+            </a:endParaRPr>
+          </a:p>
+        </c:rich>
+      </c:tx>
+      <c:layout/>
+      <c:overlay val="0"/>
+      <c:spPr>
+        <a:noFill/>
+        <a:ln>
+          <a:noFill/>
+        </a:ln>
+        <a:effectLst/>
+      </c:spPr>
+      <c:txPr>
+        <a:bodyPr rot="0" spcFirstLastPara="1" vertOverflow="ellipsis" vert="horz" wrap="square" anchor="ctr" anchorCtr="1"/>
+        <a:lstStyle/>
+        <a:p>
+          <a:pPr>
+            <a:defRPr sz="1920" b="0" i="0" u="none" strike="noStrike" kern="1200" spc="0" baseline="0">
+              <a:solidFill>
+                <a:schemeClr val="tx1">
+                  <a:lumMod val="65000"/>
+                  <a:lumOff val="35000"/>
+                </a:schemeClr>
+              </a:solidFill>
+              <a:latin typeface="+mn-lt"/>
+              <a:ea typeface="+mn-ea"/>
+              <a:cs typeface="+mn-cs"/>
+            </a:defRPr>
+          </a:pPr>
+          <a:endParaRPr lang="zh-CN"/>
+        </a:p>
+      </c:txPr>
+    </c:title>
     <c:autoTitleDeleted val="0"/>
     <c:plotArea>
-      <c:layout/>
+      <c:layout>
+        <c:manualLayout>
+          <c:layoutTarget val="inner"/>
+          <c:xMode val="edge"/>
+          <c:yMode val="edge"/>
+          <c:x val="6.7504841769775711E-2"/>
+          <c:y val="1.734857138954202E-2"/>
+          <c:w val="0.90905765913133385"/>
+          <c:h val="0.88995422094498489"/>
+        </c:manualLayout>
+      </c:layout>
       <c:barChart>
         <c:barDir val="col"/>
         <c:grouping val="clustered"/>
@@ -1167,7 +1334,533 @@
               <c:strCache>
                 <c:ptCount val="1"/>
                 <c:pt idx="0">
-                  <c:v>苹果用户</c:v>
+                  <c:v>iOS</c:v>
+                </c:pt>
+              </c:strCache>
+            </c:strRef>
+          </c:tx>
+          <c:spPr>
+            <a:solidFill>
+              <a:schemeClr val="accent1"/>
+            </a:solidFill>
+            <a:ln>
+              <a:noFill/>
+            </a:ln>
+            <a:effectLst/>
+          </c:spPr>
+          <c:invertIfNegative val="0"/>
+          <c:dLbls>
+            <c:spPr>
+              <a:noFill/>
+              <a:ln>
+                <a:noFill/>
+              </a:ln>
+              <a:effectLst/>
+            </c:spPr>
+            <c:txPr>
+              <a:bodyPr rot="0" spcFirstLastPara="1" vertOverflow="ellipsis" vert="horz" wrap="square" anchor="ctr" anchorCtr="1"/>
+              <a:lstStyle/>
+              <a:p>
+                <a:pPr>
+                  <a:defRPr sz="1600" b="0" i="0" u="none" strike="noStrike" kern="1200" baseline="0">
+                    <a:solidFill>
+                      <a:schemeClr val="accent1"/>
+                    </a:solidFill>
+                    <a:latin typeface="+mn-lt"/>
+                    <a:ea typeface="+mn-ea"/>
+                    <a:cs typeface="+mn-cs"/>
+                  </a:defRPr>
+                </a:pPr>
+                <a:endParaRPr lang="zh-CN"/>
+              </a:p>
+            </c:txPr>
+            <c:showLegendKey val="0"/>
+            <c:showVal val="1"/>
+            <c:showCatName val="0"/>
+            <c:showSerName val="0"/>
+            <c:showPercent val="0"/>
+            <c:showBubbleSize val="0"/>
+            <c:showLeaderLines val="0"/>
+            <c:extLst>
+              <c:ext xmlns:c15="http://schemas.microsoft.com/office/drawing/2012/chart" uri="{CE6537A1-D6FC-4f65-9D91-7224C49458BB}">
+                <c15:layout/>
+                <c15:showLeaderLines val="1"/>
+                <c15:leaderLines>
+                  <c:spPr>
+                    <a:ln w="9525" cap="flat" cmpd="sng" algn="ctr">
+                      <a:solidFill>
+                        <a:schemeClr val="tx1">
+                          <a:lumMod val="35000"/>
+                          <a:lumOff val="65000"/>
+                        </a:schemeClr>
+                      </a:solidFill>
+                      <a:round/>
+                    </a:ln>
+                    <a:effectLst/>
+                  </c:spPr>
+                </c15:leaderLines>
+              </c:ext>
+            </c:extLst>
+          </c:dLbls>
+          <c:cat>
+            <c:strRef>
+              <c:f>Sheet1!$A$2:$A$5</c:f>
+              <c:strCache>
+                <c:ptCount val="4"/>
+                <c:pt idx="0">
+                  <c:v>第一周</c:v>
+                </c:pt>
+                <c:pt idx="1">
+                  <c:v>第二周</c:v>
+                </c:pt>
+                <c:pt idx="2">
+                  <c:v>第三周</c:v>
+                </c:pt>
+                <c:pt idx="3">
+                  <c:v>第四周</c:v>
+                </c:pt>
+              </c:strCache>
+            </c:strRef>
+          </c:cat>
+          <c:val>
+            <c:numRef>
+              <c:f>Sheet1!$B$2:$B$5</c:f>
+              <c:numCache>
+                <c:formatCode>General</c:formatCode>
+                <c:ptCount val="4"/>
+                <c:pt idx="0">
+                  <c:v>879</c:v>
+                </c:pt>
+                <c:pt idx="1">
+                  <c:v>1256</c:v>
+                </c:pt>
+                <c:pt idx="2">
+                  <c:v>1423</c:v>
+                </c:pt>
+                <c:pt idx="3">
+                  <c:v>1653</c:v>
+                </c:pt>
+              </c:numCache>
+            </c:numRef>
+          </c:val>
+        </c:ser>
+        <c:ser>
+          <c:idx val="1"/>
+          <c:order val="1"/>
+          <c:tx>
+            <c:strRef>
+              <c:f>Sheet1!$C$1</c:f>
+              <c:strCache>
+                <c:ptCount val="1"/>
+                <c:pt idx="0">
+                  <c:v>Android</c:v>
+                </c:pt>
+              </c:strCache>
+            </c:strRef>
+          </c:tx>
+          <c:spPr>
+            <a:solidFill>
+              <a:schemeClr val="accent2"/>
+            </a:solidFill>
+            <a:ln>
+              <a:noFill/>
+            </a:ln>
+            <a:effectLst/>
+          </c:spPr>
+          <c:invertIfNegative val="0"/>
+          <c:dLbls>
+            <c:spPr>
+              <a:noFill/>
+              <a:ln>
+                <a:noFill/>
+              </a:ln>
+              <a:effectLst/>
+            </c:spPr>
+            <c:txPr>
+              <a:bodyPr rot="0" spcFirstLastPara="1" vertOverflow="ellipsis" vert="horz" wrap="square" anchor="ctr" anchorCtr="1"/>
+              <a:lstStyle/>
+              <a:p>
+                <a:pPr>
+                  <a:defRPr sz="1600" b="0" i="0" u="none" strike="noStrike" kern="1200" baseline="0">
+                    <a:solidFill>
+                      <a:schemeClr val="accent2"/>
+                    </a:solidFill>
+                    <a:latin typeface="+mn-lt"/>
+                    <a:ea typeface="+mn-ea"/>
+                    <a:cs typeface="+mn-cs"/>
+                  </a:defRPr>
+                </a:pPr>
+                <a:endParaRPr lang="zh-CN"/>
+              </a:p>
+            </c:txPr>
+            <c:showLegendKey val="0"/>
+            <c:showVal val="1"/>
+            <c:showCatName val="0"/>
+            <c:showSerName val="0"/>
+            <c:showPercent val="0"/>
+            <c:showBubbleSize val="0"/>
+            <c:showLeaderLines val="0"/>
+            <c:extLst>
+              <c:ext xmlns:c15="http://schemas.microsoft.com/office/drawing/2012/chart" uri="{CE6537A1-D6FC-4f65-9D91-7224C49458BB}">
+                <c15:layout/>
+                <c15:showLeaderLines val="1"/>
+                <c15:leaderLines>
+                  <c:spPr>
+                    <a:ln w="9525" cap="flat" cmpd="sng" algn="ctr">
+                      <a:solidFill>
+                        <a:schemeClr val="tx1">
+                          <a:lumMod val="35000"/>
+                          <a:lumOff val="65000"/>
+                        </a:schemeClr>
+                      </a:solidFill>
+                      <a:round/>
+                    </a:ln>
+                    <a:effectLst/>
+                  </c:spPr>
+                </c15:leaderLines>
+              </c:ext>
+            </c:extLst>
+          </c:dLbls>
+          <c:cat>
+            <c:strRef>
+              <c:f>Sheet1!$A$2:$A$5</c:f>
+              <c:strCache>
+                <c:ptCount val="4"/>
+                <c:pt idx="0">
+                  <c:v>第一周</c:v>
+                </c:pt>
+                <c:pt idx="1">
+                  <c:v>第二周</c:v>
+                </c:pt>
+                <c:pt idx="2">
+                  <c:v>第三周</c:v>
+                </c:pt>
+                <c:pt idx="3">
+                  <c:v>第四周</c:v>
+                </c:pt>
+              </c:strCache>
+            </c:strRef>
+          </c:cat>
+          <c:val>
+            <c:numRef>
+              <c:f>Sheet1!$C$2:$C$5</c:f>
+              <c:numCache>
+                <c:formatCode>General</c:formatCode>
+                <c:ptCount val="4"/>
+                <c:pt idx="0">
+                  <c:v>603</c:v>
+                </c:pt>
+                <c:pt idx="1">
+                  <c:v>916</c:v>
+                </c:pt>
+                <c:pt idx="2">
+                  <c:v>1163</c:v>
+                </c:pt>
+                <c:pt idx="3">
+                  <c:v>1316</c:v>
+                </c:pt>
+              </c:numCache>
+            </c:numRef>
+          </c:val>
+        </c:ser>
+        <c:dLbls>
+          <c:showLegendKey val="0"/>
+          <c:showVal val="0"/>
+          <c:showCatName val="0"/>
+          <c:showSerName val="0"/>
+          <c:showPercent val="0"/>
+          <c:showBubbleSize val="0"/>
+        </c:dLbls>
+        <c:gapWidth val="150"/>
+        <c:axId val="225177360"/>
+        <c:axId val="222141424"/>
+      </c:barChart>
+      <c:catAx>
+        <c:axId val="225177360"/>
+        <c:scaling>
+          <c:orientation val="minMax"/>
+        </c:scaling>
+        <c:delete val="0"/>
+        <c:axPos val="b"/>
+        <c:numFmt formatCode="General" sourceLinked="1"/>
+        <c:majorTickMark val="none"/>
+        <c:minorTickMark val="none"/>
+        <c:tickLblPos val="nextTo"/>
+        <c:spPr>
+          <a:noFill/>
+          <a:ln w="9525" cap="flat" cmpd="sng" algn="ctr">
+            <a:solidFill>
+              <a:schemeClr val="tx1">
+                <a:lumMod val="15000"/>
+                <a:lumOff val="85000"/>
+              </a:schemeClr>
+            </a:solidFill>
+            <a:round/>
+          </a:ln>
+          <a:effectLst/>
+        </c:spPr>
+        <c:txPr>
+          <a:bodyPr rot="-60000000" spcFirstLastPara="1" vertOverflow="ellipsis" vert="horz" wrap="square" anchor="ctr" anchorCtr="1"/>
+          <a:lstStyle/>
+          <a:p>
+            <a:pPr>
+              <a:defRPr sz="1600" b="0" i="0" u="none" strike="noStrike" kern="1200" baseline="0">
+                <a:solidFill>
+                  <a:schemeClr val="tx1">
+                    <a:lumMod val="65000"/>
+                    <a:lumOff val="35000"/>
+                  </a:schemeClr>
+                </a:solidFill>
+                <a:latin typeface="+mn-lt"/>
+                <a:ea typeface="+mn-ea"/>
+                <a:cs typeface="+mn-cs"/>
+              </a:defRPr>
+            </a:pPr>
+            <a:endParaRPr lang="zh-CN"/>
+          </a:p>
+        </c:txPr>
+        <c:crossAx val="222141424"/>
+        <c:crosses val="autoZero"/>
+        <c:auto val="1"/>
+        <c:lblAlgn val="ctr"/>
+        <c:lblOffset val="100"/>
+        <c:noMultiLvlLbl val="0"/>
+      </c:catAx>
+      <c:valAx>
+        <c:axId val="222141424"/>
+        <c:scaling>
+          <c:orientation val="minMax"/>
+        </c:scaling>
+        <c:delete val="0"/>
+        <c:axPos val="l"/>
+        <c:majorGridlines>
+          <c:spPr>
+            <a:ln w="9525" cap="flat" cmpd="sng" algn="ctr">
+              <a:solidFill>
+                <a:schemeClr val="tx1">
+                  <a:lumMod val="15000"/>
+                  <a:lumOff val="85000"/>
+                </a:schemeClr>
+              </a:solidFill>
+              <a:round/>
+            </a:ln>
+            <a:effectLst/>
+          </c:spPr>
+        </c:majorGridlines>
+        <c:numFmt formatCode="General" sourceLinked="1"/>
+        <c:majorTickMark val="none"/>
+        <c:minorTickMark val="none"/>
+        <c:tickLblPos val="nextTo"/>
+        <c:spPr>
+          <a:noFill/>
+          <a:ln>
+            <a:noFill/>
+          </a:ln>
+          <a:effectLst/>
+        </c:spPr>
+        <c:txPr>
+          <a:bodyPr rot="-60000000" spcFirstLastPara="1" vertOverflow="ellipsis" vert="horz" wrap="square" anchor="ctr" anchorCtr="1"/>
+          <a:lstStyle/>
+          <a:p>
+            <a:pPr>
+              <a:defRPr sz="1600" b="0" i="0" u="none" strike="noStrike" kern="1200" baseline="0">
+                <a:solidFill>
+                  <a:schemeClr val="tx1">
+                    <a:lumMod val="65000"/>
+                    <a:lumOff val="35000"/>
+                  </a:schemeClr>
+                </a:solidFill>
+                <a:latin typeface="+mn-lt"/>
+                <a:ea typeface="+mn-ea"/>
+                <a:cs typeface="+mn-cs"/>
+              </a:defRPr>
+            </a:pPr>
+            <a:endParaRPr lang="zh-CN"/>
+          </a:p>
+        </c:txPr>
+        <c:crossAx val="225177360"/>
+        <c:crosses val="autoZero"/>
+        <c:crossBetween val="between"/>
+      </c:valAx>
+      <c:spPr>
+        <a:solidFill>
+          <a:schemeClr val="tx1"/>
+        </a:solidFill>
+        <a:ln>
+          <a:noFill/>
+        </a:ln>
+        <a:effectLst/>
+      </c:spPr>
+    </c:plotArea>
+    <c:legend>
+      <c:legendPos val="b"/>
+      <c:layout/>
+      <c:overlay val="0"/>
+      <c:spPr>
+        <a:noFill/>
+        <a:ln>
+          <a:noFill/>
+        </a:ln>
+        <a:effectLst/>
+      </c:spPr>
+      <c:txPr>
+        <a:bodyPr rot="0" spcFirstLastPara="1" vertOverflow="ellipsis" vert="horz" wrap="square" anchor="ctr" anchorCtr="1"/>
+        <a:lstStyle/>
+        <a:p>
+          <a:pPr>
+            <a:defRPr sz="1600" b="0" i="0" u="none" strike="noStrike" kern="1200" baseline="0">
+              <a:solidFill>
+                <a:schemeClr val="tx1">
+                  <a:lumMod val="65000"/>
+                  <a:lumOff val="35000"/>
+                </a:schemeClr>
+              </a:solidFill>
+              <a:latin typeface="+mn-lt"/>
+              <a:ea typeface="+mn-ea"/>
+              <a:cs typeface="+mn-cs"/>
+            </a:defRPr>
+          </a:pPr>
+          <a:endParaRPr lang="zh-CN"/>
+        </a:p>
+      </c:txPr>
+    </c:legend>
+    <c:plotVisOnly val="1"/>
+    <c:dispBlanksAs val="gap"/>
+    <c:showDLblsOverMax val="0"/>
+  </c:chart>
+  <c:spPr>
+    <a:noFill/>
+    <a:ln>
+      <a:noFill/>
+    </a:ln>
+    <a:effectLst/>
+  </c:spPr>
+  <c:txPr>
+    <a:bodyPr/>
+    <a:lstStyle/>
+    <a:p>
+      <a:pPr>
+        <a:defRPr sz="1600"/>
+      </a:pPr>
+      <a:endParaRPr lang="zh-CN"/>
+    </a:p>
+  </c:txPr>
+  <c:externalData r:id="rId3">
+    <c:autoUpdate val="0"/>
+  </c:externalData>
+</c:chartSpace>
+</file>
+
+<file path=ppt/charts/chart4.xml><?xml version="1.0" encoding="utf-8"?>
+<c:chartSpace xmlns:c="http://schemas.openxmlformats.org/drawingml/2006/chart" xmlns:a="http://schemas.openxmlformats.org/drawingml/2006/main" xmlns:r="http://schemas.openxmlformats.org/officeDocument/2006/relationships">
+  <c:date1904 val="0"/>
+  <c:lang val="zh-CN"/>
+  <c:roundedCorners val="0"/>
+  <mc:AlternateContent xmlns:mc="http://schemas.openxmlformats.org/markup-compatibility/2006">
+    <mc:Choice xmlns:c14="http://schemas.microsoft.com/office/drawing/2007/8/2/chart" Requires="c14">
+      <c14:style val="102"/>
+    </mc:Choice>
+    <mc:Fallback>
+      <c:style val="2"/>
+    </mc:Fallback>
+  </mc:AlternateContent>
+  <c:chart>
+    <c:title>
+      <c:tx>
+        <c:rich>
+          <a:bodyPr rot="0" spcFirstLastPara="1" vertOverflow="ellipsis" vert="horz" wrap="square" anchor="ctr" anchorCtr="1"/>
+          <a:lstStyle/>
+          <a:p>
+            <a:pPr>
+              <a:defRPr sz="1920" b="0" i="0" u="none" strike="noStrike" kern="1200" spc="0" baseline="0">
+                <a:solidFill>
+                  <a:schemeClr val="tx1">
+                    <a:lumMod val="65000"/>
+                    <a:lumOff val="35000"/>
+                  </a:schemeClr>
+                </a:solidFill>
+                <a:latin typeface="+mn-lt"/>
+                <a:ea typeface="+mn-ea"/>
+                <a:cs typeface="+mn-cs"/>
+              </a:defRPr>
+            </a:pPr>
+            <a:r>
+              <a:rPr lang="zh-CN" altLang="en-US" dirty="0" smtClean="0">
+                <a:solidFill>
+                  <a:schemeClr val="tx2">
+                    <a:lumMod val="10000"/>
+                  </a:schemeClr>
+                </a:solidFill>
+              </a:rPr>
+              <a:t>启动次数</a:t>
+            </a:r>
+            <a:endParaRPr lang="zh-CN" altLang="en-US" dirty="0">
+              <a:solidFill>
+                <a:schemeClr val="tx2">
+                  <a:lumMod val="10000"/>
+                </a:schemeClr>
+              </a:solidFill>
+            </a:endParaRPr>
+          </a:p>
+        </c:rich>
+      </c:tx>
+      <c:layout/>
+      <c:overlay val="0"/>
+      <c:spPr>
+        <a:noFill/>
+        <a:ln>
+          <a:noFill/>
+        </a:ln>
+        <a:effectLst/>
+      </c:spPr>
+      <c:txPr>
+        <a:bodyPr rot="0" spcFirstLastPara="1" vertOverflow="ellipsis" vert="horz" wrap="square" anchor="ctr" anchorCtr="1"/>
+        <a:lstStyle/>
+        <a:p>
+          <a:pPr>
+            <a:defRPr sz="1920" b="0" i="0" u="none" strike="noStrike" kern="1200" spc="0" baseline="0">
+              <a:solidFill>
+                <a:schemeClr val="tx1">
+                  <a:lumMod val="65000"/>
+                  <a:lumOff val="35000"/>
+                </a:schemeClr>
+              </a:solidFill>
+              <a:latin typeface="+mn-lt"/>
+              <a:ea typeface="+mn-ea"/>
+              <a:cs typeface="+mn-cs"/>
+            </a:defRPr>
+          </a:pPr>
+          <a:endParaRPr lang="zh-CN"/>
+        </a:p>
+      </c:txPr>
+    </c:title>
+    <c:autoTitleDeleted val="0"/>
+    <c:plotArea>
+      <c:layout>
+        <c:manualLayout>
+          <c:layoutTarget val="inner"/>
+          <c:xMode val="edge"/>
+          <c:yMode val="edge"/>
+          <c:x val="0.11340152664977303"/>
+          <c:y val="1.7159889636237362E-2"/>
+          <c:w val="0.86217920873541942"/>
+          <c:h val="0.88919727522571335"/>
+        </c:manualLayout>
+      </c:layout>
+      <c:barChart>
+        <c:barDir val="col"/>
+        <c:grouping val="clustered"/>
+        <c:varyColors val="0"/>
+        <c:ser>
+          <c:idx val="0"/>
+          <c:order val="0"/>
+          <c:tx>
+            <c:strRef>
+              <c:f>Sheet1!$B$1</c:f>
+              <c:strCache>
+                <c:ptCount val="1"/>
+                <c:pt idx="0">
+                  <c:v>iOS</c:v>
                 </c:pt>
               </c:strCache>
             </c:strRef>
@@ -1286,7 +1979,7 @@
               <c:strCache>
                 <c:ptCount val="1"/>
                 <c:pt idx="0">
-                  <c:v>安卓用户</c:v>
+                  <c:v>Android</c:v>
                 </c:pt>
               </c:strCache>
             </c:strRef>
@@ -1405,11 +2098,11 @@
           <c:showBubbleSize val="0"/>
         </c:dLbls>
         <c:gapWidth val="150"/>
-        <c:axId val="408985680"/>
-        <c:axId val="408984000"/>
+        <c:axId val="581107552"/>
+        <c:axId val="330656320"/>
       </c:barChart>
       <c:catAx>
-        <c:axId val="408985680"/>
+        <c:axId val="581107552"/>
         <c:scaling>
           <c:orientation val="minMax"/>
         </c:scaling>
@@ -1452,7 +2145,7 @@
             <a:endParaRPr lang="zh-CN"/>
           </a:p>
         </c:txPr>
-        <c:crossAx val="408984000"/>
+        <c:crossAx val="330656320"/>
         <c:crosses val="autoZero"/>
         <c:auto val="1"/>
         <c:lblAlgn val="ctr"/>
@@ -1460,7 +2153,7 @@
         <c:noMultiLvlLbl val="0"/>
       </c:catAx>
       <c:valAx>
-        <c:axId val="408984000"/>
+        <c:axId val="330656320"/>
         <c:scaling>
           <c:orientation val="minMax"/>
         </c:scaling>
@@ -1511,7 +2204,7 @@
             <a:endParaRPr lang="zh-CN"/>
           </a:p>
         </c:txPr>
-        <c:crossAx val="408985680"/>
+        <c:crossAx val="581107552"/>
         <c:crosses val="autoZero"/>
         <c:crossBetween val="between"/>
       </c:valAx>
@@ -1584,7 +2277,7 @@
 </c:chartSpace>
 </file>
 
-<file path=ppt/charts/chart4.xml><?xml version="1.0" encoding="utf-8"?>
+<file path=ppt/charts/chart5.xml><?xml version="1.0" encoding="utf-8"?>
 <c:chartSpace xmlns:c="http://schemas.openxmlformats.org/drawingml/2006/chart" xmlns:a="http://schemas.openxmlformats.org/drawingml/2006/main" xmlns:r="http://schemas.openxmlformats.org/officeDocument/2006/relationships">
   <c:date1904 val="0"/>
   <c:lang val="zh-CN"/>
@@ -1598,293 +2291,14 @@
     </mc:Fallback>
   </mc:AlternateContent>
   <c:chart>
-    <c:autoTitleDeleted val="0"/>
-    <c:plotArea>
-      <c:layout/>
-      <c:barChart>
-        <c:barDir val="col"/>
-        <c:grouping val="clustered"/>
-        <c:varyColors val="0"/>
-        <c:ser>
-          <c:idx val="0"/>
-          <c:order val="0"/>
-          <c:tx>
-            <c:strRef>
-              <c:f>Sheet1!$B$1</c:f>
-              <c:strCache>
-                <c:ptCount val="1"/>
-                <c:pt idx="0">
-                  <c:v>苹果用户</c:v>
-                </c:pt>
-              </c:strCache>
-            </c:strRef>
-          </c:tx>
-          <c:spPr>
-            <a:solidFill>
-              <a:schemeClr val="accent1"/>
-            </a:solidFill>
-            <a:ln>
-              <a:noFill/>
-            </a:ln>
-            <a:effectLst/>
-          </c:spPr>
-          <c:invertIfNegative val="0"/>
-          <c:dLbls>
-            <c:spPr>
-              <a:noFill/>
-              <a:ln>
-                <a:noFill/>
-              </a:ln>
-              <a:effectLst/>
-            </c:spPr>
-            <c:txPr>
-              <a:bodyPr rot="0" spcFirstLastPara="1" vertOverflow="ellipsis" vert="horz" wrap="square" anchor="ctr" anchorCtr="1"/>
-              <a:lstStyle/>
-              <a:p>
-                <a:pPr>
-                  <a:defRPr sz="1600" b="0" i="0" u="none" strike="noStrike" kern="1200" baseline="0">
-                    <a:solidFill>
-                      <a:schemeClr val="accent1"/>
-                    </a:solidFill>
-                    <a:latin typeface="+mn-lt"/>
-                    <a:ea typeface="+mn-ea"/>
-                    <a:cs typeface="+mn-cs"/>
-                  </a:defRPr>
-                </a:pPr>
-                <a:endParaRPr lang="zh-CN"/>
-              </a:p>
-            </c:txPr>
-            <c:showLegendKey val="0"/>
-            <c:showVal val="1"/>
-            <c:showCatName val="0"/>
-            <c:showSerName val="0"/>
-            <c:showPercent val="0"/>
-            <c:showBubbleSize val="0"/>
-            <c:showLeaderLines val="0"/>
-            <c:extLst>
-              <c:ext xmlns:c15="http://schemas.microsoft.com/office/drawing/2012/chart" uri="{CE6537A1-D6FC-4f65-9D91-7224C49458BB}">
-                <c15:layout/>
-                <c15:showLeaderLines val="1"/>
-                <c15:leaderLines>
-                  <c:spPr>
-                    <a:ln w="9525" cap="flat" cmpd="sng" algn="ctr">
-                      <a:solidFill>
-                        <a:schemeClr val="tx1">
-                          <a:lumMod val="35000"/>
-                          <a:lumOff val="65000"/>
-                        </a:schemeClr>
-                      </a:solidFill>
-                      <a:round/>
-                    </a:ln>
-                    <a:effectLst/>
-                  </c:spPr>
-                </c15:leaderLines>
-              </c:ext>
-            </c:extLst>
-          </c:dLbls>
-          <c:cat>
-            <c:strRef>
-              <c:f>Sheet1!$A$2:$A$5</c:f>
-              <c:strCache>
-                <c:ptCount val="4"/>
-                <c:pt idx="0">
-                  <c:v>第一周</c:v>
-                </c:pt>
-                <c:pt idx="1">
-                  <c:v>第二周</c:v>
-                </c:pt>
-                <c:pt idx="2">
-                  <c:v>第三周</c:v>
-                </c:pt>
-                <c:pt idx="3">
-                  <c:v>第四周</c:v>
-                </c:pt>
-              </c:strCache>
-            </c:strRef>
-          </c:cat>
-          <c:val>
-            <c:numRef>
-              <c:f>Sheet1!$B$2:$B$5</c:f>
-              <c:numCache>
-                <c:formatCode>General</c:formatCode>
-                <c:ptCount val="4"/>
-                <c:pt idx="0">
-                  <c:v>879</c:v>
-                </c:pt>
-                <c:pt idx="1">
-                  <c:v>1256</c:v>
-                </c:pt>
-                <c:pt idx="2">
-                  <c:v>1423</c:v>
-                </c:pt>
-                <c:pt idx="3">
-                  <c:v>1653</c:v>
-                </c:pt>
-              </c:numCache>
-            </c:numRef>
-          </c:val>
-        </c:ser>
-        <c:ser>
-          <c:idx val="1"/>
-          <c:order val="1"/>
-          <c:tx>
-            <c:strRef>
-              <c:f>Sheet1!$C$1</c:f>
-              <c:strCache>
-                <c:ptCount val="1"/>
-                <c:pt idx="0">
-                  <c:v>安卓用户</c:v>
-                </c:pt>
-              </c:strCache>
-            </c:strRef>
-          </c:tx>
-          <c:spPr>
-            <a:solidFill>
-              <a:schemeClr val="accent2"/>
-            </a:solidFill>
-            <a:ln>
-              <a:noFill/>
-            </a:ln>
-            <a:effectLst/>
-          </c:spPr>
-          <c:invertIfNegative val="0"/>
-          <c:dLbls>
-            <c:spPr>
-              <a:noFill/>
-              <a:ln>
-                <a:noFill/>
-              </a:ln>
-              <a:effectLst/>
-            </c:spPr>
-            <c:txPr>
-              <a:bodyPr rot="0" spcFirstLastPara="1" vertOverflow="ellipsis" vert="horz" wrap="square" anchor="ctr" anchorCtr="1"/>
-              <a:lstStyle/>
-              <a:p>
-                <a:pPr>
-                  <a:defRPr sz="1600" b="0" i="0" u="none" strike="noStrike" kern="1200" baseline="0">
-                    <a:solidFill>
-                      <a:schemeClr val="accent2"/>
-                    </a:solidFill>
-                    <a:latin typeface="+mn-lt"/>
-                    <a:ea typeface="+mn-ea"/>
-                    <a:cs typeface="+mn-cs"/>
-                  </a:defRPr>
-                </a:pPr>
-                <a:endParaRPr lang="zh-CN"/>
-              </a:p>
-            </c:txPr>
-            <c:showLegendKey val="0"/>
-            <c:showVal val="1"/>
-            <c:showCatName val="0"/>
-            <c:showSerName val="0"/>
-            <c:showPercent val="0"/>
-            <c:showBubbleSize val="0"/>
-            <c:showLeaderLines val="0"/>
-            <c:extLst>
-              <c:ext xmlns:c15="http://schemas.microsoft.com/office/drawing/2012/chart" uri="{CE6537A1-D6FC-4f65-9D91-7224C49458BB}">
-                <c15:layout/>
-                <c15:showLeaderLines val="1"/>
-                <c15:leaderLines>
-                  <c:spPr>
-                    <a:ln w="9525" cap="flat" cmpd="sng" algn="ctr">
-                      <a:solidFill>
-                        <a:schemeClr val="tx1">
-                          <a:lumMod val="35000"/>
-                          <a:lumOff val="65000"/>
-                        </a:schemeClr>
-                      </a:solidFill>
-                      <a:round/>
-                    </a:ln>
-                    <a:effectLst/>
-                  </c:spPr>
-                </c15:leaderLines>
-              </c:ext>
-            </c:extLst>
-          </c:dLbls>
-          <c:cat>
-            <c:strRef>
-              <c:f>Sheet1!$A$2:$A$5</c:f>
-              <c:strCache>
-                <c:ptCount val="4"/>
-                <c:pt idx="0">
-                  <c:v>第一周</c:v>
-                </c:pt>
-                <c:pt idx="1">
-                  <c:v>第二周</c:v>
-                </c:pt>
-                <c:pt idx="2">
-                  <c:v>第三周</c:v>
-                </c:pt>
-                <c:pt idx="3">
-                  <c:v>第四周</c:v>
-                </c:pt>
-              </c:strCache>
-            </c:strRef>
-          </c:cat>
-          <c:val>
-            <c:numRef>
-              <c:f>Sheet1!$C$2:$C$5</c:f>
-              <c:numCache>
-                <c:formatCode>General</c:formatCode>
-                <c:ptCount val="4"/>
-                <c:pt idx="0">
-                  <c:v>603</c:v>
-                </c:pt>
-                <c:pt idx="1">
-                  <c:v>916</c:v>
-                </c:pt>
-                <c:pt idx="2">
-                  <c:v>1163</c:v>
-                </c:pt>
-                <c:pt idx="3">
-                  <c:v>1316</c:v>
-                </c:pt>
-              </c:numCache>
-            </c:numRef>
-          </c:val>
-        </c:ser>
-        <c:dLbls>
-          <c:showLegendKey val="0"/>
-          <c:showVal val="0"/>
-          <c:showCatName val="0"/>
-          <c:showSerName val="0"/>
-          <c:showPercent val="0"/>
-          <c:showBubbleSize val="0"/>
-        </c:dLbls>
-        <c:gapWidth val="150"/>
-        <c:axId val="394937360"/>
-        <c:axId val="394939040"/>
-      </c:barChart>
-      <c:catAx>
-        <c:axId val="394937360"/>
-        <c:scaling>
-          <c:orientation val="minMax"/>
-        </c:scaling>
-        <c:delete val="0"/>
-        <c:axPos val="b"/>
-        <c:numFmt formatCode="General" sourceLinked="1"/>
-        <c:majorTickMark val="none"/>
-        <c:minorTickMark val="none"/>
-        <c:tickLblPos val="nextTo"/>
-        <c:spPr>
-          <a:noFill/>
-          <a:ln w="9525" cap="flat" cmpd="sng" algn="ctr">
-            <a:solidFill>
-              <a:schemeClr val="tx1">
-                <a:lumMod val="15000"/>
-                <a:lumOff val="85000"/>
-              </a:schemeClr>
-            </a:solidFill>
-            <a:round/>
-          </a:ln>
-          <a:effectLst/>
-        </c:spPr>
-        <c:txPr>
-          <a:bodyPr rot="-60000000" spcFirstLastPara="1" vertOverflow="ellipsis" vert="horz" wrap="square" anchor="ctr" anchorCtr="1"/>
+    <c:title>
+      <c:tx>
+        <c:rich>
+          <a:bodyPr rot="0" spcFirstLastPara="1" vertOverflow="ellipsis" vert="horz" wrap="square" anchor="ctr" anchorCtr="1"/>
           <a:lstStyle/>
           <a:p>
             <a:pPr>
-              <a:defRPr sz="1600" b="0" i="0" u="none" strike="noStrike" kern="1200" baseline="0">
+              <a:defRPr sz="1862" b="0" i="0" u="none" strike="noStrike" kern="1200" spc="0" baseline="0">
                 <a:solidFill>
                   <a:schemeClr val="tx1">
                     <a:lumMod val="65000"/>
@@ -1896,84 +2310,18 @@
                 <a:cs typeface="+mn-cs"/>
               </a:defRPr>
             </a:pPr>
-            <a:endParaRPr lang="zh-CN"/>
+            <a:r>
+              <a:rPr lang="zh-CN" altLang="en-US" dirty="0" smtClean="0"/>
+              <a:t>区域分布前</a:t>
+            </a:r>
+            <a:r>
+              <a:rPr lang="en-US" altLang="zh-CN" dirty="0" smtClean="0"/>
+              <a:t>10</a:t>
+            </a:r>
+            <a:endParaRPr lang="zh-CN" altLang="en-US" dirty="0"/>
           </a:p>
-        </c:txPr>
-        <c:crossAx val="394939040"/>
-        <c:crosses val="autoZero"/>
-        <c:auto val="1"/>
-        <c:lblAlgn val="ctr"/>
-        <c:lblOffset val="100"/>
-        <c:noMultiLvlLbl val="0"/>
-      </c:catAx>
-      <c:valAx>
-        <c:axId val="394939040"/>
-        <c:scaling>
-          <c:orientation val="minMax"/>
-        </c:scaling>
-        <c:delete val="0"/>
-        <c:axPos val="l"/>
-        <c:majorGridlines>
-          <c:spPr>
-            <a:ln w="9525" cap="flat" cmpd="sng" algn="ctr">
-              <a:solidFill>
-                <a:schemeClr val="tx1">
-                  <a:lumMod val="15000"/>
-                  <a:lumOff val="85000"/>
-                </a:schemeClr>
-              </a:solidFill>
-              <a:round/>
-            </a:ln>
-            <a:effectLst/>
-          </c:spPr>
-        </c:majorGridlines>
-        <c:numFmt formatCode="General" sourceLinked="1"/>
-        <c:majorTickMark val="none"/>
-        <c:minorTickMark val="none"/>
-        <c:tickLblPos val="nextTo"/>
-        <c:spPr>
-          <a:noFill/>
-          <a:ln>
-            <a:noFill/>
-          </a:ln>
-          <a:effectLst/>
-        </c:spPr>
-        <c:txPr>
-          <a:bodyPr rot="-60000000" spcFirstLastPara="1" vertOverflow="ellipsis" vert="horz" wrap="square" anchor="ctr" anchorCtr="1"/>
-          <a:lstStyle/>
-          <a:p>
-            <a:pPr>
-              <a:defRPr sz="1600" b="0" i="0" u="none" strike="noStrike" kern="1200" baseline="0">
-                <a:solidFill>
-                  <a:schemeClr val="tx1">
-                    <a:lumMod val="65000"/>
-                    <a:lumOff val="35000"/>
-                  </a:schemeClr>
-                </a:solidFill>
-                <a:latin typeface="+mn-lt"/>
-                <a:ea typeface="+mn-ea"/>
-                <a:cs typeface="+mn-cs"/>
-              </a:defRPr>
-            </a:pPr>
-            <a:endParaRPr lang="zh-CN"/>
-          </a:p>
-        </c:txPr>
-        <c:crossAx val="394937360"/>
-        <c:crosses val="autoZero"/>
-        <c:crossBetween val="between"/>
-      </c:valAx>
-      <c:spPr>
-        <a:solidFill>
-          <a:schemeClr val="tx1"/>
-        </a:solidFill>
-        <a:ln>
-          <a:noFill/>
-        </a:ln>
-        <a:effectLst/>
-      </c:spPr>
-    </c:plotArea>
-    <c:legend>
-      <c:legendPos val="b"/>
+        </c:rich>
+      </c:tx>
       <c:layout/>
       <c:overlay val="0"/>
       <c:spPr>
@@ -1988,7 +2336,7 @@
         <a:lstStyle/>
         <a:p>
           <a:pPr>
-            <a:defRPr sz="1600" b="0" i="0" u="none" strike="noStrike" kern="1200" baseline="0">
+            <a:defRPr sz="1862" b="0" i="0" u="none" strike="noStrike" kern="1200" spc="0" baseline="0">
               <a:solidFill>
                 <a:schemeClr val="tx1">
                   <a:lumMod val="65000"/>
@@ -2003,7 +2351,478 @@
           <a:endParaRPr lang="zh-CN"/>
         </a:p>
       </c:txPr>
-    </c:legend>
+    </c:title>
+    <c:autoTitleDeleted val="0"/>
+    <c:plotArea>
+      <c:layout>
+        <c:manualLayout>
+          <c:layoutTarget val="inner"/>
+          <c:xMode val="edge"/>
+          <c:yMode val="edge"/>
+          <c:x val="5.3925546446514004E-2"/>
+          <c:y val="8.6533633394789145E-2"/>
+          <c:w val="0.91155428300274344"/>
+          <c:h val="0.85281169194462692"/>
+        </c:manualLayout>
+      </c:layout>
+      <c:pieChart>
+        <c:varyColors val="1"/>
+        <c:ser>
+          <c:idx val="0"/>
+          <c:order val="0"/>
+          <c:tx>
+            <c:strRef>
+              <c:f>Sheet1!$B$1</c:f>
+              <c:strCache>
+                <c:ptCount val="1"/>
+                <c:pt idx="0">
+                  <c:v>列1</c:v>
+                </c:pt>
+              </c:strCache>
+            </c:strRef>
+          </c:tx>
+          <c:spPr>
+            <a:ln w="76200"/>
+          </c:spPr>
+          <c:dPt>
+            <c:idx val="0"/>
+            <c:bubble3D val="0"/>
+            <c:spPr>
+              <a:solidFill>
+                <a:schemeClr val="accent1"/>
+              </a:solidFill>
+              <a:ln w="76200">
+                <a:noFill/>
+              </a:ln>
+              <a:effectLst/>
+            </c:spPr>
+          </c:dPt>
+          <c:dPt>
+            <c:idx val="1"/>
+            <c:bubble3D val="0"/>
+            <c:spPr>
+              <a:solidFill>
+                <a:schemeClr val="accent2"/>
+              </a:solidFill>
+              <a:ln w="76200">
+                <a:noFill/>
+              </a:ln>
+              <a:effectLst/>
+            </c:spPr>
+          </c:dPt>
+          <c:dPt>
+            <c:idx val="2"/>
+            <c:bubble3D val="0"/>
+            <c:spPr>
+              <a:solidFill>
+                <a:schemeClr val="accent3"/>
+              </a:solidFill>
+              <a:ln w="76200">
+                <a:noFill/>
+              </a:ln>
+              <a:effectLst/>
+            </c:spPr>
+          </c:dPt>
+          <c:dPt>
+            <c:idx val="3"/>
+            <c:bubble3D val="0"/>
+            <c:spPr>
+              <a:solidFill>
+                <a:schemeClr val="accent4"/>
+              </a:solidFill>
+              <a:ln w="76200">
+                <a:noFill/>
+              </a:ln>
+              <a:effectLst/>
+            </c:spPr>
+          </c:dPt>
+          <c:dPt>
+            <c:idx val="4"/>
+            <c:bubble3D val="0"/>
+            <c:spPr>
+              <a:solidFill>
+                <a:schemeClr val="accent5"/>
+              </a:solidFill>
+              <a:ln w="76200">
+                <a:noFill/>
+              </a:ln>
+              <a:effectLst/>
+            </c:spPr>
+          </c:dPt>
+          <c:dPt>
+            <c:idx val="5"/>
+            <c:bubble3D val="0"/>
+            <c:spPr>
+              <a:solidFill>
+                <a:schemeClr val="accent6"/>
+              </a:solidFill>
+              <a:ln w="76200">
+                <a:noFill/>
+              </a:ln>
+              <a:effectLst/>
+            </c:spPr>
+          </c:dPt>
+          <c:dPt>
+            <c:idx val="6"/>
+            <c:bubble3D val="0"/>
+            <c:spPr>
+              <a:solidFill>
+                <a:schemeClr val="accent1">
+                  <a:lumMod val="60000"/>
+                </a:schemeClr>
+              </a:solidFill>
+              <a:ln w="76200">
+                <a:noFill/>
+              </a:ln>
+              <a:effectLst/>
+            </c:spPr>
+          </c:dPt>
+          <c:dPt>
+            <c:idx val="7"/>
+            <c:bubble3D val="0"/>
+            <c:spPr>
+              <a:solidFill>
+                <a:schemeClr val="accent2">
+                  <a:lumMod val="60000"/>
+                </a:schemeClr>
+              </a:solidFill>
+              <a:ln w="76200">
+                <a:noFill/>
+              </a:ln>
+              <a:effectLst/>
+            </c:spPr>
+          </c:dPt>
+          <c:dPt>
+            <c:idx val="8"/>
+            <c:bubble3D val="0"/>
+            <c:spPr>
+              <a:solidFill>
+                <a:schemeClr val="accent3">
+                  <a:lumMod val="60000"/>
+                </a:schemeClr>
+              </a:solidFill>
+              <a:ln w="76200">
+                <a:noFill/>
+              </a:ln>
+              <a:effectLst/>
+            </c:spPr>
+          </c:dPt>
+          <c:dPt>
+            <c:idx val="9"/>
+            <c:bubble3D val="0"/>
+            <c:spPr>
+              <a:solidFill>
+                <a:schemeClr val="accent4">
+                  <a:lumMod val="60000"/>
+                </a:schemeClr>
+              </a:solidFill>
+              <a:ln w="76200">
+                <a:noFill/>
+              </a:ln>
+              <a:effectLst/>
+            </c:spPr>
+          </c:dPt>
+          <c:dLbls>
+            <c:spPr>
+              <a:solidFill>
+                <a:srgbClr val="FFFFFF"/>
+              </a:solidFill>
+              <a:ln>
+                <a:solidFill>
+                  <a:srgbClr val="FF0000">
+                    <a:lumMod val="25000"/>
+                    <a:lumOff val="75000"/>
+                  </a:srgbClr>
+                </a:solidFill>
+              </a:ln>
+              <a:effectLst/>
+            </c:spPr>
+            <c:txPr>
+              <a:bodyPr rot="0" spcFirstLastPara="1" vertOverflow="clip" horzOverflow="clip" vert="horz" wrap="square" lIns="38100" tIns="19050" rIns="38100" bIns="19050" anchor="ctr" anchorCtr="1">
+                <a:spAutoFit/>
+              </a:bodyPr>
+              <a:lstStyle/>
+              <a:p>
+                <a:pPr>
+                  <a:defRPr sz="1197" b="0" i="0" u="none" strike="noStrike" kern="1200" baseline="0">
+                    <a:solidFill>
+                      <a:schemeClr val="dk1">
+                        <a:lumMod val="65000"/>
+                        <a:lumOff val="35000"/>
+                      </a:schemeClr>
+                    </a:solidFill>
+                    <a:latin typeface="+mn-lt"/>
+                    <a:ea typeface="+mn-ea"/>
+                    <a:cs typeface="+mn-cs"/>
+                  </a:defRPr>
+                </a:pPr>
+                <a:endParaRPr lang="zh-CN"/>
+              </a:p>
+            </c:txPr>
+            <c:dLblPos val="inEnd"/>
+            <c:showLegendKey val="0"/>
+            <c:showVal val="0"/>
+            <c:showCatName val="1"/>
+            <c:showSerName val="0"/>
+            <c:showPercent val="1"/>
+            <c:showBubbleSize val="0"/>
+            <c:showLeaderLines val="0"/>
+            <c:extLst>
+              <c:ext xmlns:c15="http://schemas.microsoft.com/office/drawing/2012/chart" uri="{CE6537A1-D6FC-4f65-9D91-7224C49458BB}">
+                <c15:spPr xmlns:c15="http://schemas.microsoft.com/office/drawing/2012/chart">
+                  <a:prstGeom prst="wedgeRectCallout">
+                    <a:avLst/>
+                  </a:prstGeom>
+                  <a:noFill/>
+                  <a:ln>
+                    <a:noFill/>
+                  </a:ln>
+                </c15:spPr>
+                <c15:layout/>
+              </c:ext>
+            </c:extLst>
+          </c:dLbls>
+          <c:cat>
+            <c:strRef>
+              <c:f>Sheet1!$A$2:$A$10</c:f>
+              <c:strCache>
+                <c:ptCount val="9"/>
+                <c:pt idx="0">
+                  <c:v>辽宁</c:v>
+                </c:pt>
+                <c:pt idx="1">
+                  <c:v>河北</c:v>
+                </c:pt>
+                <c:pt idx="2">
+                  <c:v>山东</c:v>
+                </c:pt>
+                <c:pt idx="3">
+                  <c:v>四川</c:v>
+                </c:pt>
+                <c:pt idx="4">
+                  <c:v>浙江</c:v>
+                </c:pt>
+                <c:pt idx="5">
+                  <c:v>江苏</c:v>
+                </c:pt>
+                <c:pt idx="6">
+                  <c:v>广东</c:v>
+                </c:pt>
+                <c:pt idx="7">
+                  <c:v>北京</c:v>
+                </c:pt>
+                <c:pt idx="8">
+                  <c:v>上海</c:v>
+                </c:pt>
+              </c:strCache>
+            </c:strRef>
+          </c:cat>
+          <c:val>
+            <c:numRef>
+              <c:f>Sheet1!$B$2:$B$11</c:f>
+              <c:numCache>
+                <c:formatCode>General</c:formatCode>
+                <c:ptCount val="10"/>
+                <c:pt idx="0">
+                  <c:v>86</c:v>
+                </c:pt>
+                <c:pt idx="1">
+                  <c:v>133</c:v>
+                </c:pt>
+                <c:pt idx="2">
+                  <c:v>136</c:v>
+                </c:pt>
+                <c:pt idx="3">
+                  <c:v>165</c:v>
+                </c:pt>
+                <c:pt idx="4">
+                  <c:v>197</c:v>
+                </c:pt>
+                <c:pt idx="5">
+                  <c:v>224</c:v>
+                </c:pt>
+                <c:pt idx="6">
+                  <c:v>256</c:v>
+                </c:pt>
+                <c:pt idx="7">
+                  <c:v>379</c:v>
+                </c:pt>
+                <c:pt idx="8">
+                  <c:v>652</c:v>
+                </c:pt>
+              </c:numCache>
+            </c:numRef>
+          </c:val>
+        </c:ser>
+        <c:ser>
+          <c:idx val="1"/>
+          <c:order val="1"/>
+          <c:tx>
+            <c:strRef>
+              <c:f>Sheet1!#REF!</c:f>
+              <c:strCache>
+                <c:ptCount val="1"/>
+                <c:pt idx="0">
+                  <c:v>#REF!</c:v>
+                </c:pt>
+              </c:strCache>
+            </c:strRef>
+          </c:tx>
+          <c:dPt>
+            <c:idx val="0"/>
+            <c:bubble3D val="0"/>
+            <c:spPr>
+              <a:solidFill>
+                <a:schemeClr val="accent1"/>
+              </a:solidFill>
+              <a:ln>
+                <a:noFill/>
+              </a:ln>
+              <a:effectLst/>
+            </c:spPr>
+          </c:dPt>
+          <c:cat>
+            <c:strRef>
+              <c:f>Sheet1!$A$2:$A$10</c:f>
+              <c:strCache>
+                <c:ptCount val="9"/>
+                <c:pt idx="0">
+                  <c:v>辽宁</c:v>
+                </c:pt>
+                <c:pt idx="1">
+                  <c:v>河北</c:v>
+                </c:pt>
+                <c:pt idx="2">
+                  <c:v>山东</c:v>
+                </c:pt>
+                <c:pt idx="3">
+                  <c:v>四川</c:v>
+                </c:pt>
+                <c:pt idx="4">
+                  <c:v>浙江</c:v>
+                </c:pt>
+                <c:pt idx="5">
+                  <c:v>江苏</c:v>
+                </c:pt>
+                <c:pt idx="6">
+                  <c:v>广东</c:v>
+                </c:pt>
+                <c:pt idx="7">
+                  <c:v>北京</c:v>
+                </c:pt>
+                <c:pt idx="8">
+                  <c:v>上海</c:v>
+                </c:pt>
+              </c:strCache>
+            </c:strRef>
+          </c:cat>
+          <c:val>
+            <c:numRef>
+              <c:f>Sheet1!#REF!</c:f>
+              <c:numCache>
+                <c:formatCode>General</c:formatCode>
+                <c:ptCount val="1"/>
+                <c:pt idx="0">
+                  <c:v>1</c:v>
+                </c:pt>
+              </c:numCache>
+            </c:numRef>
+          </c:val>
+        </c:ser>
+        <c:ser>
+          <c:idx val="2"/>
+          <c:order val="2"/>
+          <c:tx>
+            <c:strRef>
+              <c:f>Sheet1!#REF!</c:f>
+              <c:strCache>
+                <c:ptCount val="1"/>
+                <c:pt idx="0">
+                  <c:v>#REF!</c:v>
+                </c:pt>
+              </c:strCache>
+            </c:strRef>
+          </c:tx>
+          <c:dPt>
+            <c:idx val="0"/>
+            <c:bubble3D val="0"/>
+            <c:spPr>
+              <a:solidFill>
+                <a:schemeClr val="accent1"/>
+              </a:solidFill>
+              <a:ln>
+                <a:noFill/>
+              </a:ln>
+              <a:effectLst/>
+            </c:spPr>
+          </c:dPt>
+          <c:cat>
+            <c:strRef>
+              <c:f>Sheet1!$A$2:$A$10</c:f>
+              <c:strCache>
+                <c:ptCount val="9"/>
+                <c:pt idx="0">
+                  <c:v>辽宁</c:v>
+                </c:pt>
+                <c:pt idx="1">
+                  <c:v>河北</c:v>
+                </c:pt>
+                <c:pt idx="2">
+                  <c:v>山东</c:v>
+                </c:pt>
+                <c:pt idx="3">
+                  <c:v>四川</c:v>
+                </c:pt>
+                <c:pt idx="4">
+                  <c:v>浙江</c:v>
+                </c:pt>
+                <c:pt idx="5">
+                  <c:v>江苏</c:v>
+                </c:pt>
+                <c:pt idx="6">
+                  <c:v>广东</c:v>
+                </c:pt>
+                <c:pt idx="7">
+                  <c:v>北京</c:v>
+                </c:pt>
+                <c:pt idx="8">
+                  <c:v>上海</c:v>
+                </c:pt>
+              </c:strCache>
+            </c:strRef>
+          </c:cat>
+          <c:val>
+            <c:numRef>
+              <c:f>Sheet1!#REF!</c:f>
+              <c:numCache>
+                <c:formatCode>General</c:formatCode>
+                <c:ptCount val="1"/>
+                <c:pt idx="0">
+                  <c:v>1</c:v>
+                </c:pt>
+              </c:numCache>
+            </c:numRef>
+          </c:val>
+        </c:ser>
+        <c:dLbls>
+          <c:showLegendKey val="0"/>
+          <c:showVal val="0"/>
+          <c:showCatName val="0"/>
+          <c:showSerName val="0"/>
+          <c:showPercent val="0"/>
+          <c:showBubbleSize val="0"/>
+          <c:showLeaderLines val="0"/>
+        </c:dLbls>
+        <c:firstSliceAng val="0"/>
+      </c:pieChart>
+      <c:spPr>
+        <a:noFill/>
+        <a:ln>
+          <a:noFill/>
+        </a:ln>
+        <a:effectLst/>
+      </c:spPr>
+    </c:plotArea>
     <c:plotVisOnly val="1"/>
     <c:dispBlanksAs val="gap"/>
     <c:showDLblsOverMax val="0"/>
@@ -2020,7 +2839,638 @@
     <a:lstStyle/>
     <a:p>
       <a:pPr>
-        <a:defRPr sz="1600"/>
+        <a:defRPr/>
+      </a:pPr>
+      <a:endParaRPr lang="zh-CN"/>
+    </a:p>
+  </c:txPr>
+  <c:externalData r:id="rId3">
+    <c:autoUpdate val="0"/>
+  </c:externalData>
+</c:chartSpace>
+</file>
+
+<file path=ppt/charts/chart6.xml><?xml version="1.0" encoding="utf-8"?>
+<c:chartSpace xmlns:c="http://schemas.openxmlformats.org/drawingml/2006/chart" xmlns:a="http://schemas.openxmlformats.org/drawingml/2006/main" xmlns:r="http://schemas.openxmlformats.org/officeDocument/2006/relationships">
+  <c:date1904 val="0"/>
+  <c:lang val="zh-CN"/>
+  <c:roundedCorners val="0"/>
+  <mc:AlternateContent xmlns:mc="http://schemas.openxmlformats.org/markup-compatibility/2006">
+    <mc:Choice xmlns:c14="http://schemas.microsoft.com/office/drawing/2007/8/2/chart" Requires="c14">
+      <c14:style val="102"/>
+    </mc:Choice>
+    <mc:Fallback>
+      <c:style val="2"/>
+    </mc:Fallback>
+  </mc:AlternateContent>
+  <c:chart>
+    <c:autoTitleDeleted val="1"/>
+    <c:plotArea>
+      <c:layout>
+        <c:manualLayout>
+          <c:layoutTarget val="inner"/>
+          <c:xMode val="edge"/>
+          <c:yMode val="edge"/>
+          <c:x val="2.2032205638338201E-2"/>
+          <c:y val="9.5374394178474778E-2"/>
+          <c:w val="0.94794856895217905"/>
+          <c:h val="0.84397096964335783"/>
+        </c:manualLayout>
+      </c:layout>
+      <c:barChart>
+        <c:barDir val="bar"/>
+        <c:grouping val="clustered"/>
+        <c:varyColors val="0"/>
+        <c:ser>
+          <c:idx val="0"/>
+          <c:order val="0"/>
+          <c:tx>
+            <c:strRef>
+              <c:f>Sheet1!$B$1</c:f>
+              <c:strCache>
+                <c:ptCount val="1"/>
+                <c:pt idx="0">
+                  <c:v>列1</c:v>
+                </c:pt>
+              </c:strCache>
+            </c:strRef>
+          </c:tx>
+          <c:spPr>
+            <a:solidFill>
+              <a:schemeClr val="accent1"/>
+            </a:solidFill>
+            <a:ln w="76200">
+              <a:noFill/>
+            </a:ln>
+            <a:effectLst/>
+          </c:spPr>
+          <c:invertIfNegative val="0"/>
+          <c:dPt>
+            <c:idx val="0"/>
+            <c:invertIfNegative val="0"/>
+            <c:bubble3D val="0"/>
+            <c:spPr>
+              <a:solidFill>
+                <a:schemeClr val="accent1"/>
+              </a:solidFill>
+              <a:ln w="76200">
+                <a:noFill/>
+              </a:ln>
+              <a:effectLst/>
+            </c:spPr>
+          </c:dPt>
+          <c:dPt>
+            <c:idx val="1"/>
+            <c:invertIfNegative val="0"/>
+            <c:bubble3D val="0"/>
+            <c:spPr>
+              <a:solidFill>
+                <a:schemeClr val="accent1"/>
+              </a:solidFill>
+              <a:ln w="76200">
+                <a:noFill/>
+              </a:ln>
+              <a:effectLst/>
+            </c:spPr>
+          </c:dPt>
+          <c:dPt>
+            <c:idx val="2"/>
+            <c:invertIfNegative val="0"/>
+            <c:bubble3D val="0"/>
+            <c:spPr>
+              <a:solidFill>
+                <a:schemeClr val="accent1"/>
+              </a:solidFill>
+              <a:ln w="76200">
+                <a:noFill/>
+              </a:ln>
+              <a:effectLst/>
+            </c:spPr>
+          </c:dPt>
+          <c:dPt>
+            <c:idx val="3"/>
+            <c:invertIfNegative val="0"/>
+            <c:bubble3D val="0"/>
+            <c:spPr>
+              <a:solidFill>
+                <a:schemeClr val="accent1"/>
+              </a:solidFill>
+              <a:ln w="76200">
+                <a:noFill/>
+              </a:ln>
+              <a:effectLst/>
+            </c:spPr>
+          </c:dPt>
+          <c:dPt>
+            <c:idx val="4"/>
+            <c:invertIfNegative val="0"/>
+            <c:bubble3D val="0"/>
+            <c:spPr>
+              <a:solidFill>
+                <a:schemeClr val="accent1"/>
+              </a:solidFill>
+              <a:ln w="76200">
+                <a:noFill/>
+              </a:ln>
+              <a:effectLst/>
+            </c:spPr>
+          </c:dPt>
+          <c:dPt>
+            <c:idx val="5"/>
+            <c:invertIfNegative val="0"/>
+            <c:bubble3D val="0"/>
+            <c:spPr>
+              <a:solidFill>
+                <a:schemeClr val="accent1"/>
+              </a:solidFill>
+              <a:ln w="76200">
+                <a:noFill/>
+              </a:ln>
+              <a:effectLst/>
+            </c:spPr>
+          </c:dPt>
+          <c:dPt>
+            <c:idx val="6"/>
+            <c:invertIfNegative val="0"/>
+            <c:bubble3D val="0"/>
+            <c:spPr>
+              <a:solidFill>
+                <a:schemeClr val="accent1"/>
+              </a:solidFill>
+              <a:ln w="76200">
+                <a:noFill/>
+              </a:ln>
+              <a:effectLst/>
+            </c:spPr>
+          </c:dPt>
+          <c:dPt>
+            <c:idx val="7"/>
+            <c:invertIfNegative val="0"/>
+            <c:bubble3D val="0"/>
+            <c:spPr>
+              <a:solidFill>
+                <a:schemeClr val="accent1"/>
+              </a:solidFill>
+              <a:ln w="76200">
+                <a:noFill/>
+              </a:ln>
+              <a:effectLst/>
+            </c:spPr>
+          </c:dPt>
+          <c:dPt>
+            <c:idx val="8"/>
+            <c:invertIfNegative val="0"/>
+            <c:bubble3D val="0"/>
+            <c:spPr>
+              <a:solidFill>
+                <a:schemeClr val="accent1"/>
+              </a:solidFill>
+              <a:ln w="76200">
+                <a:noFill/>
+              </a:ln>
+              <a:effectLst/>
+            </c:spPr>
+          </c:dPt>
+          <c:dPt>
+            <c:idx val="9"/>
+            <c:invertIfNegative val="0"/>
+            <c:bubble3D val="0"/>
+            <c:spPr>
+              <a:solidFill>
+                <a:schemeClr val="accent1"/>
+              </a:solidFill>
+              <a:ln w="76200">
+                <a:noFill/>
+              </a:ln>
+              <a:effectLst/>
+            </c:spPr>
+          </c:dPt>
+          <c:dLbls>
+            <c:spPr>
+              <a:solidFill>
+                <a:srgbClr val="FFFFFF"/>
+              </a:solidFill>
+              <a:ln>
+                <a:solidFill>
+                  <a:srgbClr val="FF0000">
+                    <a:lumMod val="25000"/>
+                    <a:lumOff val="75000"/>
+                  </a:srgbClr>
+                </a:solidFill>
+              </a:ln>
+              <a:effectLst/>
+            </c:spPr>
+            <c:txPr>
+              <a:bodyPr rot="0" spcFirstLastPara="1" vertOverflow="clip" horzOverflow="clip" vert="horz" wrap="square" lIns="38100" tIns="19050" rIns="38100" bIns="19050" anchor="ctr" anchorCtr="1">
+                <a:spAutoFit/>
+              </a:bodyPr>
+              <a:lstStyle/>
+              <a:p>
+                <a:pPr>
+                  <a:defRPr sz="1197" b="0" i="0" u="none" strike="noStrike" kern="1200" baseline="0">
+                    <a:solidFill>
+                      <a:schemeClr val="dk1">
+                        <a:lumMod val="65000"/>
+                        <a:lumOff val="35000"/>
+                      </a:schemeClr>
+                    </a:solidFill>
+                    <a:latin typeface="+mn-lt"/>
+                    <a:ea typeface="+mn-ea"/>
+                    <a:cs typeface="+mn-cs"/>
+                  </a:defRPr>
+                </a:pPr>
+                <a:endParaRPr lang="zh-CN"/>
+              </a:p>
+            </c:txPr>
+            <c:showLegendKey val="0"/>
+            <c:showVal val="1"/>
+            <c:showCatName val="1"/>
+            <c:showSerName val="0"/>
+            <c:showPercent val="0"/>
+            <c:showBubbleSize val="0"/>
+            <c:showLeaderLines val="0"/>
+            <c:extLst>
+              <c:ext xmlns:c15="http://schemas.microsoft.com/office/drawing/2012/chart" uri="{CE6537A1-D6FC-4f65-9D91-7224C49458BB}">
+                <c15:spPr xmlns:c15="http://schemas.microsoft.com/office/drawing/2012/chart">
+                  <a:prstGeom prst="wedgeRectCallout">
+                    <a:avLst/>
+                  </a:prstGeom>
+                  <a:noFill/>
+                  <a:ln>
+                    <a:noFill/>
+                  </a:ln>
+                </c15:spPr>
+                <c15:layout/>
+                <c15:showLeaderLines val="0"/>
+              </c:ext>
+            </c:extLst>
+          </c:dLbls>
+          <c:cat>
+            <c:strRef>
+              <c:f>Sheet1!$A$2:$A$10</c:f>
+              <c:strCache>
+                <c:ptCount val="9"/>
+                <c:pt idx="0">
+                  <c:v>辽宁</c:v>
+                </c:pt>
+                <c:pt idx="1">
+                  <c:v>河北</c:v>
+                </c:pt>
+                <c:pt idx="2">
+                  <c:v>山东</c:v>
+                </c:pt>
+                <c:pt idx="3">
+                  <c:v>四川</c:v>
+                </c:pt>
+                <c:pt idx="4">
+                  <c:v>浙江</c:v>
+                </c:pt>
+                <c:pt idx="5">
+                  <c:v>江苏</c:v>
+                </c:pt>
+                <c:pt idx="6">
+                  <c:v>广东</c:v>
+                </c:pt>
+                <c:pt idx="7">
+                  <c:v>北京</c:v>
+                </c:pt>
+                <c:pt idx="8">
+                  <c:v>上海</c:v>
+                </c:pt>
+              </c:strCache>
+            </c:strRef>
+          </c:cat>
+          <c:val>
+            <c:numRef>
+              <c:f>Sheet1!$B$2:$B$11</c:f>
+              <c:numCache>
+                <c:formatCode>General</c:formatCode>
+                <c:ptCount val="10"/>
+                <c:pt idx="0">
+                  <c:v>86</c:v>
+                </c:pt>
+                <c:pt idx="1">
+                  <c:v>133</c:v>
+                </c:pt>
+                <c:pt idx="2">
+                  <c:v>136</c:v>
+                </c:pt>
+                <c:pt idx="3">
+                  <c:v>165</c:v>
+                </c:pt>
+                <c:pt idx="4">
+                  <c:v>197</c:v>
+                </c:pt>
+                <c:pt idx="5">
+                  <c:v>224</c:v>
+                </c:pt>
+                <c:pt idx="6">
+                  <c:v>256</c:v>
+                </c:pt>
+                <c:pt idx="7">
+                  <c:v>379</c:v>
+                </c:pt>
+                <c:pt idx="8">
+                  <c:v>652</c:v>
+                </c:pt>
+              </c:numCache>
+            </c:numRef>
+          </c:val>
+        </c:ser>
+        <c:ser>
+          <c:idx val="1"/>
+          <c:order val="1"/>
+          <c:tx>
+            <c:strRef>
+              <c:f>Sheet1!#REF!</c:f>
+              <c:strCache>
+                <c:ptCount val="1"/>
+                <c:pt idx="0">
+                  <c:v>#REF!</c:v>
+                </c:pt>
+              </c:strCache>
+            </c:strRef>
+          </c:tx>
+          <c:spPr>
+            <a:solidFill>
+              <a:schemeClr val="accent2"/>
+            </a:solidFill>
+            <a:ln>
+              <a:noFill/>
+            </a:ln>
+            <a:effectLst/>
+          </c:spPr>
+          <c:invertIfNegative val="0"/>
+          <c:dPt>
+            <c:idx val="0"/>
+            <c:invertIfNegative val="0"/>
+            <c:bubble3D val="0"/>
+            <c:spPr>
+              <a:solidFill>
+                <a:schemeClr val="accent2"/>
+              </a:solidFill>
+              <a:ln>
+                <a:noFill/>
+              </a:ln>
+              <a:effectLst/>
+            </c:spPr>
+          </c:dPt>
+          <c:dLbls>
+            <c:delete val="1"/>
+          </c:dLbls>
+          <c:cat>
+            <c:strRef>
+              <c:f>Sheet1!$A$2:$A$10</c:f>
+              <c:strCache>
+                <c:ptCount val="9"/>
+                <c:pt idx="0">
+                  <c:v>辽宁</c:v>
+                </c:pt>
+                <c:pt idx="1">
+                  <c:v>河北</c:v>
+                </c:pt>
+                <c:pt idx="2">
+                  <c:v>山东</c:v>
+                </c:pt>
+                <c:pt idx="3">
+                  <c:v>四川</c:v>
+                </c:pt>
+                <c:pt idx="4">
+                  <c:v>浙江</c:v>
+                </c:pt>
+                <c:pt idx="5">
+                  <c:v>江苏</c:v>
+                </c:pt>
+                <c:pt idx="6">
+                  <c:v>广东</c:v>
+                </c:pt>
+                <c:pt idx="7">
+                  <c:v>北京</c:v>
+                </c:pt>
+                <c:pt idx="8">
+                  <c:v>上海</c:v>
+                </c:pt>
+              </c:strCache>
+            </c:strRef>
+          </c:cat>
+          <c:val>
+            <c:numRef>
+              <c:f>Sheet1!#REF!</c:f>
+              <c:numCache>
+                <c:formatCode>General</c:formatCode>
+                <c:ptCount val="1"/>
+                <c:pt idx="0">
+                  <c:v>1</c:v>
+                </c:pt>
+              </c:numCache>
+            </c:numRef>
+          </c:val>
+        </c:ser>
+        <c:ser>
+          <c:idx val="2"/>
+          <c:order val="2"/>
+          <c:tx>
+            <c:strRef>
+              <c:f>Sheet1!#REF!</c:f>
+              <c:strCache>
+                <c:ptCount val="1"/>
+                <c:pt idx="0">
+                  <c:v>#REF!</c:v>
+                </c:pt>
+              </c:strCache>
+            </c:strRef>
+          </c:tx>
+          <c:spPr>
+            <a:solidFill>
+              <a:schemeClr val="accent3"/>
+            </a:solidFill>
+            <a:ln>
+              <a:noFill/>
+            </a:ln>
+            <a:effectLst/>
+          </c:spPr>
+          <c:invertIfNegative val="0"/>
+          <c:dPt>
+            <c:idx val="0"/>
+            <c:invertIfNegative val="0"/>
+            <c:bubble3D val="0"/>
+            <c:spPr>
+              <a:solidFill>
+                <a:schemeClr val="accent3"/>
+              </a:solidFill>
+              <a:ln>
+                <a:noFill/>
+              </a:ln>
+              <a:effectLst/>
+            </c:spPr>
+          </c:dPt>
+          <c:dLbls>
+            <c:delete val="1"/>
+          </c:dLbls>
+          <c:cat>
+            <c:strRef>
+              <c:f>Sheet1!$A$2:$A$10</c:f>
+              <c:strCache>
+                <c:ptCount val="9"/>
+                <c:pt idx="0">
+                  <c:v>辽宁</c:v>
+                </c:pt>
+                <c:pt idx="1">
+                  <c:v>河北</c:v>
+                </c:pt>
+                <c:pt idx="2">
+                  <c:v>山东</c:v>
+                </c:pt>
+                <c:pt idx="3">
+                  <c:v>四川</c:v>
+                </c:pt>
+                <c:pt idx="4">
+                  <c:v>浙江</c:v>
+                </c:pt>
+                <c:pt idx="5">
+                  <c:v>江苏</c:v>
+                </c:pt>
+                <c:pt idx="6">
+                  <c:v>广东</c:v>
+                </c:pt>
+                <c:pt idx="7">
+                  <c:v>北京</c:v>
+                </c:pt>
+                <c:pt idx="8">
+                  <c:v>上海</c:v>
+                </c:pt>
+              </c:strCache>
+            </c:strRef>
+          </c:cat>
+          <c:val>
+            <c:numRef>
+              <c:f>Sheet1!#REF!</c:f>
+              <c:numCache>
+                <c:formatCode>General</c:formatCode>
+                <c:ptCount val="1"/>
+                <c:pt idx="0">
+                  <c:v>1</c:v>
+                </c:pt>
+              </c:numCache>
+            </c:numRef>
+          </c:val>
+        </c:ser>
+        <c:dLbls>
+          <c:showLegendKey val="0"/>
+          <c:showVal val="0"/>
+          <c:showCatName val="0"/>
+          <c:showSerName val="0"/>
+          <c:showPercent val="0"/>
+          <c:showBubbleSize val="0"/>
+        </c:dLbls>
+        <c:gapWidth val="100"/>
+        <c:axId val="456813728"/>
+        <c:axId val="456815968"/>
+      </c:barChart>
+      <c:valAx>
+        <c:axId val="456815968"/>
+        <c:scaling>
+          <c:orientation val="minMax"/>
+        </c:scaling>
+        <c:delete val="0"/>
+        <c:axPos val="b"/>
+        <c:majorGridlines>
+          <c:spPr>
+            <a:ln w="9525" cap="flat" cmpd="sng" algn="ctr">
+              <a:solidFill>
+                <a:schemeClr val="tx1">
+                  <a:lumMod val="15000"/>
+                  <a:lumOff val="85000"/>
+                </a:schemeClr>
+              </a:solidFill>
+              <a:round/>
+            </a:ln>
+            <a:effectLst/>
+          </c:spPr>
+        </c:majorGridlines>
+        <c:numFmt formatCode="General" sourceLinked="1"/>
+        <c:majorTickMark val="out"/>
+        <c:minorTickMark val="none"/>
+        <c:tickLblPos val="nextTo"/>
+        <c:spPr>
+          <a:noFill/>
+          <a:ln>
+            <a:noFill/>
+          </a:ln>
+          <a:effectLst/>
+        </c:spPr>
+        <c:txPr>
+          <a:bodyPr rot="-60000000" spcFirstLastPara="1" vertOverflow="ellipsis" vert="horz" wrap="square" anchor="ctr" anchorCtr="1"/>
+          <a:lstStyle/>
+          <a:p>
+            <a:pPr>
+              <a:defRPr sz="1197" b="0" i="0" u="none" strike="noStrike" kern="1200" baseline="0">
+                <a:solidFill>
+                  <a:schemeClr val="tx1">
+                    <a:lumMod val="65000"/>
+                    <a:lumOff val="35000"/>
+                  </a:schemeClr>
+                </a:solidFill>
+                <a:latin typeface="+mn-lt"/>
+                <a:ea typeface="+mn-ea"/>
+                <a:cs typeface="+mn-cs"/>
+              </a:defRPr>
+            </a:pPr>
+            <a:endParaRPr lang="zh-CN"/>
+          </a:p>
+        </c:txPr>
+        <c:crossAx val="456813728"/>
+        <c:crossBetween val="between"/>
+      </c:valAx>
+      <c:catAx>
+        <c:axId val="456813728"/>
+        <c:scaling>
+          <c:orientation val="minMax"/>
+        </c:scaling>
+        <c:delete val="1"/>
+        <c:axPos val="l"/>
+        <c:numFmt formatCode="General" sourceLinked="1"/>
+        <c:majorTickMark val="out"/>
+        <c:minorTickMark val="none"/>
+        <c:tickLblPos val="nextTo"/>
+        <c:crossAx val="456815968"/>
+        <c:auto val="1"/>
+        <c:lblAlgn val="ctr"/>
+        <c:lblOffset val="100"/>
+        <c:noMultiLvlLbl val="0"/>
+      </c:catAx>
+      <c:spPr>
+        <a:solidFill>
+          <a:schemeClr val="tx1"/>
+        </a:solidFill>
+        <a:ln>
+          <a:solidFill>
+            <a:srgbClr val="FF0000">
+              <a:lumMod val="25000"/>
+              <a:lumOff val="75000"/>
+            </a:srgbClr>
+          </a:solidFill>
+        </a:ln>
+        <a:effectLst/>
+      </c:spPr>
+    </c:plotArea>
+    <c:plotVisOnly val="1"/>
+    <c:dispBlanksAs val="gap"/>
+    <c:showDLblsOverMax val="0"/>
+  </c:chart>
+  <c:spPr>
+    <a:noFill/>
+    <a:ln>
+      <a:noFill/>
+    </a:ln>
+    <a:effectLst/>
+  </c:spPr>
+  <c:txPr>
+    <a:bodyPr/>
+    <a:lstStyle/>
+    <a:p>
+      <a:pPr>
+        <a:defRPr/>
       </a:pPr>
       <a:endParaRPr lang="zh-CN"/>
     </a:p>
@@ -2188,6 +3638,86 @@
 </cs:colorStyle>
 </file>
 
+<file path=ppt/charts/colors5.xml><?xml version="1.0" encoding="utf-8"?>
+<cs:colorStyle xmlns:cs="http://schemas.microsoft.com/office/drawing/2012/chartStyle" xmlns:a="http://schemas.openxmlformats.org/drawingml/2006/main" meth="cycle" id="10">
+  <a:schemeClr val="accent1"/>
+  <a:schemeClr val="accent2"/>
+  <a:schemeClr val="accent3"/>
+  <a:schemeClr val="accent4"/>
+  <a:schemeClr val="accent5"/>
+  <a:schemeClr val="accent6"/>
+  <cs:variation/>
+  <cs:variation>
+    <a:lumMod val="60000"/>
+  </cs:variation>
+  <cs:variation>
+    <a:lumMod val="80000"/>
+    <a:lumOff val="20000"/>
+  </cs:variation>
+  <cs:variation>
+    <a:lumMod val="80000"/>
+  </cs:variation>
+  <cs:variation>
+    <a:lumMod val="60000"/>
+    <a:lumOff val="40000"/>
+  </cs:variation>
+  <cs:variation>
+    <a:lumMod val="50000"/>
+  </cs:variation>
+  <cs:variation>
+    <a:lumMod val="70000"/>
+    <a:lumOff val="30000"/>
+  </cs:variation>
+  <cs:variation>
+    <a:lumMod val="70000"/>
+  </cs:variation>
+  <cs:variation>
+    <a:lumMod val="50000"/>
+    <a:lumOff val="50000"/>
+  </cs:variation>
+</cs:colorStyle>
+</file>
+
+<file path=ppt/charts/colors6.xml><?xml version="1.0" encoding="utf-8"?>
+<cs:colorStyle xmlns:cs="http://schemas.microsoft.com/office/drawing/2012/chartStyle" xmlns:a="http://schemas.openxmlformats.org/drawingml/2006/main" meth="cycle" id="10">
+  <a:schemeClr val="accent1"/>
+  <a:schemeClr val="accent2"/>
+  <a:schemeClr val="accent3"/>
+  <a:schemeClr val="accent4"/>
+  <a:schemeClr val="accent5"/>
+  <a:schemeClr val="accent6"/>
+  <cs:variation/>
+  <cs:variation>
+    <a:lumMod val="60000"/>
+  </cs:variation>
+  <cs:variation>
+    <a:lumMod val="80000"/>
+    <a:lumOff val="20000"/>
+  </cs:variation>
+  <cs:variation>
+    <a:lumMod val="80000"/>
+  </cs:variation>
+  <cs:variation>
+    <a:lumMod val="60000"/>
+    <a:lumOff val="40000"/>
+  </cs:variation>
+  <cs:variation>
+    <a:lumMod val="50000"/>
+  </cs:variation>
+  <cs:variation>
+    <a:lumMod val="70000"/>
+    <a:lumOff val="30000"/>
+  </cs:variation>
+  <cs:variation>
+    <a:lumMod val="70000"/>
+  </cs:variation>
+  <cs:variation>
+    <a:lumMod val="50000"/>
+    <a:lumOff val="50000"/>
+  </cs:variation>
+</cs:colorStyle>
+</file>
+
 <file path=ppt/charts/style1.xml><?xml version="1.0" encoding="utf-8"?>
 <cs:chartStyle xmlns:cs="http://schemas.microsoft.com/office/drawing/2012/chartStyle" xmlns:a="http://schemas.openxmlformats.org/drawingml/2006/main" id="201">
   <cs:axisTitle>
@@ -4168,6 +5698,1016 @@
             <a:lumOff val="85000"/>
           </a:schemeClr>
         </a:solidFill>
+      </a:ln>
+    </cs:spPr>
+  </cs:upBar>
+  <cs:valueAxis>
+    <cs:lnRef idx="0"/>
+    <cs:fillRef idx="0"/>
+    <cs:effectRef idx="0"/>
+    <cs:fontRef idx="minor">
+      <a:schemeClr val="tx1">
+        <a:lumMod val="65000"/>
+        <a:lumOff val="35000"/>
+      </a:schemeClr>
+    </cs:fontRef>
+    <cs:defRPr sz="1197" kern="1200"/>
+  </cs:valueAxis>
+  <cs:wall>
+    <cs:lnRef idx="0"/>
+    <cs:fillRef idx="0"/>
+    <cs:effectRef idx="0"/>
+    <cs:fontRef idx="minor">
+      <a:schemeClr val="tx1"/>
+    </cs:fontRef>
+    <cs:spPr>
+      <a:noFill/>
+      <a:ln>
+        <a:noFill/>
+      </a:ln>
+    </cs:spPr>
+  </cs:wall>
+</cs:chartStyle>
+</file>
+
+<file path=ppt/charts/style5.xml><?xml version="1.0" encoding="utf-8"?>
+<cs:chartStyle xmlns:cs="http://schemas.microsoft.com/office/drawing/2012/chartStyle" xmlns:a="http://schemas.openxmlformats.org/drawingml/2006/main" id="216">
+  <cs:axisTitle>
+    <cs:lnRef idx="0"/>
+    <cs:fillRef idx="0"/>
+    <cs:effectRef idx="0"/>
+    <cs:fontRef idx="minor">
+      <a:schemeClr val="tx1">
+        <a:lumMod val="65000"/>
+        <a:lumOff val="35000"/>
+      </a:schemeClr>
+    </cs:fontRef>
+    <cs:defRPr sz="1330" kern="1200"/>
+  </cs:axisTitle>
+  <cs:categoryAxis>
+    <cs:lnRef idx="0"/>
+    <cs:fillRef idx="0"/>
+    <cs:effectRef idx="0"/>
+    <cs:fontRef idx="minor">
+      <a:schemeClr val="tx1">
+        <a:lumMod val="65000"/>
+        <a:lumOff val="35000"/>
+      </a:schemeClr>
+    </cs:fontRef>
+    <cs:spPr>
+      <a:ln w="9525" cap="flat" cmpd="sng" algn="ctr">
+        <a:solidFill>
+          <a:schemeClr val="tx1">
+            <a:lumMod val="15000"/>
+            <a:lumOff val="85000"/>
+          </a:schemeClr>
+        </a:solidFill>
+        <a:round/>
+      </a:ln>
+    </cs:spPr>
+    <cs:defRPr sz="1197" kern="1200"/>
+  </cs:categoryAxis>
+  <cs:chartArea mods="allowNoFillOverride allowNoLineOverride">
+    <cs:lnRef idx="0"/>
+    <cs:fillRef idx="0"/>
+    <cs:effectRef idx="0"/>
+    <cs:fontRef idx="minor">
+      <a:schemeClr val="tx1"/>
+    </cs:fontRef>
+    <cs:spPr>
+      <a:solidFill>
+        <a:schemeClr val="bg1"/>
+      </a:solidFill>
+      <a:ln w="9525" cap="flat" cmpd="sng" algn="ctr">
+        <a:solidFill>
+          <a:schemeClr val="tx1">
+            <a:lumMod val="15000"/>
+            <a:lumOff val="85000"/>
+          </a:schemeClr>
+        </a:solidFill>
+        <a:round/>
+      </a:ln>
+    </cs:spPr>
+    <cs:defRPr sz="1330" kern="1200"/>
+  </cs:chartArea>
+  <cs:dataLabel>
+    <cs:lnRef idx="0"/>
+    <cs:fillRef idx="0"/>
+    <cs:effectRef idx="0"/>
+    <cs:fontRef idx="minor">
+      <a:schemeClr val="tx1">
+        <a:lumMod val="75000"/>
+        <a:lumOff val="25000"/>
+      </a:schemeClr>
+    </cs:fontRef>
+    <cs:defRPr sz="1197" kern="1200"/>
+  </cs:dataLabel>
+  <cs:dataLabelCallout>
+    <cs:lnRef idx="0"/>
+    <cs:fillRef idx="0"/>
+    <cs:effectRef idx="0"/>
+    <cs:fontRef idx="minor">
+      <a:schemeClr val="dk1">
+        <a:lumMod val="65000"/>
+        <a:lumOff val="35000"/>
+      </a:schemeClr>
+    </cs:fontRef>
+    <cs:spPr>
+      <a:solidFill>
+        <a:schemeClr val="lt1"/>
+      </a:solidFill>
+      <a:ln>
+        <a:solidFill>
+          <a:schemeClr val="dk1">
+            <a:lumMod val="25000"/>
+            <a:lumOff val="75000"/>
+          </a:schemeClr>
+        </a:solidFill>
+      </a:ln>
+    </cs:spPr>
+    <cs:defRPr sz="1197" kern="1200"/>
+    <cs:bodyPr rot="0" spcFirstLastPara="1" vertOverflow="clip" horzOverflow="clip" vert="horz" wrap="square" lIns="36576" tIns="18288" rIns="36576" bIns="18288" anchor="ctr" anchorCtr="1">
+      <a:spAutoFit/>
+    </cs:bodyPr>
+  </cs:dataLabelCallout>
+  <cs:dataPoint>
+    <cs:lnRef idx="0"/>
+    <cs:fillRef idx="1">
+      <cs:styleClr val="auto"/>
+    </cs:fillRef>
+    <cs:effectRef idx="0"/>
+    <cs:fontRef idx="minor">
+      <a:schemeClr val="tx1"/>
+    </cs:fontRef>
+  </cs:dataPoint>
+  <cs:dataPoint3D>
+    <cs:lnRef idx="0"/>
+    <cs:fillRef idx="1">
+      <cs:styleClr val="auto"/>
+    </cs:fillRef>
+    <cs:effectRef idx="0"/>
+    <cs:fontRef idx="minor">
+      <a:schemeClr val="tx1"/>
+    </cs:fontRef>
+  </cs:dataPoint3D>
+  <cs:dataPointLine>
+    <cs:lnRef idx="0">
+      <cs:styleClr val="auto"/>
+    </cs:lnRef>
+    <cs:fillRef idx="1"/>
+    <cs:effectRef idx="0"/>
+    <cs:fontRef idx="minor">
+      <a:schemeClr val="tx1"/>
+    </cs:fontRef>
+    <cs:spPr>
+      <a:ln w="28575" cap="rnd">
+        <a:solidFill>
+          <a:schemeClr val="phClr"/>
+        </a:solidFill>
+        <a:round/>
+      </a:ln>
+    </cs:spPr>
+  </cs:dataPointLine>
+  <cs:dataPointMarker>
+    <cs:lnRef idx="0">
+      <cs:styleClr val="auto"/>
+    </cs:lnRef>
+    <cs:fillRef idx="1">
+      <cs:styleClr val="auto"/>
+    </cs:fillRef>
+    <cs:effectRef idx="0"/>
+    <cs:fontRef idx="minor">
+      <a:schemeClr val="tx1"/>
+    </cs:fontRef>
+    <cs:spPr>
+      <a:ln w="9525">
+        <a:solidFill>
+          <a:schemeClr val="phClr"/>
+        </a:solidFill>
+      </a:ln>
+    </cs:spPr>
+  </cs:dataPointMarker>
+  <cs:dataPointMarkerLayout symbol="circle" size="5"/>
+  <cs:dataPointWireframe>
+    <cs:lnRef idx="0">
+      <cs:styleClr val="auto"/>
+    </cs:lnRef>
+    <cs:fillRef idx="1"/>
+    <cs:effectRef idx="0"/>
+    <cs:fontRef idx="minor">
+      <a:schemeClr val="tx1"/>
+    </cs:fontRef>
+    <cs:spPr>
+      <a:ln w="9525" cap="rnd">
+        <a:solidFill>
+          <a:schemeClr val="phClr"/>
+        </a:solidFill>
+        <a:round/>
+      </a:ln>
+    </cs:spPr>
+  </cs:dataPointWireframe>
+  <cs:dataTable>
+    <cs:lnRef idx="0"/>
+    <cs:fillRef idx="0"/>
+    <cs:effectRef idx="0"/>
+    <cs:fontRef idx="minor">
+      <a:schemeClr val="tx1">
+        <a:lumMod val="65000"/>
+        <a:lumOff val="35000"/>
+      </a:schemeClr>
+    </cs:fontRef>
+    <cs:spPr>
+      <a:noFill/>
+      <a:ln w="9525" cap="flat" cmpd="sng" algn="ctr">
+        <a:solidFill>
+          <a:schemeClr val="tx1">
+            <a:lumMod val="15000"/>
+            <a:lumOff val="85000"/>
+          </a:schemeClr>
+        </a:solidFill>
+        <a:round/>
+      </a:ln>
+    </cs:spPr>
+    <cs:defRPr sz="1197" kern="1200"/>
+  </cs:dataTable>
+  <cs:downBar>
+    <cs:lnRef idx="0"/>
+    <cs:fillRef idx="0"/>
+    <cs:effectRef idx="0"/>
+    <cs:fontRef idx="minor">
+      <a:schemeClr val="tx1"/>
+    </cs:fontRef>
+    <cs:spPr>
+      <a:solidFill>
+        <a:schemeClr val="dk1">
+          <a:lumMod val="75000"/>
+          <a:lumOff val="25000"/>
+        </a:schemeClr>
+      </a:solidFill>
+      <a:ln w="9525" cap="flat" cmpd="sng" algn="ctr">
+        <a:solidFill>
+          <a:schemeClr val="tx1">
+            <a:lumMod val="65000"/>
+            <a:lumOff val="35000"/>
+          </a:schemeClr>
+        </a:solidFill>
+        <a:round/>
+      </a:ln>
+    </cs:spPr>
+  </cs:downBar>
+  <cs:dropLine>
+    <cs:lnRef idx="0"/>
+    <cs:fillRef idx="0"/>
+    <cs:effectRef idx="0"/>
+    <cs:fontRef idx="minor">
+      <a:schemeClr val="tx1"/>
+    </cs:fontRef>
+    <cs:spPr>
+      <a:ln w="9525" cap="flat" cmpd="sng" algn="ctr">
+        <a:solidFill>
+          <a:schemeClr val="tx1">
+            <a:lumMod val="35000"/>
+            <a:lumOff val="65000"/>
+          </a:schemeClr>
+        </a:solidFill>
+        <a:round/>
+      </a:ln>
+    </cs:spPr>
+  </cs:dropLine>
+  <cs:errorBar>
+    <cs:lnRef idx="0"/>
+    <cs:fillRef idx="0"/>
+    <cs:effectRef idx="0"/>
+    <cs:fontRef idx="minor">
+      <a:schemeClr val="tx1"/>
+    </cs:fontRef>
+    <cs:spPr>
+      <a:ln w="9525" cap="flat" cmpd="sng" algn="ctr">
+        <a:solidFill>
+          <a:schemeClr val="tx1">
+            <a:lumMod val="65000"/>
+            <a:lumOff val="35000"/>
+          </a:schemeClr>
+        </a:solidFill>
+        <a:round/>
+      </a:ln>
+    </cs:spPr>
+  </cs:errorBar>
+  <cs:floor>
+    <cs:lnRef idx="0"/>
+    <cs:fillRef idx="0"/>
+    <cs:effectRef idx="0"/>
+    <cs:fontRef idx="minor">
+      <a:schemeClr val="tx1"/>
+    </cs:fontRef>
+    <cs:spPr>
+      <a:noFill/>
+      <a:ln>
+        <a:noFill/>
+      </a:ln>
+    </cs:spPr>
+  </cs:floor>
+  <cs:gridlineMajor>
+    <cs:lnRef idx="0"/>
+    <cs:fillRef idx="0"/>
+    <cs:effectRef idx="0"/>
+    <cs:fontRef idx="minor">
+      <a:schemeClr val="tx1"/>
+    </cs:fontRef>
+    <cs:spPr>
+      <a:ln w="9525" cap="flat" cmpd="sng" algn="ctr">
+        <a:solidFill>
+          <a:schemeClr val="tx1">
+            <a:lumMod val="15000"/>
+            <a:lumOff val="85000"/>
+          </a:schemeClr>
+        </a:solidFill>
+        <a:round/>
+      </a:ln>
+    </cs:spPr>
+  </cs:gridlineMajor>
+  <cs:gridlineMinor>
+    <cs:lnRef idx="0"/>
+    <cs:fillRef idx="0"/>
+    <cs:effectRef idx="0"/>
+    <cs:fontRef idx="minor">
+      <a:schemeClr val="tx1"/>
+    </cs:fontRef>
+    <cs:spPr>
+      <a:ln w="9525" cap="flat" cmpd="sng" algn="ctr">
+        <a:solidFill>
+          <a:schemeClr val="tx1">
+            <a:lumMod val="5000"/>
+            <a:lumOff val="95000"/>
+          </a:schemeClr>
+        </a:solidFill>
+        <a:round/>
+      </a:ln>
+    </cs:spPr>
+  </cs:gridlineMinor>
+  <cs:hiLoLine>
+    <cs:lnRef idx="0"/>
+    <cs:fillRef idx="0"/>
+    <cs:effectRef idx="0"/>
+    <cs:fontRef idx="minor">
+      <a:schemeClr val="tx1"/>
+    </cs:fontRef>
+    <cs:spPr>
+      <a:ln w="9525" cap="flat" cmpd="sng" algn="ctr">
+        <a:solidFill>
+          <a:schemeClr val="tx1">
+            <a:lumMod val="50000"/>
+            <a:lumOff val="50000"/>
+          </a:schemeClr>
+        </a:solidFill>
+        <a:round/>
+      </a:ln>
+    </cs:spPr>
+  </cs:hiLoLine>
+  <cs:leaderLine>
+    <cs:lnRef idx="0"/>
+    <cs:fillRef idx="0"/>
+    <cs:effectRef idx="0"/>
+    <cs:fontRef idx="minor">
+      <a:schemeClr val="tx1"/>
+    </cs:fontRef>
+    <cs:spPr>
+      <a:ln w="9525" cap="flat" cmpd="sng" algn="ctr">
+        <a:solidFill>
+          <a:schemeClr val="tx1">
+            <a:lumMod val="35000"/>
+            <a:lumOff val="65000"/>
+          </a:schemeClr>
+        </a:solidFill>
+        <a:round/>
+      </a:ln>
+    </cs:spPr>
+  </cs:leaderLine>
+  <cs:legend>
+    <cs:lnRef idx="0"/>
+    <cs:fillRef idx="0"/>
+    <cs:effectRef idx="0"/>
+    <cs:fontRef idx="minor">
+      <a:schemeClr val="tx1">
+        <a:lumMod val="65000"/>
+        <a:lumOff val="35000"/>
+      </a:schemeClr>
+    </cs:fontRef>
+    <cs:defRPr sz="1197" kern="1200"/>
+  </cs:legend>
+  <cs:plotArea mods="allowNoFillOverride allowNoLineOverride">
+    <cs:lnRef idx="0"/>
+    <cs:fillRef idx="0"/>
+    <cs:effectRef idx="0"/>
+    <cs:fontRef idx="minor">
+      <a:schemeClr val="tx1"/>
+    </cs:fontRef>
+  </cs:plotArea>
+  <cs:plotArea3D mods="allowNoFillOverride allowNoLineOverride">
+    <cs:lnRef idx="0"/>
+    <cs:fillRef idx="0"/>
+    <cs:effectRef idx="0"/>
+    <cs:fontRef idx="minor">
+      <a:schemeClr val="tx1"/>
+    </cs:fontRef>
+  </cs:plotArea3D>
+  <cs:seriesAxis>
+    <cs:lnRef idx="0"/>
+    <cs:fillRef idx="0"/>
+    <cs:effectRef idx="0"/>
+    <cs:fontRef idx="minor">
+      <a:schemeClr val="tx1">
+        <a:lumMod val="65000"/>
+        <a:lumOff val="35000"/>
+      </a:schemeClr>
+    </cs:fontRef>
+    <cs:defRPr sz="1197" kern="1200"/>
+  </cs:seriesAxis>
+  <cs:seriesLine>
+    <cs:lnRef idx="0"/>
+    <cs:fillRef idx="0"/>
+    <cs:effectRef idx="0"/>
+    <cs:fontRef idx="minor">
+      <a:schemeClr val="tx1"/>
+    </cs:fontRef>
+    <cs:spPr>
+      <a:ln w="9525" cap="flat" cmpd="sng" algn="ctr">
+        <a:solidFill>
+          <a:schemeClr val="tx1">
+            <a:lumMod val="35000"/>
+            <a:lumOff val="65000"/>
+          </a:schemeClr>
+        </a:solidFill>
+        <a:round/>
+      </a:ln>
+    </cs:spPr>
+  </cs:seriesLine>
+  <cs:title>
+    <cs:lnRef idx="0"/>
+    <cs:fillRef idx="0"/>
+    <cs:effectRef idx="0"/>
+    <cs:fontRef idx="minor">
+      <a:schemeClr val="tx1">
+        <a:lumMod val="65000"/>
+        <a:lumOff val="35000"/>
+      </a:schemeClr>
+    </cs:fontRef>
+    <cs:defRPr sz="1862" b="0" kern="1200" spc="0" baseline="0"/>
+  </cs:title>
+  <cs:trendline>
+    <cs:lnRef idx="0">
+      <cs:styleClr val="auto"/>
+    </cs:lnRef>
+    <cs:fillRef idx="0"/>
+    <cs:effectRef idx="0"/>
+    <cs:fontRef idx="minor">
+      <a:schemeClr val="tx1"/>
+    </cs:fontRef>
+    <cs:spPr>
+      <a:ln w="19050" cap="rnd">
+        <a:solidFill>
+          <a:schemeClr val="phClr"/>
+        </a:solidFill>
+        <a:prstDash val="sysDot"/>
+      </a:ln>
+    </cs:spPr>
+  </cs:trendline>
+  <cs:trendlineLabel>
+    <cs:lnRef idx="0"/>
+    <cs:fillRef idx="0"/>
+    <cs:effectRef idx="0"/>
+    <cs:fontRef idx="minor">
+      <a:schemeClr val="tx1">
+        <a:lumMod val="65000"/>
+        <a:lumOff val="35000"/>
+      </a:schemeClr>
+    </cs:fontRef>
+    <cs:defRPr sz="1197" kern="1200"/>
+  </cs:trendlineLabel>
+  <cs:upBar>
+    <cs:lnRef idx="0"/>
+    <cs:fillRef idx="0"/>
+    <cs:effectRef idx="0"/>
+    <cs:fontRef idx="minor">
+      <a:schemeClr val="tx1"/>
+    </cs:fontRef>
+    <cs:spPr>
+      <a:solidFill>
+        <a:schemeClr val="lt1"/>
+      </a:solidFill>
+      <a:ln w="9525" cap="flat" cmpd="sng" algn="ctr">
+        <a:solidFill>
+          <a:schemeClr val="tx1">
+            <a:lumMod val="65000"/>
+            <a:lumOff val="35000"/>
+          </a:schemeClr>
+        </a:solidFill>
+        <a:round/>
+      </a:ln>
+    </cs:spPr>
+  </cs:upBar>
+  <cs:valueAxis>
+    <cs:lnRef idx="0"/>
+    <cs:fillRef idx="0"/>
+    <cs:effectRef idx="0"/>
+    <cs:fontRef idx="minor">
+      <a:schemeClr val="tx1">
+        <a:lumMod val="65000"/>
+        <a:lumOff val="35000"/>
+      </a:schemeClr>
+    </cs:fontRef>
+    <cs:defRPr sz="1197" kern="1200"/>
+  </cs:valueAxis>
+  <cs:wall>
+    <cs:lnRef idx="0"/>
+    <cs:fillRef idx="0"/>
+    <cs:effectRef idx="0"/>
+    <cs:fontRef idx="minor">
+      <a:schemeClr val="tx1"/>
+    </cs:fontRef>
+    <cs:spPr>
+      <a:noFill/>
+      <a:ln>
+        <a:noFill/>
+      </a:ln>
+    </cs:spPr>
+  </cs:wall>
+</cs:chartStyle>
+</file>
+
+<file path=ppt/charts/style6.xml><?xml version="1.0" encoding="utf-8"?>
+<cs:chartStyle xmlns:cs="http://schemas.microsoft.com/office/drawing/2012/chartStyle" xmlns:a="http://schemas.openxmlformats.org/drawingml/2006/main" id="216">
+  <cs:axisTitle>
+    <cs:lnRef idx="0"/>
+    <cs:fillRef idx="0"/>
+    <cs:effectRef idx="0"/>
+    <cs:fontRef idx="minor">
+      <a:schemeClr val="tx1">
+        <a:lumMod val="65000"/>
+        <a:lumOff val="35000"/>
+      </a:schemeClr>
+    </cs:fontRef>
+    <cs:defRPr sz="1330" kern="1200"/>
+  </cs:axisTitle>
+  <cs:categoryAxis>
+    <cs:lnRef idx="0"/>
+    <cs:fillRef idx="0"/>
+    <cs:effectRef idx="0"/>
+    <cs:fontRef idx="minor">
+      <a:schemeClr val="tx1">
+        <a:lumMod val="65000"/>
+        <a:lumOff val="35000"/>
+      </a:schemeClr>
+    </cs:fontRef>
+    <cs:spPr>
+      <a:ln w="9525" cap="flat" cmpd="sng" algn="ctr">
+        <a:solidFill>
+          <a:schemeClr val="tx1">
+            <a:lumMod val="15000"/>
+            <a:lumOff val="85000"/>
+          </a:schemeClr>
+        </a:solidFill>
+        <a:round/>
+      </a:ln>
+    </cs:spPr>
+    <cs:defRPr sz="1197" kern="1200"/>
+  </cs:categoryAxis>
+  <cs:chartArea mods="allowNoFillOverride allowNoLineOverride">
+    <cs:lnRef idx="0"/>
+    <cs:fillRef idx="0"/>
+    <cs:effectRef idx="0"/>
+    <cs:fontRef idx="minor">
+      <a:schemeClr val="tx1"/>
+    </cs:fontRef>
+    <cs:spPr>
+      <a:solidFill>
+        <a:schemeClr val="bg1"/>
+      </a:solidFill>
+      <a:ln w="9525" cap="flat" cmpd="sng" algn="ctr">
+        <a:solidFill>
+          <a:schemeClr val="tx1">
+            <a:lumMod val="15000"/>
+            <a:lumOff val="85000"/>
+          </a:schemeClr>
+        </a:solidFill>
+        <a:round/>
+      </a:ln>
+    </cs:spPr>
+    <cs:defRPr sz="1330" kern="1200"/>
+  </cs:chartArea>
+  <cs:dataLabel>
+    <cs:lnRef idx="0"/>
+    <cs:fillRef idx="0"/>
+    <cs:effectRef idx="0"/>
+    <cs:fontRef idx="minor">
+      <a:schemeClr val="tx1">
+        <a:lumMod val="75000"/>
+        <a:lumOff val="25000"/>
+      </a:schemeClr>
+    </cs:fontRef>
+    <cs:defRPr sz="1197" kern="1200"/>
+  </cs:dataLabel>
+  <cs:dataLabelCallout>
+    <cs:lnRef idx="0"/>
+    <cs:fillRef idx="0"/>
+    <cs:effectRef idx="0"/>
+    <cs:fontRef idx="minor">
+      <a:schemeClr val="dk1">
+        <a:lumMod val="65000"/>
+        <a:lumOff val="35000"/>
+      </a:schemeClr>
+    </cs:fontRef>
+    <cs:spPr>
+      <a:solidFill>
+        <a:schemeClr val="lt1"/>
+      </a:solidFill>
+      <a:ln>
+        <a:solidFill>
+          <a:schemeClr val="dk1">
+            <a:lumMod val="25000"/>
+            <a:lumOff val="75000"/>
+          </a:schemeClr>
+        </a:solidFill>
+      </a:ln>
+    </cs:spPr>
+    <cs:defRPr sz="1197" kern="1200"/>
+    <cs:bodyPr rot="0" spcFirstLastPara="1" vertOverflow="clip" horzOverflow="clip" vert="horz" wrap="square" lIns="36576" tIns="18288" rIns="36576" bIns="18288" anchor="ctr" anchorCtr="1">
+      <a:spAutoFit/>
+    </cs:bodyPr>
+  </cs:dataLabelCallout>
+  <cs:dataPoint>
+    <cs:lnRef idx="0"/>
+    <cs:fillRef idx="1">
+      <cs:styleClr val="auto"/>
+    </cs:fillRef>
+    <cs:effectRef idx="0"/>
+    <cs:fontRef idx="minor">
+      <a:schemeClr val="tx1"/>
+    </cs:fontRef>
+  </cs:dataPoint>
+  <cs:dataPoint3D>
+    <cs:lnRef idx="0"/>
+    <cs:fillRef idx="1">
+      <cs:styleClr val="auto"/>
+    </cs:fillRef>
+    <cs:effectRef idx="0"/>
+    <cs:fontRef idx="minor">
+      <a:schemeClr val="tx1"/>
+    </cs:fontRef>
+  </cs:dataPoint3D>
+  <cs:dataPointLine>
+    <cs:lnRef idx="0">
+      <cs:styleClr val="auto"/>
+    </cs:lnRef>
+    <cs:fillRef idx="1"/>
+    <cs:effectRef idx="0"/>
+    <cs:fontRef idx="minor">
+      <a:schemeClr val="tx1"/>
+    </cs:fontRef>
+    <cs:spPr>
+      <a:ln w="28575" cap="rnd">
+        <a:solidFill>
+          <a:schemeClr val="phClr"/>
+        </a:solidFill>
+        <a:round/>
+      </a:ln>
+    </cs:spPr>
+  </cs:dataPointLine>
+  <cs:dataPointMarker>
+    <cs:lnRef idx="0">
+      <cs:styleClr val="auto"/>
+    </cs:lnRef>
+    <cs:fillRef idx="1">
+      <cs:styleClr val="auto"/>
+    </cs:fillRef>
+    <cs:effectRef idx="0"/>
+    <cs:fontRef idx="minor">
+      <a:schemeClr val="tx1"/>
+    </cs:fontRef>
+    <cs:spPr>
+      <a:ln w="9525">
+        <a:solidFill>
+          <a:schemeClr val="phClr"/>
+        </a:solidFill>
+      </a:ln>
+    </cs:spPr>
+  </cs:dataPointMarker>
+  <cs:dataPointMarkerLayout symbol="circle" size="5"/>
+  <cs:dataPointWireframe>
+    <cs:lnRef idx="0">
+      <cs:styleClr val="auto"/>
+    </cs:lnRef>
+    <cs:fillRef idx="1"/>
+    <cs:effectRef idx="0"/>
+    <cs:fontRef idx="minor">
+      <a:schemeClr val="tx1"/>
+    </cs:fontRef>
+    <cs:spPr>
+      <a:ln w="9525" cap="rnd">
+        <a:solidFill>
+          <a:schemeClr val="phClr"/>
+        </a:solidFill>
+        <a:round/>
+      </a:ln>
+    </cs:spPr>
+  </cs:dataPointWireframe>
+  <cs:dataTable>
+    <cs:lnRef idx="0"/>
+    <cs:fillRef idx="0"/>
+    <cs:effectRef idx="0"/>
+    <cs:fontRef idx="minor">
+      <a:schemeClr val="tx1">
+        <a:lumMod val="65000"/>
+        <a:lumOff val="35000"/>
+      </a:schemeClr>
+    </cs:fontRef>
+    <cs:spPr>
+      <a:noFill/>
+      <a:ln w="9525" cap="flat" cmpd="sng" algn="ctr">
+        <a:solidFill>
+          <a:schemeClr val="tx1">
+            <a:lumMod val="15000"/>
+            <a:lumOff val="85000"/>
+          </a:schemeClr>
+        </a:solidFill>
+        <a:round/>
+      </a:ln>
+    </cs:spPr>
+    <cs:defRPr sz="1197" kern="1200"/>
+  </cs:dataTable>
+  <cs:downBar>
+    <cs:lnRef idx="0"/>
+    <cs:fillRef idx="0"/>
+    <cs:effectRef idx="0"/>
+    <cs:fontRef idx="minor">
+      <a:schemeClr val="tx1"/>
+    </cs:fontRef>
+    <cs:spPr>
+      <a:solidFill>
+        <a:schemeClr val="dk1">
+          <a:lumMod val="75000"/>
+          <a:lumOff val="25000"/>
+        </a:schemeClr>
+      </a:solidFill>
+      <a:ln w="9525" cap="flat" cmpd="sng" algn="ctr">
+        <a:solidFill>
+          <a:schemeClr val="tx1">
+            <a:lumMod val="65000"/>
+            <a:lumOff val="35000"/>
+          </a:schemeClr>
+        </a:solidFill>
+        <a:round/>
+      </a:ln>
+    </cs:spPr>
+  </cs:downBar>
+  <cs:dropLine>
+    <cs:lnRef idx="0"/>
+    <cs:fillRef idx="0"/>
+    <cs:effectRef idx="0"/>
+    <cs:fontRef idx="minor">
+      <a:schemeClr val="tx1"/>
+    </cs:fontRef>
+    <cs:spPr>
+      <a:ln w="9525" cap="flat" cmpd="sng" algn="ctr">
+        <a:solidFill>
+          <a:schemeClr val="tx1">
+            <a:lumMod val="35000"/>
+            <a:lumOff val="65000"/>
+          </a:schemeClr>
+        </a:solidFill>
+        <a:round/>
+      </a:ln>
+    </cs:spPr>
+  </cs:dropLine>
+  <cs:errorBar>
+    <cs:lnRef idx="0"/>
+    <cs:fillRef idx="0"/>
+    <cs:effectRef idx="0"/>
+    <cs:fontRef idx="minor">
+      <a:schemeClr val="tx1"/>
+    </cs:fontRef>
+    <cs:spPr>
+      <a:ln w="9525" cap="flat" cmpd="sng" algn="ctr">
+        <a:solidFill>
+          <a:schemeClr val="tx1">
+            <a:lumMod val="65000"/>
+            <a:lumOff val="35000"/>
+          </a:schemeClr>
+        </a:solidFill>
+        <a:round/>
+      </a:ln>
+    </cs:spPr>
+  </cs:errorBar>
+  <cs:floor>
+    <cs:lnRef idx="0"/>
+    <cs:fillRef idx="0"/>
+    <cs:effectRef idx="0"/>
+    <cs:fontRef idx="minor">
+      <a:schemeClr val="tx1"/>
+    </cs:fontRef>
+    <cs:spPr>
+      <a:noFill/>
+      <a:ln>
+        <a:noFill/>
+      </a:ln>
+    </cs:spPr>
+  </cs:floor>
+  <cs:gridlineMajor>
+    <cs:lnRef idx="0"/>
+    <cs:fillRef idx="0"/>
+    <cs:effectRef idx="0"/>
+    <cs:fontRef idx="minor">
+      <a:schemeClr val="tx1"/>
+    </cs:fontRef>
+    <cs:spPr>
+      <a:ln w="9525" cap="flat" cmpd="sng" algn="ctr">
+        <a:solidFill>
+          <a:schemeClr val="tx1">
+            <a:lumMod val="15000"/>
+            <a:lumOff val="85000"/>
+          </a:schemeClr>
+        </a:solidFill>
+        <a:round/>
+      </a:ln>
+    </cs:spPr>
+  </cs:gridlineMajor>
+  <cs:gridlineMinor>
+    <cs:lnRef idx="0"/>
+    <cs:fillRef idx="0"/>
+    <cs:effectRef idx="0"/>
+    <cs:fontRef idx="minor">
+      <a:schemeClr val="tx1"/>
+    </cs:fontRef>
+    <cs:spPr>
+      <a:ln w="9525" cap="flat" cmpd="sng" algn="ctr">
+        <a:solidFill>
+          <a:schemeClr val="tx1">
+            <a:lumMod val="5000"/>
+            <a:lumOff val="95000"/>
+          </a:schemeClr>
+        </a:solidFill>
+        <a:round/>
+      </a:ln>
+    </cs:spPr>
+  </cs:gridlineMinor>
+  <cs:hiLoLine>
+    <cs:lnRef idx="0"/>
+    <cs:fillRef idx="0"/>
+    <cs:effectRef idx="0"/>
+    <cs:fontRef idx="minor">
+      <a:schemeClr val="tx1"/>
+    </cs:fontRef>
+    <cs:spPr>
+      <a:ln w="9525" cap="flat" cmpd="sng" algn="ctr">
+        <a:solidFill>
+          <a:schemeClr val="tx1">
+            <a:lumMod val="50000"/>
+            <a:lumOff val="50000"/>
+          </a:schemeClr>
+        </a:solidFill>
+        <a:round/>
+      </a:ln>
+    </cs:spPr>
+  </cs:hiLoLine>
+  <cs:leaderLine>
+    <cs:lnRef idx="0"/>
+    <cs:fillRef idx="0"/>
+    <cs:effectRef idx="0"/>
+    <cs:fontRef idx="minor">
+      <a:schemeClr val="tx1"/>
+    </cs:fontRef>
+    <cs:spPr>
+      <a:ln w="9525" cap="flat" cmpd="sng" algn="ctr">
+        <a:solidFill>
+          <a:schemeClr val="tx1">
+            <a:lumMod val="35000"/>
+            <a:lumOff val="65000"/>
+          </a:schemeClr>
+        </a:solidFill>
+        <a:round/>
+      </a:ln>
+    </cs:spPr>
+  </cs:leaderLine>
+  <cs:legend>
+    <cs:lnRef idx="0"/>
+    <cs:fillRef idx="0"/>
+    <cs:effectRef idx="0"/>
+    <cs:fontRef idx="minor">
+      <a:schemeClr val="tx1">
+        <a:lumMod val="65000"/>
+        <a:lumOff val="35000"/>
+      </a:schemeClr>
+    </cs:fontRef>
+    <cs:defRPr sz="1197" kern="1200"/>
+  </cs:legend>
+  <cs:plotArea mods="allowNoFillOverride allowNoLineOverride">
+    <cs:lnRef idx="0"/>
+    <cs:fillRef idx="0"/>
+    <cs:effectRef idx="0"/>
+    <cs:fontRef idx="minor">
+      <a:schemeClr val="tx1"/>
+    </cs:fontRef>
+  </cs:plotArea>
+  <cs:plotArea3D mods="allowNoFillOverride allowNoLineOverride">
+    <cs:lnRef idx="0"/>
+    <cs:fillRef idx="0"/>
+    <cs:effectRef idx="0"/>
+    <cs:fontRef idx="minor">
+      <a:schemeClr val="tx1"/>
+    </cs:fontRef>
+  </cs:plotArea3D>
+  <cs:seriesAxis>
+    <cs:lnRef idx="0"/>
+    <cs:fillRef idx="0"/>
+    <cs:effectRef idx="0"/>
+    <cs:fontRef idx="minor">
+      <a:schemeClr val="tx1">
+        <a:lumMod val="65000"/>
+        <a:lumOff val="35000"/>
+      </a:schemeClr>
+    </cs:fontRef>
+    <cs:defRPr sz="1197" kern="1200"/>
+  </cs:seriesAxis>
+  <cs:seriesLine>
+    <cs:lnRef idx="0"/>
+    <cs:fillRef idx="0"/>
+    <cs:effectRef idx="0"/>
+    <cs:fontRef idx="minor">
+      <a:schemeClr val="tx1"/>
+    </cs:fontRef>
+    <cs:spPr>
+      <a:ln w="9525" cap="flat" cmpd="sng" algn="ctr">
+        <a:solidFill>
+          <a:schemeClr val="tx1">
+            <a:lumMod val="35000"/>
+            <a:lumOff val="65000"/>
+          </a:schemeClr>
+        </a:solidFill>
+        <a:round/>
+      </a:ln>
+    </cs:spPr>
+  </cs:seriesLine>
+  <cs:title>
+    <cs:lnRef idx="0"/>
+    <cs:fillRef idx="0"/>
+    <cs:effectRef idx="0"/>
+    <cs:fontRef idx="minor">
+      <a:schemeClr val="tx1">
+        <a:lumMod val="65000"/>
+        <a:lumOff val="35000"/>
+      </a:schemeClr>
+    </cs:fontRef>
+    <cs:defRPr sz="1862" b="0" kern="1200" spc="0" baseline="0"/>
+  </cs:title>
+  <cs:trendline>
+    <cs:lnRef idx="0">
+      <cs:styleClr val="auto"/>
+    </cs:lnRef>
+    <cs:fillRef idx="0"/>
+    <cs:effectRef idx="0"/>
+    <cs:fontRef idx="minor">
+      <a:schemeClr val="tx1"/>
+    </cs:fontRef>
+    <cs:spPr>
+      <a:ln w="19050" cap="rnd">
+        <a:solidFill>
+          <a:schemeClr val="phClr"/>
+        </a:solidFill>
+        <a:prstDash val="sysDot"/>
+      </a:ln>
+    </cs:spPr>
+  </cs:trendline>
+  <cs:trendlineLabel>
+    <cs:lnRef idx="0"/>
+    <cs:fillRef idx="0"/>
+    <cs:effectRef idx="0"/>
+    <cs:fontRef idx="minor">
+      <a:schemeClr val="tx1">
+        <a:lumMod val="65000"/>
+        <a:lumOff val="35000"/>
+      </a:schemeClr>
+    </cs:fontRef>
+    <cs:defRPr sz="1197" kern="1200"/>
+  </cs:trendlineLabel>
+  <cs:upBar>
+    <cs:lnRef idx="0"/>
+    <cs:fillRef idx="0"/>
+    <cs:effectRef idx="0"/>
+    <cs:fontRef idx="minor">
+      <a:schemeClr val="tx1"/>
+    </cs:fontRef>
+    <cs:spPr>
+      <a:solidFill>
+        <a:schemeClr val="lt1"/>
+      </a:solidFill>
+      <a:ln w="9525" cap="flat" cmpd="sng" algn="ctr">
+        <a:solidFill>
+          <a:schemeClr val="tx1">
+            <a:lumMod val="65000"/>
+            <a:lumOff val="35000"/>
+          </a:schemeClr>
+        </a:solidFill>
+        <a:round/>
       </a:ln>
     </cs:spPr>
   </cs:upBar>
@@ -4424,6 +6964,67 @@
     </a:lvl9pPr>
   </p:notesStyle>
 </p:notesMaster>
+</file>
+
+<file path=ppt/notesSlides/notesSlide1.xml><?xml version="1.0" encoding="utf-8"?>
+<p:notes xmlns:a="http://schemas.openxmlformats.org/drawingml/2006/main" xmlns:r="http://schemas.openxmlformats.org/officeDocument/2006/relationships" xmlns:p="http://schemas.openxmlformats.org/presentationml/2006/main">
+  <p:cSld>
+    <p:spTree>
+      <p:nvGrpSpPr>
+        <p:cNvPr id="1" name=""/>
+        <p:cNvGrpSpPr/>
+        <p:nvPr/>
+      </p:nvGrpSpPr>
+      <p:grpSpPr>
+        <a:xfrm>
+          <a:off x="0" y="0"/>
+          <a:ext cx="0" cy="0"/>
+          <a:chOff x="0" y="0"/>
+          <a:chExt cx="0" cy="0"/>
+        </a:xfrm>
+      </p:grpSpPr>
+      <p:sp>
+        <p:nvSpPr>
+          <p:cNvPr id="2" name="幻灯片图像占位符 1"/>
+          <p:cNvSpPr>
+            <a:spLocks noGrp="1" noRot="1" noChangeAspect="1"/>
+          </p:cNvSpPr>
+          <p:nvPr>
+            <p:ph type="sldImg"/>
+          </p:nvPr>
+        </p:nvSpPr>
+        <p:spPr/>
+      </p:sp>
+      <p:sp>
+        <p:nvSpPr>
+          <p:cNvPr id="3" name="备注占位符 2"/>
+          <p:cNvSpPr>
+            <a:spLocks noGrp="1"/>
+          </p:cNvSpPr>
+          <p:nvPr>
+            <p:ph type="body" idx="1"/>
+          </p:nvPr>
+        </p:nvSpPr>
+        <p:spPr/>
+        <p:txBody>
+          <a:bodyPr/>
+          <a:lstStyle/>
+          <a:p>
+            <a:endParaRPr lang="zh-CN" altLang="en-US" dirty="0"/>
+          </a:p>
+        </p:txBody>
+      </p:sp>
+    </p:spTree>
+    <p:extLst>
+      <p:ext uri="{BB962C8B-B14F-4D97-AF65-F5344CB8AC3E}">
+        <p14:creationId xmlns:p14="http://schemas.microsoft.com/office/powerpoint/2010/main" val="578455270"/>
+      </p:ext>
+    </p:extLst>
+  </p:cSld>
+  <p:clrMapOvr>
+    <a:masterClrMapping/>
+  </p:clrMapOvr>
+</p:notes>
 </file>
 
 <file path=ppt/slideLayouts/slideLayout1.xml><?xml version="1.0" encoding="utf-8"?>
@@ -5900,7 +8501,7 @@
           </a:ln>
           <a:extLst>
             <a:ext uri="{C572A759-6A51-4108-AA02-DFA0A04FC94B}">
-              <ma14:wrappingTextBoxFlag xmlns="" xmlns:ma14="http://schemas.microsoft.com/office/mac/drawingml/2011/main" val="1"/>
+              <ma14:wrappingTextBoxFlag xmlns:ma14="http://schemas.microsoft.com/office/mac/drawingml/2011/main" xmlns="" val="1"/>
             </a:ext>
           </a:extLst>
         </p:spPr>
@@ -5939,7 +8540,7 @@
           </a:ln>
           <a:extLst>
             <a:ext uri="{C572A759-6A51-4108-AA02-DFA0A04FC94B}">
-              <ma14:wrappingTextBoxFlag xmlns="" xmlns:ma14="http://schemas.microsoft.com/office/mac/drawingml/2011/main" val="1"/>
+              <ma14:wrappingTextBoxFlag xmlns:ma14="http://schemas.microsoft.com/office/mac/drawingml/2011/main" xmlns="" val="1"/>
             </a:ext>
           </a:extLst>
         </p:spPr>
@@ -6914,7 +9515,7 @@
         </p:nvSpPr>
         <p:spPr>
           <a:xfrm>
-            <a:off x="1321515" y="2648364"/>
+            <a:off x="1321515" y="4520660"/>
             <a:ext cx="10464800" cy="583358"/>
           </a:xfrm>
           <a:prstGeom prst="rect">
@@ -6987,433 +9588,6 @@
           </a:p>
         </p:txBody>
       </p:sp>
-      <p:sp>
-        <p:nvSpPr>
-          <p:cNvPr id="9" name="2、7月17至7月23日新用户增长了40%，较前一周增长了21个百分点"/>
-          <p:cNvSpPr txBox="1"/>
-          <p:nvPr/>
-        </p:nvSpPr>
-        <p:spPr>
-          <a:xfrm>
-            <a:off x="3281437" y="5784545"/>
-            <a:ext cx="7515975" cy="779701"/>
-          </a:xfrm>
-          <a:prstGeom prst="rect">
-            <a:avLst/>
-          </a:prstGeom>
-          <a:ln w="12700">
-            <a:miter lim="400000"/>
-          </a:ln>
-          <a:extLst>
-            <a:ext uri="{C572A759-6A51-4108-AA02-DFA0A04FC94B}">
-              <ma14:wrappingTextBoxFlag xmlns="" xmlns:ma14="http://schemas.microsoft.com/office/mac/drawingml/2011/main" val="1"/>
-            </a:ext>
-          </a:extLst>
-        </p:spPr>
-        <p:txBody>
-          <a:bodyPr wrap="square" lIns="50800" tIns="50800" rIns="50800" bIns="50800" anchor="ctr">
-            <a:spAutoFit/>
-          </a:bodyPr>
-          <a:lstStyle>
-            <a:lvl1pPr>
-              <a:defRPr sz="3600">
-                <a:latin typeface="Heiti SC Light"/>
-                <a:ea typeface="Heiti SC Light"/>
-                <a:cs typeface="Heiti SC Light"/>
-                <a:sym typeface="Heiti SC Light"/>
-              </a:defRPr>
-            </a:lvl1pPr>
-          </a:lstStyle>
-          <a:p>
-            <a:pPr algn="l"/>
-            <a:r>
-              <a:rPr lang="zh-CN" altLang="en-US" dirty="0" smtClean="0"/>
-              <a:t>用户总数：</a:t>
-            </a:r>
-            <a:r>
-              <a:rPr lang="en-US" altLang="zh-CN" sz="4400" b="1" dirty="0" smtClean="0">
-                <a:solidFill>
-                  <a:srgbClr val="FFFF00"/>
-                </a:solidFill>
-              </a:rPr>
-              <a:t>4161</a:t>
-            </a:r>
-            <a:r>
-              <a:rPr lang="en-US" altLang="zh-CN" dirty="0" smtClean="0"/>
-              <a:t>=  1857   </a:t>
-            </a:r>
-            <a:r>
-              <a:rPr lang="en-US" altLang="zh-CN" dirty="0" smtClean="0"/>
-              <a:t>+  </a:t>
-            </a:r>
-            <a:r>
-              <a:rPr lang="en-US" altLang="zh-CN" dirty="0" smtClean="0"/>
-              <a:t>2304</a:t>
-            </a:r>
-            <a:endParaRPr lang="en-US" altLang="zh-CN" sz="4400" b="1" dirty="0"/>
-          </a:p>
-        </p:txBody>
-      </p:sp>
-      <p:sp>
-        <p:nvSpPr>
-          <p:cNvPr id="10" name="本次统计时间段为2017年7月24至7月30日"/>
-          <p:cNvSpPr txBox="1">
-            <a:spLocks/>
-          </p:cNvSpPr>
-          <p:nvPr/>
-        </p:nvSpPr>
-        <p:spPr>
-          <a:xfrm>
-            <a:off x="7392471" y="5621220"/>
-            <a:ext cx="3840933" cy="326650"/>
-          </a:xfrm>
-          <a:prstGeom prst="rect">
-            <a:avLst/>
-          </a:prstGeom>
-          <a:ln w="12700">
-            <a:miter lim="400000"/>
-          </a:ln>
-          <a:extLst>
-            <a:ext uri="{C572A759-6A51-4108-AA02-DFA0A04FC94B}">
-              <ma14:wrappingTextBoxFlag xmlns="" xmlns:ma14="http://schemas.microsoft.com/office/mac/drawingml/2011/main" val="1"/>
-            </a:ext>
-          </a:extLst>
-        </p:spPr>
-        <p:txBody>
-          <a:bodyPr lIns="50800" tIns="50800" rIns="50800" bIns="50800" anchor="t">
-            <a:normAutofit fontScale="70000" lnSpcReduction="20000"/>
-          </a:bodyPr>
-          <a:lstStyle>
-            <a:lvl1pPr marL="0" marR="0" indent="0" algn="ctr" defTabSz="584200" rtl="0" latinLnBrk="0">
-              <a:lnSpc>
-                <a:spcPct val="100000"/>
-              </a:lnSpc>
-              <a:spcBef>
-                <a:spcPts val="0"/>
-              </a:spcBef>
-              <a:spcAft>
-                <a:spcPts val="0"/>
-              </a:spcAft>
-              <a:buClrTx/>
-              <a:buSzTx/>
-              <a:buFontTx/>
-              <a:buNone/>
-              <a:tabLst/>
-              <a:defRPr sz="3200" b="0" i="0" u="none" strike="noStrike" cap="none" spc="0" baseline="0">
-                <a:ln>
-                  <a:noFill/>
-                </a:ln>
-                <a:solidFill>
-                  <a:srgbClr val="D6D6D6"/>
-                </a:solidFill>
-                <a:uFillTx/>
-                <a:latin typeface="Heiti SC Light"/>
-                <a:ea typeface="Heiti SC Light"/>
-                <a:cs typeface="Heiti SC Light"/>
-                <a:sym typeface="Heiti SC Light"/>
-              </a:defRPr>
-            </a:lvl1pPr>
-            <a:lvl2pPr marL="0" marR="0" indent="228600" algn="ctr" defTabSz="584200" rtl="0" latinLnBrk="0">
-              <a:lnSpc>
-                <a:spcPct val="100000"/>
-              </a:lnSpc>
-              <a:spcBef>
-                <a:spcPts val="0"/>
-              </a:spcBef>
-              <a:spcAft>
-                <a:spcPts val="0"/>
-              </a:spcAft>
-              <a:buClrTx/>
-              <a:buSzTx/>
-              <a:buFontTx/>
-              <a:buNone/>
-              <a:tabLst/>
-              <a:defRPr sz="3200" b="0" i="0" u="none" strike="noStrike" cap="none" spc="0" baseline="0">
-                <a:ln>
-                  <a:noFill/>
-                </a:ln>
-                <a:solidFill>
-                  <a:srgbClr val="FFFFFF"/>
-                </a:solidFill>
-                <a:uFillTx/>
-                <a:latin typeface="+mn-lt"/>
-                <a:ea typeface="+mn-ea"/>
-                <a:cs typeface="+mn-cs"/>
-                <a:sym typeface="Helvetica Light"/>
-              </a:defRPr>
-            </a:lvl2pPr>
-            <a:lvl3pPr marL="0" marR="0" indent="457200" algn="ctr" defTabSz="584200" rtl="0" latinLnBrk="0">
-              <a:lnSpc>
-                <a:spcPct val="100000"/>
-              </a:lnSpc>
-              <a:spcBef>
-                <a:spcPts val="0"/>
-              </a:spcBef>
-              <a:spcAft>
-                <a:spcPts val="0"/>
-              </a:spcAft>
-              <a:buClrTx/>
-              <a:buSzTx/>
-              <a:buFontTx/>
-              <a:buNone/>
-              <a:tabLst/>
-              <a:defRPr sz="3200" b="0" i="0" u="none" strike="noStrike" cap="none" spc="0" baseline="0">
-                <a:ln>
-                  <a:noFill/>
-                </a:ln>
-                <a:solidFill>
-                  <a:srgbClr val="FFFFFF"/>
-                </a:solidFill>
-                <a:uFillTx/>
-                <a:latin typeface="+mn-lt"/>
-                <a:ea typeface="+mn-ea"/>
-                <a:cs typeface="+mn-cs"/>
-                <a:sym typeface="Helvetica Light"/>
-              </a:defRPr>
-            </a:lvl3pPr>
-            <a:lvl4pPr marL="0" marR="0" indent="685800" algn="ctr" defTabSz="584200" rtl="0" latinLnBrk="0">
-              <a:lnSpc>
-                <a:spcPct val="100000"/>
-              </a:lnSpc>
-              <a:spcBef>
-                <a:spcPts val="0"/>
-              </a:spcBef>
-              <a:spcAft>
-                <a:spcPts val="0"/>
-              </a:spcAft>
-              <a:buClrTx/>
-              <a:buSzTx/>
-              <a:buFontTx/>
-              <a:buNone/>
-              <a:tabLst/>
-              <a:defRPr sz="3200" b="0" i="0" u="none" strike="noStrike" cap="none" spc="0" baseline="0">
-                <a:ln>
-                  <a:noFill/>
-                </a:ln>
-                <a:solidFill>
-                  <a:srgbClr val="FFFFFF"/>
-                </a:solidFill>
-                <a:uFillTx/>
-                <a:latin typeface="+mn-lt"/>
-                <a:ea typeface="+mn-ea"/>
-                <a:cs typeface="+mn-cs"/>
-                <a:sym typeface="Helvetica Light"/>
-              </a:defRPr>
-            </a:lvl4pPr>
-            <a:lvl5pPr marL="0" marR="0" indent="914400" algn="ctr" defTabSz="584200" rtl="0" latinLnBrk="0">
-              <a:lnSpc>
-                <a:spcPct val="100000"/>
-              </a:lnSpc>
-              <a:spcBef>
-                <a:spcPts val="0"/>
-              </a:spcBef>
-              <a:spcAft>
-                <a:spcPts val="0"/>
-              </a:spcAft>
-              <a:buClrTx/>
-              <a:buSzTx/>
-              <a:buFontTx/>
-              <a:buNone/>
-              <a:tabLst/>
-              <a:defRPr sz="3200" b="0" i="0" u="none" strike="noStrike" cap="none" spc="0" baseline="0">
-                <a:ln>
-                  <a:noFill/>
-                </a:ln>
-                <a:solidFill>
-                  <a:srgbClr val="FFFFFF"/>
-                </a:solidFill>
-                <a:uFillTx/>
-                <a:latin typeface="+mn-lt"/>
-                <a:ea typeface="+mn-ea"/>
-                <a:cs typeface="+mn-cs"/>
-                <a:sym typeface="Helvetica Light"/>
-              </a:defRPr>
-            </a:lvl5pPr>
-            <a:lvl6pPr marL="2743200" marR="0" indent="-457200" algn="l" defTabSz="584200" rtl="0" latinLnBrk="0">
-              <a:lnSpc>
-                <a:spcPct val="100000"/>
-              </a:lnSpc>
-              <a:spcBef>
-                <a:spcPts val="4200"/>
-              </a:spcBef>
-              <a:spcAft>
-                <a:spcPts val="0"/>
-              </a:spcAft>
-              <a:buClrTx/>
-              <a:buSzPct val="75000"/>
-              <a:buFontTx/>
-              <a:buChar char="•"/>
-              <a:tabLst/>
-              <a:defRPr sz="3800" b="0" i="0" u="none" strike="noStrike" cap="none" spc="0" baseline="0">
-                <a:ln>
-                  <a:noFill/>
-                </a:ln>
-                <a:solidFill>
-                  <a:srgbClr val="FFFFFF"/>
-                </a:solidFill>
-                <a:uFillTx/>
-                <a:latin typeface="+mn-lt"/>
-                <a:ea typeface="+mn-ea"/>
-                <a:cs typeface="+mn-cs"/>
-                <a:sym typeface="Helvetica Light"/>
-              </a:defRPr>
-            </a:lvl6pPr>
-            <a:lvl7pPr marL="3200400" marR="0" indent="-457200" algn="l" defTabSz="584200" rtl="0" latinLnBrk="0">
-              <a:lnSpc>
-                <a:spcPct val="100000"/>
-              </a:lnSpc>
-              <a:spcBef>
-                <a:spcPts val="4200"/>
-              </a:spcBef>
-              <a:spcAft>
-                <a:spcPts val="0"/>
-              </a:spcAft>
-              <a:buClrTx/>
-              <a:buSzPct val="75000"/>
-              <a:buFontTx/>
-              <a:buChar char="•"/>
-              <a:tabLst/>
-              <a:defRPr sz="3800" b="0" i="0" u="none" strike="noStrike" cap="none" spc="0" baseline="0">
-                <a:ln>
-                  <a:noFill/>
-                </a:ln>
-                <a:solidFill>
-                  <a:srgbClr val="FFFFFF"/>
-                </a:solidFill>
-                <a:uFillTx/>
-                <a:latin typeface="+mn-lt"/>
-                <a:ea typeface="+mn-ea"/>
-                <a:cs typeface="+mn-cs"/>
-                <a:sym typeface="Helvetica Light"/>
-              </a:defRPr>
-            </a:lvl7pPr>
-            <a:lvl8pPr marL="3657600" marR="0" indent="-457200" algn="l" defTabSz="584200" rtl="0" latinLnBrk="0">
-              <a:lnSpc>
-                <a:spcPct val="100000"/>
-              </a:lnSpc>
-              <a:spcBef>
-                <a:spcPts val="4200"/>
-              </a:spcBef>
-              <a:spcAft>
-                <a:spcPts val="0"/>
-              </a:spcAft>
-              <a:buClrTx/>
-              <a:buSzPct val="75000"/>
-              <a:buFontTx/>
-              <a:buChar char="•"/>
-              <a:tabLst/>
-              <a:defRPr sz="3800" b="0" i="0" u="none" strike="noStrike" cap="none" spc="0" baseline="0">
-                <a:ln>
-                  <a:noFill/>
-                </a:ln>
-                <a:solidFill>
-                  <a:srgbClr val="FFFFFF"/>
-                </a:solidFill>
-                <a:uFillTx/>
-                <a:latin typeface="+mn-lt"/>
-                <a:ea typeface="+mn-ea"/>
-                <a:cs typeface="+mn-cs"/>
-                <a:sym typeface="Helvetica Light"/>
-              </a:defRPr>
-            </a:lvl8pPr>
-            <a:lvl9pPr marL="4114800" marR="0" indent="-457200" algn="l" defTabSz="584200" rtl="0" latinLnBrk="0">
-              <a:lnSpc>
-                <a:spcPct val="100000"/>
-              </a:lnSpc>
-              <a:spcBef>
-                <a:spcPts val="4200"/>
-              </a:spcBef>
-              <a:spcAft>
-                <a:spcPts val="0"/>
-              </a:spcAft>
-              <a:buClrTx/>
-              <a:buSzPct val="75000"/>
-              <a:buFontTx/>
-              <a:buChar char="•"/>
-              <a:tabLst/>
-              <a:defRPr sz="3800" b="0" i="0" u="none" strike="noStrike" cap="none" spc="0" baseline="0">
-                <a:ln>
-                  <a:noFill/>
-                </a:ln>
-                <a:solidFill>
-                  <a:srgbClr val="FFFFFF"/>
-                </a:solidFill>
-                <a:uFillTx/>
-                <a:latin typeface="+mn-lt"/>
-                <a:ea typeface="+mn-ea"/>
-                <a:cs typeface="+mn-cs"/>
-                <a:sym typeface="Helvetica Light"/>
-              </a:defRPr>
-            </a:lvl9pPr>
-          </a:lstStyle>
-          <a:p>
-            <a:pPr algn="l" hangingPunct="1"/>
-            <a:r>
-              <a:rPr lang="zh-CN" altLang="en-US" sz="2400" dirty="0" smtClean="0">
-                <a:solidFill>
-                  <a:schemeClr val="bg2">
-                    <a:lumMod val="60000"/>
-                    <a:lumOff val="40000"/>
-                  </a:schemeClr>
-                </a:solidFill>
-              </a:rPr>
-              <a:t> （</a:t>
-            </a:r>
-            <a:r>
-              <a:rPr lang="en-US" altLang="zh-CN" sz="2400" dirty="0" smtClean="0">
-                <a:solidFill>
-                  <a:schemeClr val="bg2">
-                    <a:lumMod val="60000"/>
-                    <a:lumOff val="40000"/>
-                  </a:schemeClr>
-                </a:solidFill>
-              </a:rPr>
-              <a:t>iOS</a:t>
-            </a:r>
-            <a:r>
-              <a:rPr lang="zh-CN" altLang="en-US" sz="2400" dirty="0" smtClean="0">
-                <a:solidFill>
-                  <a:schemeClr val="bg2">
-                    <a:lumMod val="60000"/>
-                    <a:lumOff val="40000"/>
-                  </a:schemeClr>
-                </a:solidFill>
-              </a:rPr>
-              <a:t>）           （</a:t>
-            </a:r>
-            <a:r>
-              <a:rPr lang="en-US" altLang="zh-CN" sz="2400" dirty="0" smtClean="0">
-                <a:solidFill>
-                  <a:schemeClr val="bg2">
-                    <a:lumMod val="60000"/>
-                    <a:lumOff val="40000"/>
-                  </a:schemeClr>
-                </a:solidFill>
-              </a:rPr>
-              <a:t>Android</a:t>
-            </a:r>
-            <a:r>
-              <a:rPr lang="zh-CN" altLang="en-US" sz="2400" dirty="0" smtClean="0">
-                <a:solidFill>
-                  <a:schemeClr val="bg2">
-                    <a:lumMod val="60000"/>
-                    <a:lumOff val="40000"/>
-                  </a:schemeClr>
-                </a:solidFill>
-              </a:rPr>
-              <a:t>）</a:t>
-            </a:r>
-            <a:endParaRPr lang="zh-CN" altLang="en-US" sz="2400" dirty="0">
-              <a:solidFill>
-                <a:schemeClr val="bg2">
-                  <a:lumMod val="60000"/>
-                  <a:lumOff val="40000"/>
-                </a:schemeClr>
-              </a:solidFill>
-            </a:endParaRPr>
-          </a:p>
-        </p:txBody>
-      </p:sp>
     </p:spTree>
   </p:cSld>
   <p:clrMapOvr>
@@ -7457,7 +9631,7 @@
         </p:nvSpPr>
         <p:spPr>
           <a:xfrm>
-            <a:off x="1270000" y="624929"/>
+            <a:off x="857876" y="223375"/>
             <a:ext cx="10464800" cy="800646"/>
           </a:xfrm>
           <a:prstGeom prst="rect">
@@ -7468,7 +9642,7 @@
           </a:ln>
           <a:extLst>
             <a:ext uri="{C572A759-6A51-4108-AA02-DFA0A04FC94B}">
-              <ma14:wrappingTextBoxFlag xmlns="" xmlns:ma14="http://schemas.microsoft.com/office/mac/drawingml/2011/main" val="1"/>
+              <ma14:wrappingTextBoxFlag xmlns:ma14="http://schemas.microsoft.com/office/mac/drawingml/2011/main" xmlns="" val="1"/>
             </a:ext>
           </a:extLst>
         </p:spPr>
@@ -7742,8 +9916,16 @@
           <a:p>
             <a:pPr hangingPunct="1"/>
             <a:r>
+              <a:rPr lang="en-US" altLang="zh-CN" dirty="0"/>
+              <a:t>1</a:t>
+            </a:r>
+            <a:r>
               <a:rPr lang="zh-CN" altLang="en-US" dirty="0" smtClean="0"/>
-              <a:t>每周</a:t>
+              <a:t>、每</a:t>
+            </a:r>
+            <a:r>
+              <a:rPr lang="zh-CN" altLang="en-US" dirty="0" smtClean="0"/>
+              <a:t>周</a:t>
             </a:r>
             <a:r>
               <a:rPr lang="en-US" altLang="zh-CN" dirty="0" smtClean="0"/>
@@ -7751,34 +9933,16 @@
             </a:r>
             <a:r>
               <a:rPr lang="zh-CN" altLang="en-US" dirty="0" smtClean="0"/>
-              <a:t>新增用户数</a:t>
+              <a:t>新增用户</a:t>
+            </a:r>
+            <a:r>
+              <a:rPr lang="zh-CN" altLang="en-US" dirty="0" smtClean="0"/>
+              <a:t>数</a:t>
             </a:r>
             <a:endParaRPr lang="zh-CN" altLang="en-US" dirty="0"/>
           </a:p>
         </p:txBody>
       </p:sp>
-      <p:graphicFrame>
-        <p:nvGraphicFramePr>
-          <p:cNvPr id="12" name="图表 11"/>
-          <p:cNvGraphicFramePr/>
-          <p:nvPr>
-            <p:extLst>
-              <p:ext uri="{D42A27DB-BD31-4B8C-83A1-F6EECF244321}">
-                <p14:modId xmlns:p14="http://schemas.microsoft.com/office/powerpoint/2010/main" val="1742516888"/>
-              </p:ext>
-            </p:extLst>
-          </p:nvPr>
-        </p:nvGraphicFramePr>
-        <p:xfrm>
-          <a:off x="2392796" y="1765935"/>
-          <a:ext cx="8669867" cy="5779911"/>
-        </p:xfrm>
-        <a:graphic>
-          <a:graphicData uri="http://schemas.openxmlformats.org/drawingml/2006/chart">
-            <c:chart xmlns:c="http://schemas.openxmlformats.org/drawingml/2006/chart" xmlns:r="http://schemas.openxmlformats.org/officeDocument/2006/relationships" r:id="rId2"/>
-          </a:graphicData>
-        </a:graphic>
-      </p:graphicFrame>
       <p:sp>
         <p:nvSpPr>
           <p:cNvPr id="19" name="本次统计时间段为2017年7月24至7月30日"/>
@@ -7789,8 +9953,8 @@
         </p:nvSpPr>
         <p:spPr>
           <a:xfrm>
-            <a:off x="2351825" y="8062978"/>
-            <a:ext cx="10464800" cy="583358"/>
+            <a:off x="1977375" y="8748982"/>
+            <a:ext cx="10296191" cy="610983"/>
           </a:xfrm>
           <a:prstGeom prst="rect">
             <a:avLst/>
@@ -7798,7 +9962,7 @@
         </p:spPr>
         <p:txBody>
           <a:bodyPr>
-            <a:normAutofit fontScale="92500" lnSpcReduction="10000"/>
+            <a:normAutofit fontScale="77500" lnSpcReduction="20000"/>
           </a:bodyPr>
           <a:lstStyle>
             <a:lvl1pPr marL="457200" marR="0" indent="-457200" algn="l" defTabSz="584200" rtl="0" latinLnBrk="0">
@@ -8068,337 +10232,50 @@
               <a:buNone/>
             </a:pPr>
             <a:r>
-              <a:rPr lang="zh-CN" altLang="en-US" dirty="0" smtClean="0"/>
-              <a:t>增幅：</a:t>
+              <a:rPr lang="en-US" altLang="zh-CN" dirty="0" smtClean="0">
+                <a:latin typeface="黑体" panose="02010609060101010101" pitchFamily="49" charset="-122"/>
+                <a:ea typeface="黑体" panose="02010609060101010101" pitchFamily="49" charset="-122"/>
+              </a:rPr>
+              <a:t>Android</a:t>
             </a:r>
             <a:r>
-              <a:rPr lang="en-US" altLang="zh-CN" dirty="0" smtClean="0"/>
-              <a:t>52.5%</a:t>
+              <a:rPr lang="zh-CN" altLang="en-US" dirty="0" smtClean="0">
+                <a:latin typeface="黑体" panose="02010609060101010101" pitchFamily="49" charset="-122"/>
+                <a:ea typeface="黑体" panose="02010609060101010101" pitchFamily="49" charset="-122"/>
+              </a:rPr>
+              <a:t>端的</a:t>
             </a:r>
             <a:r>
-              <a:rPr lang="zh-CN" altLang="en-US" dirty="0" smtClean="0"/>
-              <a:t>，</a:t>
+              <a:rPr lang="zh-CN" altLang="en-US" dirty="0">
+                <a:latin typeface="黑体" panose="02010609060101010101" pitchFamily="49" charset="-122"/>
+                <a:ea typeface="黑体" panose="02010609060101010101" pitchFamily="49" charset="-122"/>
+              </a:rPr>
+              <a:t>增长带动整体</a:t>
             </a:r>
             <a:r>
-              <a:rPr lang="en-US" altLang="zh-CN" dirty="0" smtClean="0"/>
-              <a:t>23%</a:t>
+              <a:rPr lang="zh-CN" altLang="en-US" dirty="0" smtClean="0">
+                <a:latin typeface="黑体" panose="02010609060101010101" pitchFamily="49" charset="-122"/>
+                <a:ea typeface="黑体" panose="02010609060101010101" pitchFamily="49" charset="-122"/>
+              </a:rPr>
+              <a:t>增长，</a:t>
             </a:r>
             <a:r>
-              <a:rPr lang="zh-CN" altLang="en-US" dirty="0" smtClean="0"/>
-              <a:t>，</a:t>
+              <a:rPr lang="en-US" altLang="zh-CN" dirty="0" smtClean="0">
+                <a:latin typeface="黑体" panose="02010609060101010101" pitchFamily="49" charset="-122"/>
+                <a:ea typeface="黑体" panose="02010609060101010101" pitchFamily="49" charset="-122"/>
+              </a:rPr>
+              <a:t>8</a:t>
             </a:r>
             <a:r>
-              <a:rPr lang="en-US" altLang="zh-CN" dirty="0"/>
-              <a:t>4%</a:t>
+              <a:rPr lang="zh-CN" altLang="en-US" dirty="0" smtClean="0">
+                <a:latin typeface="黑体" panose="02010609060101010101" pitchFamily="49" charset="-122"/>
+                <a:ea typeface="黑体" panose="02010609060101010101" pitchFamily="49" charset="-122"/>
+              </a:rPr>
+              <a:t>月份第一周的增幅较低</a:t>
             </a:r>
-            <a:endParaRPr lang="zh-CN" altLang="en-US" dirty="0"/>
-          </a:p>
-        </p:txBody>
-      </p:sp>
-      <p:sp>
-        <p:nvSpPr>
-          <p:cNvPr id="20" name="本次统计时间段为2017年7月24至7月30日"/>
-          <p:cNvSpPr txBox="1">
-            <a:spLocks/>
-          </p:cNvSpPr>
-          <p:nvPr/>
-        </p:nvSpPr>
-        <p:spPr>
-          <a:xfrm>
-            <a:off x="4368799" y="4743357"/>
-            <a:ext cx="1130479" cy="491302"/>
-          </a:xfrm>
-          <a:prstGeom prst="rect">
-            <a:avLst/>
-          </a:prstGeom>
-        </p:spPr>
-        <p:txBody>
-          <a:bodyPr>
-            <a:noAutofit/>
-          </a:bodyPr>
-          <a:lstStyle>
-            <a:lvl1pPr marL="457200" marR="0" indent="-457200" algn="l" defTabSz="584200" rtl="0" latinLnBrk="0">
-              <a:lnSpc>
-                <a:spcPct val="100000"/>
-              </a:lnSpc>
-              <a:spcBef>
-                <a:spcPts val="4200"/>
-              </a:spcBef>
-              <a:spcAft>
-                <a:spcPts val="0"/>
-              </a:spcAft>
-              <a:buClrTx/>
-              <a:buSzPct val="75000"/>
-              <a:buFontTx/>
-              <a:buChar char="•"/>
-              <a:tabLst/>
-              <a:defRPr sz="3800" b="0" i="0" u="none" strike="noStrike" cap="none" spc="0" baseline="0">
-                <a:ln>
-                  <a:noFill/>
-                </a:ln>
-                <a:solidFill>
-                  <a:srgbClr val="D6D6D6"/>
-                </a:solidFill>
-                <a:uFillTx/>
-                <a:latin typeface="Heiti SC Light"/>
-                <a:ea typeface="Heiti SC Light"/>
-                <a:cs typeface="Heiti SC Light"/>
-                <a:sym typeface="Heiti SC Light"/>
-              </a:defRPr>
-            </a:lvl1pPr>
-            <a:lvl2pPr marL="914400" marR="0" indent="-457200" algn="l" defTabSz="584200" rtl="0" latinLnBrk="0">
-              <a:lnSpc>
-                <a:spcPct val="100000"/>
-              </a:lnSpc>
-              <a:spcBef>
-                <a:spcPts val="4200"/>
-              </a:spcBef>
-              <a:spcAft>
-                <a:spcPts val="0"/>
-              </a:spcAft>
-              <a:buClrTx/>
-              <a:buSzPct val="75000"/>
-              <a:buFontTx/>
-              <a:buChar char="•"/>
-              <a:tabLst/>
-              <a:defRPr sz="3800" b="0" i="0" u="none" strike="noStrike" cap="none" spc="0" baseline="0">
-                <a:ln>
-                  <a:noFill/>
-                </a:ln>
-                <a:solidFill>
-                  <a:srgbClr val="FFFFFF"/>
-                </a:solidFill>
-                <a:uFillTx/>
-                <a:latin typeface="+mn-lt"/>
-                <a:ea typeface="+mn-ea"/>
-                <a:cs typeface="+mn-cs"/>
-                <a:sym typeface="Helvetica Light"/>
-              </a:defRPr>
-            </a:lvl2pPr>
-            <a:lvl3pPr marL="1371600" marR="0" indent="-457200" algn="l" defTabSz="584200" rtl="0" latinLnBrk="0">
-              <a:lnSpc>
-                <a:spcPct val="100000"/>
-              </a:lnSpc>
-              <a:spcBef>
-                <a:spcPts val="4200"/>
-              </a:spcBef>
-              <a:spcAft>
-                <a:spcPts val="0"/>
-              </a:spcAft>
-              <a:buClrTx/>
-              <a:buSzPct val="75000"/>
-              <a:buFontTx/>
-              <a:buChar char="•"/>
-              <a:tabLst/>
-              <a:defRPr sz="3800" b="0" i="0" u="none" strike="noStrike" cap="none" spc="0" baseline="0">
-                <a:ln>
-                  <a:noFill/>
-                </a:ln>
-                <a:solidFill>
-                  <a:srgbClr val="FFFFFF"/>
-                </a:solidFill>
-                <a:uFillTx/>
-                <a:latin typeface="+mn-lt"/>
-                <a:ea typeface="+mn-ea"/>
-                <a:cs typeface="+mn-cs"/>
-                <a:sym typeface="Helvetica Light"/>
-              </a:defRPr>
-            </a:lvl3pPr>
-            <a:lvl4pPr marL="1828800" marR="0" indent="-457200" algn="l" defTabSz="584200" rtl="0" latinLnBrk="0">
-              <a:lnSpc>
-                <a:spcPct val="100000"/>
-              </a:lnSpc>
-              <a:spcBef>
-                <a:spcPts val="4200"/>
-              </a:spcBef>
-              <a:spcAft>
-                <a:spcPts val="0"/>
-              </a:spcAft>
-              <a:buClrTx/>
-              <a:buSzPct val="75000"/>
-              <a:buFontTx/>
-              <a:buChar char="•"/>
-              <a:tabLst/>
-              <a:defRPr sz="3800" b="0" i="0" u="none" strike="noStrike" cap="none" spc="0" baseline="0">
-                <a:ln>
-                  <a:noFill/>
-                </a:ln>
-                <a:solidFill>
-                  <a:srgbClr val="FFFFFF"/>
-                </a:solidFill>
-                <a:uFillTx/>
-                <a:latin typeface="+mn-lt"/>
-                <a:ea typeface="+mn-ea"/>
-                <a:cs typeface="+mn-cs"/>
-                <a:sym typeface="Helvetica Light"/>
-              </a:defRPr>
-            </a:lvl4pPr>
-            <a:lvl5pPr marL="2286000" marR="0" indent="-457200" algn="l" defTabSz="584200" rtl="0" latinLnBrk="0">
-              <a:lnSpc>
-                <a:spcPct val="100000"/>
-              </a:lnSpc>
-              <a:spcBef>
-                <a:spcPts val="4200"/>
-              </a:spcBef>
-              <a:spcAft>
-                <a:spcPts val="0"/>
-              </a:spcAft>
-              <a:buClrTx/>
-              <a:buSzPct val="75000"/>
-              <a:buFontTx/>
-              <a:buChar char="•"/>
-              <a:tabLst/>
-              <a:defRPr sz="3800" b="0" i="0" u="none" strike="noStrike" cap="none" spc="0" baseline="0">
-                <a:ln>
-                  <a:noFill/>
-                </a:ln>
-                <a:solidFill>
-                  <a:srgbClr val="FFFFFF"/>
-                </a:solidFill>
-                <a:uFillTx/>
-                <a:latin typeface="+mn-lt"/>
-                <a:ea typeface="+mn-ea"/>
-                <a:cs typeface="+mn-cs"/>
-                <a:sym typeface="Helvetica Light"/>
-              </a:defRPr>
-            </a:lvl5pPr>
-            <a:lvl6pPr marL="2743200" marR="0" indent="-457200" algn="l" defTabSz="584200" rtl="0" latinLnBrk="0">
-              <a:lnSpc>
-                <a:spcPct val="100000"/>
-              </a:lnSpc>
-              <a:spcBef>
-                <a:spcPts val="4200"/>
-              </a:spcBef>
-              <a:spcAft>
-                <a:spcPts val="0"/>
-              </a:spcAft>
-              <a:buClrTx/>
-              <a:buSzPct val="75000"/>
-              <a:buFontTx/>
-              <a:buChar char="•"/>
-              <a:tabLst/>
-              <a:defRPr sz="3800" b="0" i="0" u="none" strike="noStrike" cap="none" spc="0" baseline="0">
-                <a:ln>
-                  <a:noFill/>
-                </a:ln>
-                <a:solidFill>
-                  <a:srgbClr val="FFFFFF"/>
-                </a:solidFill>
-                <a:uFillTx/>
-                <a:latin typeface="+mn-lt"/>
-                <a:ea typeface="+mn-ea"/>
-                <a:cs typeface="+mn-cs"/>
-                <a:sym typeface="Helvetica Light"/>
-              </a:defRPr>
-            </a:lvl6pPr>
-            <a:lvl7pPr marL="3200400" marR="0" indent="-457200" algn="l" defTabSz="584200" rtl="0" latinLnBrk="0">
-              <a:lnSpc>
-                <a:spcPct val="100000"/>
-              </a:lnSpc>
-              <a:spcBef>
-                <a:spcPts val="4200"/>
-              </a:spcBef>
-              <a:spcAft>
-                <a:spcPts val="0"/>
-              </a:spcAft>
-              <a:buClrTx/>
-              <a:buSzPct val="75000"/>
-              <a:buFontTx/>
-              <a:buChar char="•"/>
-              <a:tabLst/>
-              <a:defRPr sz="3800" b="0" i="0" u="none" strike="noStrike" cap="none" spc="0" baseline="0">
-                <a:ln>
-                  <a:noFill/>
-                </a:ln>
-                <a:solidFill>
-                  <a:srgbClr val="FFFFFF"/>
-                </a:solidFill>
-                <a:uFillTx/>
-                <a:latin typeface="+mn-lt"/>
-                <a:ea typeface="+mn-ea"/>
-                <a:cs typeface="+mn-cs"/>
-                <a:sym typeface="Helvetica Light"/>
-              </a:defRPr>
-            </a:lvl7pPr>
-            <a:lvl8pPr marL="3657600" marR="0" indent="-457200" algn="l" defTabSz="584200" rtl="0" latinLnBrk="0">
-              <a:lnSpc>
-                <a:spcPct val="100000"/>
-              </a:lnSpc>
-              <a:spcBef>
-                <a:spcPts val="4200"/>
-              </a:spcBef>
-              <a:spcAft>
-                <a:spcPts val="0"/>
-              </a:spcAft>
-              <a:buClrTx/>
-              <a:buSzPct val="75000"/>
-              <a:buFontTx/>
-              <a:buChar char="•"/>
-              <a:tabLst/>
-              <a:defRPr sz="3800" b="0" i="0" u="none" strike="noStrike" cap="none" spc="0" baseline="0">
-                <a:ln>
-                  <a:noFill/>
-                </a:ln>
-                <a:solidFill>
-                  <a:srgbClr val="FFFFFF"/>
-                </a:solidFill>
-                <a:uFillTx/>
-                <a:latin typeface="+mn-lt"/>
-                <a:ea typeface="+mn-ea"/>
-                <a:cs typeface="+mn-cs"/>
-                <a:sym typeface="Helvetica Light"/>
-              </a:defRPr>
-            </a:lvl8pPr>
-            <a:lvl9pPr marL="4114800" marR="0" indent="-457200" algn="l" defTabSz="584200" rtl="0" latinLnBrk="0">
-              <a:lnSpc>
-                <a:spcPct val="100000"/>
-              </a:lnSpc>
-              <a:spcBef>
-                <a:spcPts val="4200"/>
-              </a:spcBef>
-              <a:spcAft>
-                <a:spcPts val="0"/>
-              </a:spcAft>
-              <a:buClrTx/>
-              <a:buSzPct val="75000"/>
-              <a:buFontTx/>
-              <a:buChar char="•"/>
-              <a:tabLst/>
-              <a:defRPr sz="3800" b="0" i="0" u="none" strike="noStrike" cap="none" spc="0" baseline="0">
-                <a:ln>
-                  <a:noFill/>
-                </a:ln>
-                <a:solidFill>
-                  <a:srgbClr val="FFFFFF"/>
-                </a:solidFill>
-                <a:uFillTx/>
-                <a:latin typeface="+mn-lt"/>
-                <a:ea typeface="+mn-ea"/>
-                <a:cs typeface="+mn-cs"/>
-                <a:sym typeface="Helvetica Light"/>
-              </a:defRPr>
-            </a:lvl9pPr>
-          </a:lstStyle>
-          <a:p>
-            <a:pPr marL="0" indent="0" hangingPunct="1">
-              <a:buNone/>
-            </a:pPr>
-            <a:r>
-              <a:rPr lang="en-US" altLang="zh-CN" sz="2800" dirty="0" smtClean="0">
-                <a:solidFill>
-                  <a:schemeClr val="accent1">
-                    <a:lumMod val="50000"/>
-                  </a:schemeClr>
-                </a:solidFill>
-              </a:rPr>
-              <a:t>52.5%</a:t>
-            </a:r>
-            <a:endParaRPr lang="zh-CN" altLang="en-US" sz="2800" dirty="0">
-              <a:solidFill>
-                <a:schemeClr val="accent1">
-                  <a:lumMod val="50000"/>
-                </a:schemeClr>
-              </a:solidFill>
+            <a:endParaRPr lang="en-US" altLang="zh-CN" dirty="0" smtClean="0">
+              <a:latin typeface="黑体" panose="02010609060101010101" pitchFamily="49" charset="-122"/>
+              <a:ea typeface="黑体" panose="02010609060101010101" pitchFamily="49" charset="-122"/>
             </a:endParaRPr>
           </a:p>
         </p:txBody>
@@ -8433,893 +10310,1260 @@
           </a:p>
         </p:txBody>
       </p:sp>
-      <p:sp>
-        <p:nvSpPr>
-          <p:cNvPr id="27" name="右箭头 26"/>
-          <p:cNvSpPr/>
+      <p:grpSp>
+        <p:nvGrpSpPr>
+          <p:cNvPr id="2" name="组合 1"/>
+          <p:cNvGrpSpPr/>
           <p:nvPr/>
-        </p:nvSpPr>
-        <p:spPr>
-          <a:xfrm rot="19883258">
-            <a:off x="4592749" y="5258857"/>
-            <a:ext cx="682580" cy="437882"/>
+        </p:nvGrpSpPr>
+        <p:grpSpPr>
+          <a:xfrm>
+            <a:off x="938256" y="1230089"/>
+            <a:ext cx="11130020" cy="4279766"/>
+            <a:chOff x="2412860" y="1258423"/>
+            <a:chExt cx="8669867" cy="5779911"/>
           </a:xfrm>
-          <a:prstGeom prst="rightArrow">
-            <a:avLst/>
-          </a:prstGeom>
-          <a:solidFill>
-            <a:schemeClr val="tx1"/>
-          </a:solidFill>
-          <a:ln w="12700" cap="flat">
-            <a:noFill/>
-            <a:miter lim="400000"/>
-          </a:ln>
-          <a:effectLst>
-            <a:outerShdw blurRad="76200" dir="18900000" rotWithShape="0">
-              <a:srgbClr val="000000">
-                <a:alpha val="80000"/>
-              </a:srgbClr>
-            </a:outerShdw>
-          </a:effectLst>
-          <a:sp3d/>
-        </p:spPr>
-        <p:style>
-          <a:lnRef idx="0">
-            <a:scrgbClr r="0" g="0" b="0"/>
-          </a:lnRef>
-          <a:fillRef idx="0">
-            <a:scrgbClr r="0" g="0" b="0"/>
-          </a:fillRef>
-          <a:effectRef idx="0">
-            <a:scrgbClr r="0" g="0" b="0"/>
-          </a:effectRef>
-          <a:fontRef idx="none"/>
-        </p:style>
-        <p:txBody>
-          <a:bodyPr rot="0" spcFirstLastPara="1" vertOverflow="overflow" horzOverflow="overflow" vert="horz" wrap="square" lIns="50800" tIns="50800" rIns="50800" bIns="50800" numCol="1" spcCol="38100" rtlCol="0" anchor="ctr">
-            <a:spAutoFit/>
-          </a:bodyPr>
-          <a:lstStyle/>
-          <a:p>
-            <a:pPr marL="0" marR="0" indent="0" algn="ctr" defTabSz="584200" rtl="0" fontAlgn="auto" latinLnBrk="0" hangingPunct="0">
-              <a:lnSpc>
-                <a:spcPct val="100000"/>
-              </a:lnSpc>
-              <a:spcBef>
-                <a:spcPts val="0"/>
-              </a:spcBef>
-              <a:spcAft>
-                <a:spcPts val="0"/>
-              </a:spcAft>
-              <a:buClrTx/>
-              <a:buSzTx/>
-              <a:buFontTx/>
-              <a:buNone/>
-              <a:tabLst/>
-            </a:pPr>
-            <a:endParaRPr kumimoji="0" lang="zh-CN" altLang="en-US" sz="2400" b="0" i="0" u="none" strike="noStrike" cap="none" spc="0" normalizeH="0" baseline="0">
-              <a:ln>
-                <a:noFill/>
-              </a:ln>
-              <a:solidFill>
-                <a:srgbClr val="FFFFFF"/>
-              </a:solidFill>
-              <a:effectLst>
-                <a:outerShdw blurRad="25400" dist="23998" dir="2700000" rotWithShape="0">
-                  <a:srgbClr val="000000">
-                    <a:alpha val="31034"/>
-                  </a:srgbClr>
-                </a:outerShdw>
-              </a:effectLst>
-              <a:uFillTx/>
-              <a:latin typeface="+mn-lt"/>
-              <a:ea typeface="+mn-ea"/>
-              <a:cs typeface="+mn-cs"/>
-              <a:sym typeface="Helvetica Light"/>
-            </a:endParaRPr>
-          </a:p>
-        </p:txBody>
-      </p:sp>
-      <p:sp>
-        <p:nvSpPr>
-          <p:cNvPr id="28" name="右箭头 27"/>
-          <p:cNvSpPr/>
-          <p:nvPr/>
-        </p:nvSpPr>
-        <p:spPr>
-          <a:xfrm rot="19883258">
-            <a:off x="6660798" y="4169694"/>
-            <a:ext cx="682580" cy="437882"/>
-          </a:xfrm>
-          <a:prstGeom prst="rightArrow">
-            <a:avLst/>
-          </a:prstGeom>
-          <a:solidFill>
-            <a:schemeClr val="tx1"/>
-          </a:solidFill>
-          <a:ln w="12700" cap="flat">
-            <a:noFill/>
-            <a:miter lim="400000"/>
-          </a:ln>
-          <a:effectLst>
-            <a:outerShdw blurRad="76200" dir="18900000" rotWithShape="0">
-              <a:srgbClr val="000000">
-                <a:alpha val="80000"/>
-              </a:srgbClr>
-            </a:outerShdw>
-          </a:effectLst>
-          <a:sp3d/>
-        </p:spPr>
-        <p:style>
-          <a:lnRef idx="0">
-            <a:scrgbClr r="0" g="0" b="0"/>
-          </a:lnRef>
-          <a:fillRef idx="0">
-            <a:scrgbClr r="0" g="0" b="0"/>
-          </a:fillRef>
-          <a:effectRef idx="0">
-            <a:scrgbClr r="0" g="0" b="0"/>
-          </a:effectRef>
-          <a:fontRef idx="none"/>
-        </p:style>
-        <p:txBody>
-          <a:bodyPr rot="0" spcFirstLastPara="1" vertOverflow="overflow" horzOverflow="overflow" vert="horz" wrap="square" lIns="50800" tIns="50800" rIns="50800" bIns="50800" numCol="1" spcCol="38100" rtlCol="0" anchor="ctr">
-            <a:spAutoFit/>
-          </a:bodyPr>
-          <a:lstStyle/>
-          <a:p>
-            <a:pPr marL="0" marR="0" indent="0" algn="ctr" defTabSz="584200" rtl="0" fontAlgn="auto" latinLnBrk="0" hangingPunct="0">
-              <a:lnSpc>
-                <a:spcPct val="100000"/>
-              </a:lnSpc>
-              <a:spcBef>
-                <a:spcPts val="0"/>
-              </a:spcBef>
-              <a:spcAft>
-                <a:spcPts val="0"/>
-              </a:spcAft>
-              <a:buClrTx/>
-              <a:buSzTx/>
-              <a:buFontTx/>
-              <a:buNone/>
-              <a:tabLst/>
-            </a:pPr>
-            <a:endParaRPr kumimoji="0" lang="zh-CN" altLang="en-US" sz="2400" b="0" i="0" u="none" strike="noStrike" cap="none" spc="0" normalizeH="0" baseline="0">
-              <a:ln>
-                <a:noFill/>
-              </a:ln>
-              <a:solidFill>
-                <a:srgbClr val="FFFFFF"/>
-              </a:solidFill>
-              <a:effectLst>
-                <a:outerShdw blurRad="25400" dist="23998" dir="2700000" rotWithShape="0">
-                  <a:srgbClr val="000000">
-                    <a:alpha val="31034"/>
-                  </a:srgbClr>
-                </a:outerShdw>
-              </a:effectLst>
-              <a:uFillTx/>
-              <a:latin typeface="+mn-lt"/>
-              <a:ea typeface="+mn-ea"/>
-              <a:cs typeface="+mn-cs"/>
-              <a:sym typeface="Helvetica Light"/>
-            </a:endParaRPr>
-          </a:p>
-        </p:txBody>
-      </p:sp>
-      <p:sp>
-        <p:nvSpPr>
-          <p:cNvPr id="29" name="右箭头 28"/>
-          <p:cNvSpPr/>
-          <p:nvPr/>
-        </p:nvSpPr>
-        <p:spPr>
-          <a:xfrm rot="19883258">
-            <a:off x="8698247" y="3457490"/>
-            <a:ext cx="682580" cy="437882"/>
-          </a:xfrm>
-          <a:prstGeom prst="rightArrow">
-            <a:avLst/>
-          </a:prstGeom>
-          <a:solidFill>
-            <a:schemeClr val="tx1"/>
-          </a:solidFill>
-          <a:ln w="12700" cap="flat">
-            <a:noFill/>
-            <a:miter lim="400000"/>
-          </a:ln>
-          <a:effectLst>
-            <a:outerShdw blurRad="76200" dir="18900000" rotWithShape="0">
-              <a:srgbClr val="000000">
-                <a:alpha val="80000"/>
-              </a:srgbClr>
-            </a:outerShdw>
-          </a:effectLst>
-          <a:sp3d/>
-        </p:spPr>
-        <p:style>
-          <a:lnRef idx="0">
-            <a:scrgbClr r="0" g="0" b="0"/>
-          </a:lnRef>
-          <a:fillRef idx="0">
-            <a:scrgbClr r="0" g="0" b="0"/>
-          </a:fillRef>
-          <a:effectRef idx="0">
-            <a:scrgbClr r="0" g="0" b="0"/>
-          </a:effectRef>
-          <a:fontRef idx="none"/>
-        </p:style>
-        <p:txBody>
-          <a:bodyPr rot="0" spcFirstLastPara="1" vertOverflow="overflow" horzOverflow="overflow" vert="horz" wrap="square" lIns="50800" tIns="50800" rIns="50800" bIns="50800" numCol="1" spcCol="38100" rtlCol="0" anchor="ctr">
-            <a:spAutoFit/>
-          </a:bodyPr>
-          <a:lstStyle/>
-          <a:p>
-            <a:pPr marL="0" marR="0" indent="0" algn="ctr" defTabSz="584200" rtl="0" fontAlgn="auto" latinLnBrk="0" hangingPunct="0">
-              <a:lnSpc>
-                <a:spcPct val="100000"/>
-              </a:lnSpc>
-              <a:spcBef>
-                <a:spcPts val="0"/>
-              </a:spcBef>
-              <a:spcAft>
-                <a:spcPts val="0"/>
-              </a:spcAft>
-              <a:buClrTx/>
-              <a:buSzTx/>
-              <a:buFontTx/>
-              <a:buNone/>
-              <a:tabLst/>
-            </a:pPr>
-            <a:endParaRPr kumimoji="0" lang="zh-CN" altLang="en-US" sz="2400" b="0" i="0" u="none" strike="noStrike" cap="none" spc="0" normalizeH="0" baseline="0">
-              <a:ln>
-                <a:noFill/>
-              </a:ln>
-              <a:solidFill>
-                <a:srgbClr val="FFFFFF"/>
-              </a:solidFill>
-              <a:effectLst>
-                <a:outerShdw blurRad="25400" dist="23998" dir="2700000" rotWithShape="0">
-                  <a:srgbClr val="000000">
-                    <a:alpha val="31034"/>
-                  </a:srgbClr>
-                </a:outerShdw>
-              </a:effectLst>
-              <a:uFillTx/>
-              <a:latin typeface="+mn-lt"/>
-              <a:ea typeface="+mn-ea"/>
-              <a:cs typeface="+mn-cs"/>
-              <a:sym typeface="Helvetica Light"/>
-            </a:endParaRPr>
-          </a:p>
-        </p:txBody>
-      </p:sp>
-      <p:sp>
-        <p:nvSpPr>
-          <p:cNvPr id="30" name="本次统计时间段为2017年7月24至7月30日"/>
-          <p:cNvSpPr txBox="1">
-            <a:spLocks/>
-          </p:cNvSpPr>
-          <p:nvPr/>
-        </p:nvSpPr>
-        <p:spPr>
-          <a:xfrm>
-            <a:off x="6597629" y="3565939"/>
-            <a:ext cx="758424" cy="491302"/>
-          </a:xfrm>
-          <a:prstGeom prst="rect">
-            <a:avLst/>
-          </a:prstGeom>
-        </p:spPr>
-        <p:txBody>
-          <a:bodyPr>
-            <a:noAutofit/>
-          </a:bodyPr>
-          <a:lstStyle>
-            <a:lvl1pPr marL="457200" marR="0" indent="-457200" algn="l" defTabSz="584200" rtl="0" latinLnBrk="0">
-              <a:lnSpc>
-                <a:spcPct val="100000"/>
-              </a:lnSpc>
-              <a:spcBef>
-                <a:spcPts val="4200"/>
-              </a:spcBef>
-              <a:spcAft>
-                <a:spcPts val="0"/>
-              </a:spcAft>
-              <a:buClrTx/>
-              <a:buSzPct val="75000"/>
-              <a:buFontTx/>
-              <a:buChar char="•"/>
-              <a:tabLst/>
-              <a:defRPr sz="3800" b="0" i="0" u="none" strike="noStrike" cap="none" spc="0" baseline="0">
-                <a:ln>
-                  <a:noFill/>
-                </a:ln>
+        </p:grpSpPr>
+        <p:graphicFrame>
+          <p:nvGraphicFramePr>
+            <p:cNvPr id="12" name="图表 11"/>
+            <p:cNvGraphicFramePr/>
+            <p:nvPr>
+              <p:extLst>
+                <p:ext uri="{D42A27DB-BD31-4B8C-83A1-F6EECF244321}">
+                  <p14:modId xmlns:p14="http://schemas.microsoft.com/office/powerpoint/2010/main" val="4022907879"/>
+                </p:ext>
+              </p:extLst>
+            </p:nvPr>
+          </p:nvGraphicFramePr>
+          <p:xfrm>
+            <a:off x="2412860" y="1258423"/>
+            <a:ext cx="8669867" cy="5779911"/>
+          </p:xfrm>
+          <a:graphic>
+            <a:graphicData uri="http://schemas.openxmlformats.org/drawingml/2006/chart">
+              <c:chart xmlns:c="http://schemas.openxmlformats.org/drawingml/2006/chart" xmlns:r="http://schemas.openxmlformats.org/officeDocument/2006/relationships" r:id="rId2"/>
+            </a:graphicData>
+          </a:graphic>
+        </p:graphicFrame>
+        <p:sp>
+          <p:nvSpPr>
+            <p:cNvPr id="20" name="本次统计时间段为2017年7月24至7月30日"/>
+            <p:cNvSpPr txBox="1">
+              <a:spLocks/>
+            </p:cNvSpPr>
+            <p:nvPr/>
+          </p:nvSpPr>
+          <p:spPr>
+            <a:xfrm>
+              <a:off x="4368799" y="4743357"/>
+              <a:ext cx="1130479" cy="491302"/>
+            </a:xfrm>
+            <a:prstGeom prst="rect">
+              <a:avLst/>
+            </a:prstGeom>
+          </p:spPr>
+          <p:txBody>
+            <a:bodyPr>
+              <a:noAutofit/>
+            </a:bodyPr>
+            <a:lstStyle>
+              <a:lvl1pPr marL="457200" marR="0" indent="-457200" algn="l" defTabSz="584200" rtl="0" latinLnBrk="0">
+                <a:lnSpc>
+                  <a:spcPct val="100000"/>
+                </a:lnSpc>
+                <a:spcBef>
+                  <a:spcPts val="4200"/>
+                </a:spcBef>
+                <a:spcAft>
+                  <a:spcPts val="0"/>
+                </a:spcAft>
+                <a:buClrTx/>
+                <a:buSzPct val="75000"/>
+                <a:buFontTx/>
+                <a:buChar char="•"/>
+                <a:tabLst/>
+                <a:defRPr sz="3800" b="0" i="0" u="none" strike="noStrike" cap="none" spc="0" baseline="0">
+                  <a:ln>
+                    <a:noFill/>
+                  </a:ln>
+                  <a:solidFill>
+                    <a:srgbClr val="D6D6D6"/>
+                  </a:solidFill>
+                  <a:uFillTx/>
+                  <a:latin typeface="Heiti SC Light"/>
+                  <a:ea typeface="Heiti SC Light"/>
+                  <a:cs typeface="Heiti SC Light"/>
+                  <a:sym typeface="Heiti SC Light"/>
+                </a:defRPr>
+              </a:lvl1pPr>
+              <a:lvl2pPr marL="914400" marR="0" indent="-457200" algn="l" defTabSz="584200" rtl="0" latinLnBrk="0">
+                <a:lnSpc>
+                  <a:spcPct val="100000"/>
+                </a:lnSpc>
+                <a:spcBef>
+                  <a:spcPts val="4200"/>
+                </a:spcBef>
+                <a:spcAft>
+                  <a:spcPts val="0"/>
+                </a:spcAft>
+                <a:buClrTx/>
+                <a:buSzPct val="75000"/>
+                <a:buFontTx/>
+                <a:buChar char="•"/>
+                <a:tabLst/>
+                <a:defRPr sz="3800" b="0" i="0" u="none" strike="noStrike" cap="none" spc="0" baseline="0">
+                  <a:ln>
+                    <a:noFill/>
+                  </a:ln>
+                  <a:solidFill>
+                    <a:srgbClr val="FFFFFF"/>
+                  </a:solidFill>
+                  <a:uFillTx/>
+                  <a:latin typeface="+mn-lt"/>
+                  <a:ea typeface="+mn-ea"/>
+                  <a:cs typeface="+mn-cs"/>
+                  <a:sym typeface="Helvetica Light"/>
+                </a:defRPr>
+              </a:lvl2pPr>
+              <a:lvl3pPr marL="1371600" marR="0" indent="-457200" algn="l" defTabSz="584200" rtl="0" latinLnBrk="0">
+                <a:lnSpc>
+                  <a:spcPct val="100000"/>
+                </a:lnSpc>
+                <a:spcBef>
+                  <a:spcPts val="4200"/>
+                </a:spcBef>
+                <a:spcAft>
+                  <a:spcPts val="0"/>
+                </a:spcAft>
+                <a:buClrTx/>
+                <a:buSzPct val="75000"/>
+                <a:buFontTx/>
+                <a:buChar char="•"/>
+                <a:tabLst/>
+                <a:defRPr sz="3800" b="0" i="0" u="none" strike="noStrike" cap="none" spc="0" baseline="0">
+                  <a:ln>
+                    <a:noFill/>
+                  </a:ln>
+                  <a:solidFill>
+                    <a:srgbClr val="FFFFFF"/>
+                  </a:solidFill>
+                  <a:uFillTx/>
+                  <a:latin typeface="+mn-lt"/>
+                  <a:ea typeface="+mn-ea"/>
+                  <a:cs typeface="+mn-cs"/>
+                  <a:sym typeface="Helvetica Light"/>
+                </a:defRPr>
+              </a:lvl3pPr>
+              <a:lvl4pPr marL="1828800" marR="0" indent="-457200" algn="l" defTabSz="584200" rtl="0" latinLnBrk="0">
+                <a:lnSpc>
+                  <a:spcPct val="100000"/>
+                </a:lnSpc>
+                <a:spcBef>
+                  <a:spcPts val="4200"/>
+                </a:spcBef>
+                <a:spcAft>
+                  <a:spcPts val="0"/>
+                </a:spcAft>
+                <a:buClrTx/>
+                <a:buSzPct val="75000"/>
+                <a:buFontTx/>
+                <a:buChar char="•"/>
+                <a:tabLst/>
+                <a:defRPr sz="3800" b="0" i="0" u="none" strike="noStrike" cap="none" spc="0" baseline="0">
+                  <a:ln>
+                    <a:noFill/>
+                  </a:ln>
+                  <a:solidFill>
+                    <a:srgbClr val="FFFFFF"/>
+                  </a:solidFill>
+                  <a:uFillTx/>
+                  <a:latin typeface="+mn-lt"/>
+                  <a:ea typeface="+mn-ea"/>
+                  <a:cs typeface="+mn-cs"/>
+                  <a:sym typeface="Helvetica Light"/>
+                </a:defRPr>
+              </a:lvl4pPr>
+              <a:lvl5pPr marL="2286000" marR="0" indent="-457200" algn="l" defTabSz="584200" rtl="0" latinLnBrk="0">
+                <a:lnSpc>
+                  <a:spcPct val="100000"/>
+                </a:lnSpc>
+                <a:spcBef>
+                  <a:spcPts val="4200"/>
+                </a:spcBef>
+                <a:spcAft>
+                  <a:spcPts val="0"/>
+                </a:spcAft>
+                <a:buClrTx/>
+                <a:buSzPct val="75000"/>
+                <a:buFontTx/>
+                <a:buChar char="•"/>
+                <a:tabLst/>
+                <a:defRPr sz="3800" b="0" i="0" u="none" strike="noStrike" cap="none" spc="0" baseline="0">
+                  <a:ln>
+                    <a:noFill/>
+                  </a:ln>
+                  <a:solidFill>
+                    <a:srgbClr val="FFFFFF"/>
+                  </a:solidFill>
+                  <a:uFillTx/>
+                  <a:latin typeface="+mn-lt"/>
+                  <a:ea typeface="+mn-ea"/>
+                  <a:cs typeface="+mn-cs"/>
+                  <a:sym typeface="Helvetica Light"/>
+                </a:defRPr>
+              </a:lvl5pPr>
+              <a:lvl6pPr marL="2743200" marR="0" indent="-457200" algn="l" defTabSz="584200" rtl="0" latinLnBrk="0">
+                <a:lnSpc>
+                  <a:spcPct val="100000"/>
+                </a:lnSpc>
+                <a:spcBef>
+                  <a:spcPts val="4200"/>
+                </a:spcBef>
+                <a:spcAft>
+                  <a:spcPts val="0"/>
+                </a:spcAft>
+                <a:buClrTx/>
+                <a:buSzPct val="75000"/>
+                <a:buFontTx/>
+                <a:buChar char="•"/>
+                <a:tabLst/>
+                <a:defRPr sz="3800" b="0" i="0" u="none" strike="noStrike" cap="none" spc="0" baseline="0">
+                  <a:ln>
+                    <a:noFill/>
+                  </a:ln>
+                  <a:solidFill>
+                    <a:srgbClr val="FFFFFF"/>
+                  </a:solidFill>
+                  <a:uFillTx/>
+                  <a:latin typeface="+mn-lt"/>
+                  <a:ea typeface="+mn-ea"/>
+                  <a:cs typeface="+mn-cs"/>
+                  <a:sym typeface="Helvetica Light"/>
+                </a:defRPr>
+              </a:lvl6pPr>
+              <a:lvl7pPr marL="3200400" marR="0" indent="-457200" algn="l" defTabSz="584200" rtl="0" latinLnBrk="0">
+                <a:lnSpc>
+                  <a:spcPct val="100000"/>
+                </a:lnSpc>
+                <a:spcBef>
+                  <a:spcPts val="4200"/>
+                </a:spcBef>
+                <a:spcAft>
+                  <a:spcPts val="0"/>
+                </a:spcAft>
+                <a:buClrTx/>
+                <a:buSzPct val="75000"/>
+                <a:buFontTx/>
+                <a:buChar char="•"/>
+                <a:tabLst/>
+                <a:defRPr sz="3800" b="0" i="0" u="none" strike="noStrike" cap="none" spc="0" baseline="0">
+                  <a:ln>
+                    <a:noFill/>
+                  </a:ln>
+                  <a:solidFill>
+                    <a:srgbClr val="FFFFFF"/>
+                  </a:solidFill>
+                  <a:uFillTx/>
+                  <a:latin typeface="+mn-lt"/>
+                  <a:ea typeface="+mn-ea"/>
+                  <a:cs typeface="+mn-cs"/>
+                  <a:sym typeface="Helvetica Light"/>
+                </a:defRPr>
+              </a:lvl7pPr>
+              <a:lvl8pPr marL="3657600" marR="0" indent="-457200" algn="l" defTabSz="584200" rtl="0" latinLnBrk="0">
+                <a:lnSpc>
+                  <a:spcPct val="100000"/>
+                </a:lnSpc>
+                <a:spcBef>
+                  <a:spcPts val="4200"/>
+                </a:spcBef>
+                <a:spcAft>
+                  <a:spcPts val="0"/>
+                </a:spcAft>
+                <a:buClrTx/>
+                <a:buSzPct val="75000"/>
+                <a:buFontTx/>
+                <a:buChar char="•"/>
+                <a:tabLst/>
+                <a:defRPr sz="3800" b="0" i="0" u="none" strike="noStrike" cap="none" spc="0" baseline="0">
+                  <a:ln>
+                    <a:noFill/>
+                  </a:ln>
+                  <a:solidFill>
+                    <a:srgbClr val="FFFFFF"/>
+                  </a:solidFill>
+                  <a:uFillTx/>
+                  <a:latin typeface="+mn-lt"/>
+                  <a:ea typeface="+mn-ea"/>
+                  <a:cs typeface="+mn-cs"/>
+                  <a:sym typeface="Helvetica Light"/>
+                </a:defRPr>
+              </a:lvl8pPr>
+              <a:lvl9pPr marL="4114800" marR="0" indent="-457200" algn="l" defTabSz="584200" rtl="0" latinLnBrk="0">
+                <a:lnSpc>
+                  <a:spcPct val="100000"/>
+                </a:lnSpc>
+                <a:spcBef>
+                  <a:spcPts val="4200"/>
+                </a:spcBef>
+                <a:spcAft>
+                  <a:spcPts val="0"/>
+                </a:spcAft>
+                <a:buClrTx/>
+                <a:buSzPct val="75000"/>
+                <a:buFontTx/>
+                <a:buChar char="•"/>
+                <a:tabLst/>
+                <a:defRPr sz="3800" b="0" i="0" u="none" strike="noStrike" cap="none" spc="0" baseline="0">
+                  <a:ln>
+                    <a:noFill/>
+                  </a:ln>
+                  <a:solidFill>
+                    <a:srgbClr val="FFFFFF"/>
+                  </a:solidFill>
+                  <a:uFillTx/>
+                  <a:latin typeface="+mn-lt"/>
+                  <a:ea typeface="+mn-ea"/>
+                  <a:cs typeface="+mn-cs"/>
+                  <a:sym typeface="Helvetica Light"/>
+                </a:defRPr>
+              </a:lvl9pPr>
+            </a:lstStyle>
+            <a:p>
+              <a:pPr marL="0" indent="0" hangingPunct="1">
+                <a:buNone/>
+              </a:pPr>
+              <a:r>
+                <a:rPr lang="en-US" altLang="zh-CN" sz="2800" dirty="0" smtClean="0">
+                  <a:solidFill>
+                    <a:schemeClr val="accent1">
+                      <a:lumMod val="50000"/>
+                    </a:schemeClr>
+                  </a:solidFill>
+                </a:rPr>
+                <a:t>52.5%</a:t>
+              </a:r>
+              <a:endParaRPr lang="zh-CN" altLang="en-US" sz="2800" dirty="0">
                 <a:solidFill>
-                  <a:srgbClr val="D6D6D6"/>
+                  <a:schemeClr val="accent1">
+                    <a:lumMod val="50000"/>
+                  </a:schemeClr>
                 </a:solidFill>
-                <a:uFillTx/>
-                <a:latin typeface="Heiti SC Light"/>
-                <a:ea typeface="Heiti SC Light"/>
-                <a:cs typeface="Heiti SC Light"/>
-                <a:sym typeface="Heiti SC Light"/>
-              </a:defRPr>
-            </a:lvl1pPr>
-            <a:lvl2pPr marL="914400" marR="0" indent="-457200" algn="l" defTabSz="584200" rtl="0" latinLnBrk="0">
-              <a:lnSpc>
-                <a:spcPct val="100000"/>
-              </a:lnSpc>
-              <a:spcBef>
-                <a:spcPts val="4200"/>
-              </a:spcBef>
-              <a:spcAft>
-                <a:spcPts val="0"/>
-              </a:spcAft>
-              <a:buClrTx/>
-              <a:buSzPct val="75000"/>
-              <a:buFontTx/>
-              <a:buChar char="•"/>
-              <a:tabLst/>
-              <a:defRPr sz="3800" b="0" i="0" u="none" strike="noStrike" cap="none" spc="0" baseline="0">
+              </a:endParaRPr>
+            </a:p>
+          </p:txBody>
+        </p:sp>
+        <p:sp>
+          <p:nvSpPr>
+            <p:cNvPr id="27" name="右箭头 26"/>
+            <p:cNvSpPr/>
+            <p:nvPr/>
+          </p:nvSpPr>
+          <p:spPr>
+            <a:xfrm rot="19883258">
+              <a:off x="4592749" y="5258857"/>
+              <a:ext cx="682580" cy="437882"/>
+            </a:xfrm>
+            <a:prstGeom prst="rightArrow">
+              <a:avLst/>
+            </a:prstGeom>
+            <a:solidFill>
+              <a:schemeClr val="tx1"/>
+            </a:solidFill>
+            <a:ln w="12700" cap="flat">
+              <a:noFill/>
+              <a:miter lim="400000"/>
+            </a:ln>
+            <a:effectLst>
+              <a:outerShdw blurRad="76200" dir="18900000" rotWithShape="0">
+                <a:srgbClr val="000000">
+                  <a:alpha val="80000"/>
+                </a:srgbClr>
+              </a:outerShdw>
+            </a:effectLst>
+            <a:sp3d/>
+          </p:spPr>
+          <p:style>
+            <a:lnRef idx="0">
+              <a:scrgbClr r="0" g="0" b="0"/>
+            </a:lnRef>
+            <a:fillRef idx="0">
+              <a:scrgbClr r="0" g="0" b="0"/>
+            </a:fillRef>
+            <a:effectRef idx="0">
+              <a:scrgbClr r="0" g="0" b="0"/>
+            </a:effectRef>
+            <a:fontRef idx="none"/>
+          </p:style>
+          <p:txBody>
+            <a:bodyPr rot="0" spcFirstLastPara="1" vertOverflow="overflow" horzOverflow="overflow" vert="horz" wrap="square" lIns="50800" tIns="50800" rIns="50800" bIns="50800" numCol="1" spcCol="38100" rtlCol="0" anchor="ctr">
+              <a:spAutoFit/>
+            </a:bodyPr>
+            <a:lstStyle/>
+            <a:p>
+              <a:pPr marL="0" marR="0" indent="0" algn="ctr" defTabSz="584200" rtl="0" fontAlgn="auto" latinLnBrk="0" hangingPunct="0">
+                <a:lnSpc>
+                  <a:spcPct val="100000"/>
+                </a:lnSpc>
+                <a:spcBef>
+                  <a:spcPts val="0"/>
+                </a:spcBef>
+                <a:spcAft>
+                  <a:spcPts val="0"/>
+                </a:spcAft>
+                <a:buClrTx/>
+                <a:buSzTx/>
+                <a:buFontTx/>
+                <a:buNone/>
+                <a:tabLst/>
+              </a:pPr>
+              <a:endParaRPr kumimoji="0" lang="zh-CN" altLang="en-US" sz="2400" b="0" i="0" u="none" strike="noStrike" cap="none" spc="0" normalizeH="0" baseline="0">
                 <a:ln>
                   <a:noFill/>
                 </a:ln>
                 <a:solidFill>
                   <a:srgbClr val="FFFFFF"/>
                 </a:solidFill>
+                <a:effectLst>
+                  <a:outerShdw blurRad="25400" dist="23998" dir="2700000" rotWithShape="0">
+                    <a:srgbClr val="000000">
+                      <a:alpha val="31034"/>
+                    </a:srgbClr>
+                  </a:outerShdw>
+                </a:effectLst>
                 <a:uFillTx/>
                 <a:latin typeface="+mn-lt"/>
                 <a:ea typeface="+mn-ea"/>
                 <a:cs typeface="+mn-cs"/>
                 <a:sym typeface="Helvetica Light"/>
-              </a:defRPr>
-            </a:lvl2pPr>
-            <a:lvl3pPr marL="1371600" marR="0" indent="-457200" algn="l" defTabSz="584200" rtl="0" latinLnBrk="0">
-              <a:lnSpc>
-                <a:spcPct val="100000"/>
-              </a:lnSpc>
-              <a:spcBef>
-                <a:spcPts val="4200"/>
-              </a:spcBef>
-              <a:spcAft>
-                <a:spcPts val="0"/>
-              </a:spcAft>
-              <a:buClrTx/>
-              <a:buSzPct val="75000"/>
-              <a:buFontTx/>
-              <a:buChar char="•"/>
-              <a:tabLst/>
-              <a:defRPr sz="3800" b="0" i="0" u="none" strike="noStrike" cap="none" spc="0" baseline="0">
+              </a:endParaRPr>
+            </a:p>
+          </p:txBody>
+        </p:sp>
+        <p:sp>
+          <p:nvSpPr>
+            <p:cNvPr id="28" name="右箭头 27"/>
+            <p:cNvSpPr/>
+            <p:nvPr/>
+          </p:nvSpPr>
+          <p:spPr>
+            <a:xfrm rot="19883258">
+              <a:off x="6660798" y="4169694"/>
+              <a:ext cx="682580" cy="437882"/>
+            </a:xfrm>
+            <a:prstGeom prst="rightArrow">
+              <a:avLst/>
+            </a:prstGeom>
+            <a:solidFill>
+              <a:schemeClr val="tx1"/>
+            </a:solidFill>
+            <a:ln w="12700" cap="flat">
+              <a:noFill/>
+              <a:miter lim="400000"/>
+            </a:ln>
+            <a:effectLst>
+              <a:outerShdw blurRad="76200" dir="18900000" rotWithShape="0">
+                <a:srgbClr val="000000">
+                  <a:alpha val="80000"/>
+                </a:srgbClr>
+              </a:outerShdw>
+            </a:effectLst>
+            <a:sp3d/>
+          </p:spPr>
+          <p:style>
+            <a:lnRef idx="0">
+              <a:scrgbClr r="0" g="0" b="0"/>
+            </a:lnRef>
+            <a:fillRef idx="0">
+              <a:scrgbClr r="0" g="0" b="0"/>
+            </a:fillRef>
+            <a:effectRef idx="0">
+              <a:scrgbClr r="0" g="0" b="0"/>
+            </a:effectRef>
+            <a:fontRef idx="none"/>
+          </p:style>
+          <p:txBody>
+            <a:bodyPr rot="0" spcFirstLastPara="1" vertOverflow="overflow" horzOverflow="overflow" vert="horz" wrap="square" lIns="50800" tIns="50800" rIns="50800" bIns="50800" numCol="1" spcCol="38100" rtlCol="0" anchor="ctr">
+              <a:spAutoFit/>
+            </a:bodyPr>
+            <a:lstStyle/>
+            <a:p>
+              <a:pPr marL="0" marR="0" indent="0" algn="ctr" defTabSz="584200" rtl="0" fontAlgn="auto" latinLnBrk="0" hangingPunct="0">
+                <a:lnSpc>
+                  <a:spcPct val="100000"/>
+                </a:lnSpc>
+                <a:spcBef>
+                  <a:spcPts val="0"/>
+                </a:spcBef>
+                <a:spcAft>
+                  <a:spcPts val="0"/>
+                </a:spcAft>
+                <a:buClrTx/>
+                <a:buSzTx/>
+                <a:buFontTx/>
+                <a:buNone/>
+                <a:tabLst/>
+              </a:pPr>
+              <a:endParaRPr kumimoji="0" lang="zh-CN" altLang="en-US" sz="2400" b="0" i="0" u="none" strike="noStrike" cap="none" spc="0" normalizeH="0" baseline="0">
                 <a:ln>
                   <a:noFill/>
                 </a:ln>
                 <a:solidFill>
                   <a:srgbClr val="FFFFFF"/>
                 </a:solidFill>
+                <a:effectLst>
+                  <a:outerShdw blurRad="25400" dist="23998" dir="2700000" rotWithShape="0">
+                    <a:srgbClr val="000000">
+                      <a:alpha val="31034"/>
+                    </a:srgbClr>
+                  </a:outerShdw>
+                </a:effectLst>
                 <a:uFillTx/>
                 <a:latin typeface="+mn-lt"/>
                 <a:ea typeface="+mn-ea"/>
                 <a:cs typeface="+mn-cs"/>
                 <a:sym typeface="Helvetica Light"/>
-              </a:defRPr>
-            </a:lvl3pPr>
-            <a:lvl4pPr marL="1828800" marR="0" indent="-457200" algn="l" defTabSz="584200" rtl="0" latinLnBrk="0">
-              <a:lnSpc>
-                <a:spcPct val="100000"/>
-              </a:lnSpc>
-              <a:spcBef>
-                <a:spcPts val="4200"/>
-              </a:spcBef>
-              <a:spcAft>
-                <a:spcPts val="0"/>
-              </a:spcAft>
-              <a:buClrTx/>
-              <a:buSzPct val="75000"/>
-              <a:buFontTx/>
-              <a:buChar char="•"/>
-              <a:tabLst/>
-              <a:defRPr sz="3800" b="0" i="0" u="none" strike="noStrike" cap="none" spc="0" baseline="0">
+              </a:endParaRPr>
+            </a:p>
+          </p:txBody>
+        </p:sp>
+        <p:sp>
+          <p:nvSpPr>
+            <p:cNvPr id="29" name="右箭头 28"/>
+            <p:cNvSpPr/>
+            <p:nvPr/>
+          </p:nvSpPr>
+          <p:spPr>
+            <a:xfrm rot="19883258">
+              <a:off x="8698247" y="3457490"/>
+              <a:ext cx="682580" cy="437882"/>
+            </a:xfrm>
+            <a:prstGeom prst="rightArrow">
+              <a:avLst/>
+            </a:prstGeom>
+            <a:solidFill>
+              <a:schemeClr val="tx1"/>
+            </a:solidFill>
+            <a:ln w="12700" cap="flat">
+              <a:noFill/>
+              <a:miter lim="400000"/>
+            </a:ln>
+            <a:effectLst>
+              <a:outerShdw blurRad="76200" dir="18900000" rotWithShape="0">
+                <a:srgbClr val="000000">
+                  <a:alpha val="80000"/>
+                </a:srgbClr>
+              </a:outerShdw>
+            </a:effectLst>
+            <a:sp3d/>
+          </p:spPr>
+          <p:style>
+            <a:lnRef idx="0">
+              <a:scrgbClr r="0" g="0" b="0"/>
+            </a:lnRef>
+            <a:fillRef idx="0">
+              <a:scrgbClr r="0" g="0" b="0"/>
+            </a:fillRef>
+            <a:effectRef idx="0">
+              <a:scrgbClr r="0" g="0" b="0"/>
+            </a:effectRef>
+            <a:fontRef idx="none"/>
+          </p:style>
+          <p:txBody>
+            <a:bodyPr rot="0" spcFirstLastPara="1" vertOverflow="overflow" horzOverflow="overflow" vert="horz" wrap="square" lIns="50800" tIns="50800" rIns="50800" bIns="50800" numCol="1" spcCol="38100" rtlCol="0" anchor="ctr">
+              <a:spAutoFit/>
+            </a:bodyPr>
+            <a:lstStyle/>
+            <a:p>
+              <a:pPr marL="0" marR="0" indent="0" algn="ctr" defTabSz="584200" rtl="0" fontAlgn="auto" latinLnBrk="0" hangingPunct="0">
+                <a:lnSpc>
+                  <a:spcPct val="100000"/>
+                </a:lnSpc>
+                <a:spcBef>
+                  <a:spcPts val="0"/>
+                </a:spcBef>
+                <a:spcAft>
+                  <a:spcPts val="0"/>
+                </a:spcAft>
+                <a:buClrTx/>
+                <a:buSzTx/>
+                <a:buFontTx/>
+                <a:buNone/>
+                <a:tabLst/>
+              </a:pPr>
+              <a:endParaRPr kumimoji="0" lang="zh-CN" altLang="en-US" sz="2400" b="0" i="0" u="none" strike="noStrike" cap="none" spc="0" normalizeH="0" baseline="0">
                 <a:ln>
                   <a:noFill/>
                 </a:ln>
                 <a:solidFill>
                   <a:srgbClr val="FFFFFF"/>
                 </a:solidFill>
+                <a:effectLst>
+                  <a:outerShdw blurRad="25400" dist="23998" dir="2700000" rotWithShape="0">
+                    <a:srgbClr val="000000">
+                      <a:alpha val="31034"/>
+                    </a:srgbClr>
+                  </a:outerShdw>
+                </a:effectLst>
                 <a:uFillTx/>
                 <a:latin typeface="+mn-lt"/>
                 <a:ea typeface="+mn-ea"/>
                 <a:cs typeface="+mn-cs"/>
                 <a:sym typeface="Helvetica Light"/>
-              </a:defRPr>
-            </a:lvl4pPr>
-            <a:lvl5pPr marL="2286000" marR="0" indent="-457200" algn="l" defTabSz="584200" rtl="0" latinLnBrk="0">
-              <a:lnSpc>
-                <a:spcPct val="100000"/>
-              </a:lnSpc>
-              <a:spcBef>
-                <a:spcPts val="4200"/>
-              </a:spcBef>
-              <a:spcAft>
-                <a:spcPts val="0"/>
-              </a:spcAft>
-              <a:buClrTx/>
-              <a:buSzPct val="75000"/>
-              <a:buFontTx/>
-              <a:buChar char="•"/>
-              <a:tabLst/>
-              <a:defRPr sz="3800" b="0" i="0" u="none" strike="noStrike" cap="none" spc="0" baseline="0">
-                <a:ln>
-                  <a:noFill/>
-                </a:ln>
-                <a:solidFill>
-                  <a:srgbClr val="FFFFFF"/>
-                </a:solidFill>
-                <a:uFillTx/>
-                <a:latin typeface="+mn-lt"/>
-                <a:ea typeface="+mn-ea"/>
-                <a:cs typeface="+mn-cs"/>
-                <a:sym typeface="Helvetica Light"/>
-              </a:defRPr>
-            </a:lvl5pPr>
-            <a:lvl6pPr marL="2743200" marR="0" indent="-457200" algn="l" defTabSz="584200" rtl="0" latinLnBrk="0">
-              <a:lnSpc>
-                <a:spcPct val="100000"/>
-              </a:lnSpc>
-              <a:spcBef>
-                <a:spcPts val="4200"/>
-              </a:spcBef>
-              <a:spcAft>
-                <a:spcPts val="0"/>
-              </a:spcAft>
-              <a:buClrTx/>
-              <a:buSzPct val="75000"/>
-              <a:buFontTx/>
-              <a:buChar char="•"/>
-              <a:tabLst/>
-              <a:defRPr sz="3800" b="0" i="0" u="none" strike="noStrike" cap="none" spc="0" baseline="0">
-                <a:ln>
-                  <a:noFill/>
-                </a:ln>
-                <a:solidFill>
-                  <a:srgbClr val="FFFFFF"/>
-                </a:solidFill>
-                <a:uFillTx/>
-                <a:latin typeface="+mn-lt"/>
-                <a:ea typeface="+mn-ea"/>
-                <a:cs typeface="+mn-cs"/>
-                <a:sym typeface="Helvetica Light"/>
-              </a:defRPr>
-            </a:lvl6pPr>
-            <a:lvl7pPr marL="3200400" marR="0" indent="-457200" algn="l" defTabSz="584200" rtl="0" latinLnBrk="0">
-              <a:lnSpc>
-                <a:spcPct val="100000"/>
-              </a:lnSpc>
-              <a:spcBef>
-                <a:spcPts val="4200"/>
-              </a:spcBef>
-              <a:spcAft>
-                <a:spcPts val="0"/>
-              </a:spcAft>
-              <a:buClrTx/>
-              <a:buSzPct val="75000"/>
-              <a:buFontTx/>
-              <a:buChar char="•"/>
-              <a:tabLst/>
-              <a:defRPr sz="3800" b="0" i="0" u="none" strike="noStrike" cap="none" spc="0" baseline="0">
-                <a:ln>
-                  <a:noFill/>
-                </a:ln>
-                <a:solidFill>
-                  <a:srgbClr val="FFFFFF"/>
-                </a:solidFill>
-                <a:uFillTx/>
-                <a:latin typeface="+mn-lt"/>
-                <a:ea typeface="+mn-ea"/>
-                <a:cs typeface="+mn-cs"/>
-                <a:sym typeface="Helvetica Light"/>
-              </a:defRPr>
-            </a:lvl7pPr>
-            <a:lvl8pPr marL="3657600" marR="0" indent="-457200" algn="l" defTabSz="584200" rtl="0" latinLnBrk="0">
-              <a:lnSpc>
-                <a:spcPct val="100000"/>
-              </a:lnSpc>
-              <a:spcBef>
-                <a:spcPts val="4200"/>
-              </a:spcBef>
-              <a:spcAft>
-                <a:spcPts val="0"/>
-              </a:spcAft>
-              <a:buClrTx/>
-              <a:buSzPct val="75000"/>
-              <a:buFontTx/>
-              <a:buChar char="•"/>
-              <a:tabLst/>
-              <a:defRPr sz="3800" b="0" i="0" u="none" strike="noStrike" cap="none" spc="0" baseline="0">
-                <a:ln>
-                  <a:noFill/>
-                </a:ln>
-                <a:solidFill>
-                  <a:srgbClr val="FFFFFF"/>
-                </a:solidFill>
-                <a:uFillTx/>
-                <a:latin typeface="+mn-lt"/>
-                <a:ea typeface="+mn-ea"/>
-                <a:cs typeface="+mn-cs"/>
-                <a:sym typeface="Helvetica Light"/>
-              </a:defRPr>
-            </a:lvl8pPr>
-            <a:lvl9pPr marL="4114800" marR="0" indent="-457200" algn="l" defTabSz="584200" rtl="0" latinLnBrk="0">
-              <a:lnSpc>
-                <a:spcPct val="100000"/>
-              </a:lnSpc>
-              <a:spcBef>
-                <a:spcPts val="4200"/>
-              </a:spcBef>
-              <a:spcAft>
-                <a:spcPts val="0"/>
-              </a:spcAft>
-              <a:buClrTx/>
-              <a:buSzPct val="75000"/>
-              <a:buFontTx/>
-              <a:buChar char="•"/>
-              <a:tabLst/>
-              <a:defRPr sz="3800" b="0" i="0" u="none" strike="noStrike" cap="none" spc="0" baseline="0">
-                <a:ln>
-                  <a:noFill/>
-                </a:ln>
-                <a:solidFill>
-                  <a:srgbClr val="FFFFFF"/>
-                </a:solidFill>
-                <a:uFillTx/>
-                <a:latin typeface="+mn-lt"/>
-                <a:ea typeface="+mn-ea"/>
-                <a:cs typeface="+mn-cs"/>
-                <a:sym typeface="Helvetica Light"/>
-              </a:defRPr>
-            </a:lvl9pPr>
-          </a:lstStyle>
-          <a:p>
-            <a:pPr marL="0" indent="0" hangingPunct="1">
-              <a:buNone/>
-            </a:pPr>
-            <a:r>
-              <a:rPr lang="en-US" altLang="zh-CN" sz="2800" dirty="0" smtClean="0">
+              </a:endParaRPr>
+            </a:p>
+          </p:txBody>
+        </p:sp>
+        <p:sp>
+          <p:nvSpPr>
+            <p:cNvPr id="30" name="本次统计时间段为2017年7月24至7月30日"/>
+            <p:cNvSpPr txBox="1">
+              <a:spLocks/>
+            </p:cNvSpPr>
+            <p:nvPr/>
+          </p:nvSpPr>
+          <p:spPr>
+            <a:xfrm>
+              <a:off x="6597629" y="3565939"/>
+              <a:ext cx="758424" cy="491302"/>
+            </a:xfrm>
+            <a:prstGeom prst="rect">
+              <a:avLst/>
+            </a:prstGeom>
+          </p:spPr>
+          <p:txBody>
+            <a:bodyPr>
+              <a:noAutofit/>
+            </a:bodyPr>
+            <a:lstStyle>
+              <a:lvl1pPr marL="457200" marR="0" indent="-457200" algn="l" defTabSz="584200" rtl="0" latinLnBrk="0">
+                <a:lnSpc>
+                  <a:spcPct val="100000"/>
+                </a:lnSpc>
+                <a:spcBef>
+                  <a:spcPts val="4200"/>
+                </a:spcBef>
+                <a:spcAft>
+                  <a:spcPts val="0"/>
+                </a:spcAft>
+                <a:buClrTx/>
+                <a:buSzPct val="75000"/>
+                <a:buFontTx/>
+                <a:buChar char="•"/>
+                <a:tabLst/>
+                <a:defRPr sz="3800" b="0" i="0" u="none" strike="noStrike" cap="none" spc="0" baseline="0">
+                  <a:ln>
+                    <a:noFill/>
+                  </a:ln>
+                  <a:solidFill>
+                    <a:srgbClr val="D6D6D6"/>
+                  </a:solidFill>
+                  <a:uFillTx/>
+                  <a:latin typeface="Heiti SC Light"/>
+                  <a:ea typeface="Heiti SC Light"/>
+                  <a:cs typeface="Heiti SC Light"/>
+                  <a:sym typeface="Heiti SC Light"/>
+                </a:defRPr>
+              </a:lvl1pPr>
+              <a:lvl2pPr marL="914400" marR="0" indent="-457200" algn="l" defTabSz="584200" rtl="0" latinLnBrk="0">
+                <a:lnSpc>
+                  <a:spcPct val="100000"/>
+                </a:lnSpc>
+                <a:spcBef>
+                  <a:spcPts val="4200"/>
+                </a:spcBef>
+                <a:spcAft>
+                  <a:spcPts val="0"/>
+                </a:spcAft>
+                <a:buClrTx/>
+                <a:buSzPct val="75000"/>
+                <a:buFontTx/>
+                <a:buChar char="•"/>
+                <a:tabLst/>
+                <a:defRPr sz="3800" b="0" i="0" u="none" strike="noStrike" cap="none" spc="0" baseline="0">
+                  <a:ln>
+                    <a:noFill/>
+                  </a:ln>
+                  <a:solidFill>
+                    <a:srgbClr val="FFFFFF"/>
+                  </a:solidFill>
+                  <a:uFillTx/>
+                  <a:latin typeface="+mn-lt"/>
+                  <a:ea typeface="+mn-ea"/>
+                  <a:cs typeface="+mn-cs"/>
+                  <a:sym typeface="Helvetica Light"/>
+                </a:defRPr>
+              </a:lvl2pPr>
+              <a:lvl3pPr marL="1371600" marR="0" indent="-457200" algn="l" defTabSz="584200" rtl="0" latinLnBrk="0">
+                <a:lnSpc>
+                  <a:spcPct val="100000"/>
+                </a:lnSpc>
+                <a:spcBef>
+                  <a:spcPts val="4200"/>
+                </a:spcBef>
+                <a:spcAft>
+                  <a:spcPts val="0"/>
+                </a:spcAft>
+                <a:buClrTx/>
+                <a:buSzPct val="75000"/>
+                <a:buFontTx/>
+                <a:buChar char="•"/>
+                <a:tabLst/>
+                <a:defRPr sz="3800" b="0" i="0" u="none" strike="noStrike" cap="none" spc="0" baseline="0">
+                  <a:ln>
+                    <a:noFill/>
+                  </a:ln>
+                  <a:solidFill>
+                    <a:srgbClr val="FFFFFF"/>
+                  </a:solidFill>
+                  <a:uFillTx/>
+                  <a:latin typeface="+mn-lt"/>
+                  <a:ea typeface="+mn-ea"/>
+                  <a:cs typeface="+mn-cs"/>
+                  <a:sym typeface="Helvetica Light"/>
+                </a:defRPr>
+              </a:lvl3pPr>
+              <a:lvl4pPr marL="1828800" marR="0" indent="-457200" algn="l" defTabSz="584200" rtl="0" latinLnBrk="0">
+                <a:lnSpc>
+                  <a:spcPct val="100000"/>
+                </a:lnSpc>
+                <a:spcBef>
+                  <a:spcPts val="4200"/>
+                </a:spcBef>
+                <a:spcAft>
+                  <a:spcPts val="0"/>
+                </a:spcAft>
+                <a:buClrTx/>
+                <a:buSzPct val="75000"/>
+                <a:buFontTx/>
+                <a:buChar char="•"/>
+                <a:tabLst/>
+                <a:defRPr sz="3800" b="0" i="0" u="none" strike="noStrike" cap="none" spc="0" baseline="0">
+                  <a:ln>
+                    <a:noFill/>
+                  </a:ln>
+                  <a:solidFill>
+                    <a:srgbClr val="FFFFFF"/>
+                  </a:solidFill>
+                  <a:uFillTx/>
+                  <a:latin typeface="+mn-lt"/>
+                  <a:ea typeface="+mn-ea"/>
+                  <a:cs typeface="+mn-cs"/>
+                  <a:sym typeface="Helvetica Light"/>
+                </a:defRPr>
+              </a:lvl4pPr>
+              <a:lvl5pPr marL="2286000" marR="0" indent="-457200" algn="l" defTabSz="584200" rtl="0" latinLnBrk="0">
+                <a:lnSpc>
+                  <a:spcPct val="100000"/>
+                </a:lnSpc>
+                <a:spcBef>
+                  <a:spcPts val="4200"/>
+                </a:spcBef>
+                <a:spcAft>
+                  <a:spcPts val="0"/>
+                </a:spcAft>
+                <a:buClrTx/>
+                <a:buSzPct val="75000"/>
+                <a:buFontTx/>
+                <a:buChar char="•"/>
+                <a:tabLst/>
+                <a:defRPr sz="3800" b="0" i="0" u="none" strike="noStrike" cap="none" spc="0" baseline="0">
+                  <a:ln>
+                    <a:noFill/>
+                  </a:ln>
+                  <a:solidFill>
+                    <a:srgbClr val="FFFFFF"/>
+                  </a:solidFill>
+                  <a:uFillTx/>
+                  <a:latin typeface="+mn-lt"/>
+                  <a:ea typeface="+mn-ea"/>
+                  <a:cs typeface="+mn-cs"/>
+                  <a:sym typeface="Helvetica Light"/>
+                </a:defRPr>
+              </a:lvl5pPr>
+              <a:lvl6pPr marL="2743200" marR="0" indent="-457200" algn="l" defTabSz="584200" rtl="0" latinLnBrk="0">
+                <a:lnSpc>
+                  <a:spcPct val="100000"/>
+                </a:lnSpc>
+                <a:spcBef>
+                  <a:spcPts val="4200"/>
+                </a:spcBef>
+                <a:spcAft>
+                  <a:spcPts val="0"/>
+                </a:spcAft>
+                <a:buClrTx/>
+                <a:buSzPct val="75000"/>
+                <a:buFontTx/>
+                <a:buChar char="•"/>
+                <a:tabLst/>
+                <a:defRPr sz="3800" b="0" i="0" u="none" strike="noStrike" cap="none" spc="0" baseline="0">
+                  <a:ln>
+                    <a:noFill/>
+                  </a:ln>
+                  <a:solidFill>
+                    <a:srgbClr val="FFFFFF"/>
+                  </a:solidFill>
+                  <a:uFillTx/>
+                  <a:latin typeface="+mn-lt"/>
+                  <a:ea typeface="+mn-ea"/>
+                  <a:cs typeface="+mn-cs"/>
+                  <a:sym typeface="Helvetica Light"/>
+                </a:defRPr>
+              </a:lvl6pPr>
+              <a:lvl7pPr marL="3200400" marR="0" indent="-457200" algn="l" defTabSz="584200" rtl="0" latinLnBrk="0">
+                <a:lnSpc>
+                  <a:spcPct val="100000"/>
+                </a:lnSpc>
+                <a:spcBef>
+                  <a:spcPts val="4200"/>
+                </a:spcBef>
+                <a:spcAft>
+                  <a:spcPts val="0"/>
+                </a:spcAft>
+                <a:buClrTx/>
+                <a:buSzPct val="75000"/>
+                <a:buFontTx/>
+                <a:buChar char="•"/>
+                <a:tabLst/>
+                <a:defRPr sz="3800" b="0" i="0" u="none" strike="noStrike" cap="none" spc="0" baseline="0">
+                  <a:ln>
+                    <a:noFill/>
+                  </a:ln>
+                  <a:solidFill>
+                    <a:srgbClr val="FFFFFF"/>
+                  </a:solidFill>
+                  <a:uFillTx/>
+                  <a:latin typeface="+mn-lt"/>
+                  <a:ea typeface="+mn-ea"/>
+                  <a:cs typeface="+mn-cs"/>
+                  <a:sym typeface="Helvetica Light"/>
+                </a:defRPr>
+              </a:lvl7pPr>
+              <a:lvl8pPr marL="3657600" marR="0" indent="-457200" algn="l" defTabSz="584200" rtl="0" latinLnBrk="0">
+                <a:lnSpc>
+                  <a:spcPct val="100000"/>
+                </a:lnSpc>
+                <a:spcBef>
+                  <a:spcPts val="4200"/>
+                </a:spcBef>
+                <a:spcAft>
+                  <a:spcPts val="0"/>
+                </a:spcAft>
+                <a:buClrTx/>
+                <a:buSzPct val="75000"/>
+                <a:buFontTx/>
+                <a:buChar char="•"/>
+                <a:tabLst/>
+                <a:defRPr sz="3800" b="0" i="0" u="none" strike="noStrike" cap="none" spc="0" baseline="0">
+                  <a:ln>
+                    <a:noFill/>
+                  </a:ln>
+                  <a:solidFill>
+                    <a:srgbClr val="FFFFFF"/>
+                  </a:solidFill>
+                  <a:uFillTx/>
+                  <a:latin typeface="+mn-lt"/>
+                  <a:ea typeface="+mn-ea"/>
+                  <a:cs typeface="+mn-cs"/>
+                  <a:sym typeface="Helvetica Light"/>
+                </a:defRPr>
+              </a:lvl8pPr>
+              <a:lvl9pPr marL="4114800" marR="0" indent="-457200" algn="l" defTabSz="584200" rtl="0" latinLnBrk="0">
+                <a:lnSpc>
+                  <a:spcPct val="100000"/>
+                </a:lnSpc>
+                <a:spcBef>
+                  <a:spcPts val="4200"/>
+                </a:spcBef>
+                <a:spcAft>
+                  <a:spcPts val="0"/>
+                </a:spcAft>
+                <a:buClrTx/>
+                <a:buSzPct val="75000"/>
+                <a:buFontTx/>
+                <a:buChar char="•"/>
+                <a:tabLst/>
+                <a:defRPr sz="3800" b="0" i="0" u="none" strike="noStrike" cap="none" spc="0" baseline="0">
+                  <a:ln>
+                    <a:noFill/>
+                  </a:ln>
+                  <a:solidFill>
+                    <a:srgbClr val="FFFFFF"/>
+                  </a:solidFill>
+                  <a:uFillTx/>
+                  <a:latin typeface="+mn-lt"/>
+                  <a:ea typeface="+mn-ea"/>
+                  <a:cs typeface="+mn-cs"/>
+                  <a:sym typeface="Helvetica Light"/>
+                </a:defRPr>
+              </a:lvl9pPr>
+            </a:lstStyle>
+            <a:p>
+              <a:pPr marL="0" indent="0" hangingPunct="1">
+                <a:buNone/>
+              </a:pPr>
+              <a:r>
+                <a:rPr lang="en-US" altLang="zh-CN" sz="2800" dirty="0" smtClean="0">
+                  <a:solidFill>
+                    <a:schemeClr val="accent1">
+                      <a:lumMod val="50000"/>
+                    </a:schemeClr>
+                  </a:solidFill>
+                </a:rPr>
+                <a:t>23%</a:t>
+              </a:r>
+              <a:endParaRPr lang="zh-CN" altLang="en-US" sz="2800" dirty="0">
                 <a:solidFill>
                   <a:schemeClr val="accent1">
                     <a:lumMod val="50000"/>
                   </a:schemeClr>
                 </a:solidFill>
-              </a:rPr>
-              <a:t>23%</a:t>
-            </a:r>
-            <a:endParaRPr lang="zh-CN" altLang="en-US" sz="2800" dirty="0">
-              <a:solidFill>
-                <a:schemeClr val="accent1">
-                  <a:lumMod val="50000"/>
-                </a:schemeClr>
-              </a:solidFill>
-            </a:endParaRPr>
-          </a:p>
-        </p:txBody>
-      </p:sp>
-      <p:sp>
-        <p:nvSpPr>
-          <p:cNvPr id="31" name="本次统计时间段为2017年7月24至7月30日"/>
-          <p:cNvSpPr txBox="1">
-            <a:spLocks/>
-          </p:cNvSpPr>
-          <p:nvPr/>
-        </p:nvSpPr>
-        <p:spPr>
-          <a:xfrm>
-            <a:off x="8635078" y="2780373"/>
-            <a:ext cx="758424" cy="491302"/>
-          </a:xfrm>
-          <a:prstGeom prst="rect">
-            <a:avLst/>
-          </a:prstGeom>
-        </p:spPr>
-        <p:txBody>
-          <a:bodyPr>
-            <a:noAutofit/>
-          </a:bodyPr>
-          <a:lstStyle>
-            <a:lvl1pPr marL="457200" marR="0" indent="-457200" algn="l" defTabSz="584200" rtl="0" latinLnBrk="0">
-              <a:lnSpc>
-                <a:spcPct val="100000"/>
-              </a:lnSpc>
-              <a:spcBef>
-                <a:spcPts val="4200"/>
-              </a:spcBef>
-              <a:spcAft>
-                <a:spcPts val="0"/>
-              </a:spcAft>
-              <a:buClrTx/>
-              <a:buSzPct val="75000"/>
-              <a:buFontTx/>
-              <a:buChar char="•"/>
-              <a:tabLst/>
-              <a:defRPr sz="3800" b="0" i="0" u="none" strike="noStrike" cap="none" spc="0" baseline="0">
-                <a:ln>
-                  <a:noFill/>
-                </a:ln>
-                <a:solidFill>
-                  <a:srgbClr val="D6D6D6"/>
-                </a:solidFill>
-                <a:uFillTx/>
-                <a:latin typeface="Heiti SC Light"/>
-                <a:ea typeface="Heiti SC Light"/>
-                <a:cs typeface="Heiti SC Light"/>
-                <a:sym typeface="Heiti SC Light"/>
-              </a:defRPr>
-            </a:lvl1pPr>
-            <a:lvl2pPr marL="914400" marR="0" indent="-457200" algn="l" defTabSz="584200" rtl="0" latinLnBrk="0">
-              <a:lnSpc>
-                <a:spcPct val="100000"/>
-              </a:lnSpc>
-              <a:spcBef>
-                <a:spcPts val="4200"/>
-              </a:spcBef>
-              <a:spcAft>
-                <a:spcPts val="0"/>
-              </a:spcAft>
-              <a:buClrTx/>
-              <a:buSzPct val="75000"/>
-              <a:buFontTx/>
-              <a:buChar char="•"/>
-              <a:tabLst/>
-              <a:defRPr sz="3800" b="0" i="0" u="none" strike="noStrike" cap="none" spc="0" baseline="0">
-                <a:ln>
-                  <a:noFill/>
-                </a:ln>
-                <a:solidFill>
-                  <a:srgbClr val="FFFFFF"/>
-                </a:solidFill>
-                <a:uFillTx/>
-                <a:latin typeface="+mn-lt"/>
-                <a:ea typeface="+mn-ea"/>
-                <a:cs typeface="+mn-cs"/>
-                <a:sym typeface="Helvetica Light"/>
-              </a:defRPr>
-            </a:lvl2pPr>
-            <a:lvl3pPr marL="1371600" marR="0" indent="-457200" algn="l" defTabSz="584200" rtl="0" latinLnBrk="0">
-              <a:lnSpc>
-                <a:spcPct val="100000"/>
-              </a:lnSpc>
-              <a:spcBef>
-                <a:spcPts val="4200"/>
-              </a:spcBef>
-              <a:spcAft>
-                <a:spcPts val="0"/>
-              </a:spcAft>
-              <a:buClrTx/>
-              <a:buSzPct val="75000"/>
-              <a:buFontTx/>
-              <a:buChar char="•"/>
-              <a:tabLst/>
-              <a:defRPr sz="3800" b="0" i="0" u="none" strike="noStrike" cap="none" spc="0" baseline="0">
-                <a:ln>
-                  <a:noFill/>
-                </a:ln>
-                <a:solidFill>
-                  <a:srgbClr val="FFFFFF"/>
-                </a:solidFill>
-                <a:uFillTx/>
-                <a:latin typeface="+mn-lt"/>
-                <a:ea typeface="+mn-ea"/>
-                <a:cs typeface="+mn-cs"/>
-                <a:sym typeface="Helvetica Light"/>
-              </a:defRPr>
-            </a:lvl3pPr>
-            <a:lvl4pPr marL="1828800" marR="0" indent="-457200" algn="l" defTabSz="584200" rtl="0" latinLnBrk="0">
-              <a:lnSpc>
-                <a:spcPct val="100000"/>
-              </a:lnSpc>
-              <a:spcBef>
-                <a:spcPts val="4200"/>
-              </a:spcBef>
-              <a:spcAft>
-                <a:spcPts val="0"/>
-              </a:spcAft>
-              <a:buClrTx/>
-              <a:buSzPct val="75000"/>
-              <a:buFontTx/>
-              <a:buChar char="•"/>
-              <a:tabLst/>
-              <a:defRPr sz="3800" b="0" i="0" u="none" strike="noStrike" cap="none" spc="0" baseline="0">
-                <a:ln>
-                  <a:noFill/>
-                </a:ln>
-                <a:solidFill>
-                  <a:srgbClr val="FFFFFF"/>
-                </a:solidFill>
-                <a:uFillTx/>
-                <a:latin typeface="+mn-lt"/>
-                <a:ea typeface="+mn-ea"/>
-                <a:cs typeface="+mn-cs"/>
-                <a:sym typeface="Helvetica Light"/>
-              </a:defRPr>
-            </a:lvl4pPr>
-            <a:lvl5pPr marL="2286000" marR="0" indent="-457200" algn="l" defTabSz="584200" rtl="0" latinLnBrk="0">
-              <a:lnSpc>
-                <a:spcPct val="100000"/>
-              </a:lnSpc>
-              <a:spcBef>
-                <a:spcPts val="4200"/>
-              </a:spcBef>
-              <a:spcAft>
-                <a:spcPts val="0"/>
-              </a:spcAft>
-              <a:buClrTx/>
-              <a:buSzPct val="75000"/>
-              <a:buFontTx/>
-              <a:buChar char="•"/>
-              <a:tabLst/>
-              <a:defRPr sz="3800" b="0" i="0" u="none" strike="noStrike" cap="none" spc="0" baseline="0">
-                <a:ln>
-                  <a:noFill/>
-                </a:ln>
-                <a:solidFill>
-                  <a:srgbClr val="FFFFFF"/>
-                </a:solidFill>
-                <a:uFillTx/>
-                <a:latin typeface="+mn-lt"/>
-                <a:ea typeface="+mn-ea"/>
-                <a:cs typeface="+mn-cs"/>
-                <a:sym typeface="Helvetica Light"/>
-              </a:defRPr>
-            </a:lvl5pPr>
-            <a:lvl6pPr marL="2743200" marR="0" indent="-457200" algn="l" defTabSz="584200" rtl="0" latinLnBrk="0">
-              <a:lnSpc>
-                <a:spcPct val="100000"/>
-              </a:lnSpc>
-              <a:spcBef>
-                <a:spcPts val="4200"/>
-              </a:spcBef>
-              <a:spcAft>
-                <a:spcPts val="0"/>
-              </a:spcAft>
-              <a:buClrTx/>
-              <a:buSzPct val="75000"/>
-              <a:buFontTx/>
-              <a:buChar char="•"/>
-              <a:tabLst/>
-              <a:defRPr sz="3800" b="0" i="0" u="none" strike="noStrike" cap="none" spc="0" baseline="0">
-                <a:ln>
-                  <a:noFill/>
-                </a:ln>
-                <a:solidFill>
-                  <a:srgbClr val="FFFFFF"/>
-                </a:solidFill>
-                <a:uFillTx/>
-                <a:latin typeface="+mn-lt"/>
-                <a:ea typeface="+mn-ea"/>
-                <a:cs typeface="+mn-cs"/>
-                <a:sym typeface="Helvetica Light"/>
-              </a:defRPr>
-            </a:lvl6pPr>
-            <a:lvl7pPr marL="3200400" marR="0" indent="-457200" algn="l" defTabSz="584200" rtl="0" latinLnBrk="0">
-              <a:lnSpc>
-                <a:spcPct val="100000"/>
-              </a:lnSpc>
-              <a:spcBef>
-                <a:spcPts val="4200"/>
-              </a:spcBef>
-              <a:spcAft>
-                <a:spcPts val="0"/>
-              </a:spcAft>
-              <a:buClrTx/>
-              <a:buSzPct val="75000"/>
-              <a:buFontTx/>
-              <a:buChar char="•"/>
-              <a:tabLst/>
-              <a:defRPr sz="3800" b="0" i="0" u="none" strike="noStrike" cap="none" spc="0" baseline="0">
-                <a:ln>
-                  <a:noFill/>
-                </a:ln>
-                <a:solidFill>
-                  <a:srgbClr val="FFFFFF"/>
-                </a:solidFill>
-                <a:uFillTx/>
-                <a:latin typeface="+mn-lt"/>
-                <a:ea typeface="+mn-ea"/>
-                <a:cs typeface="+mn-cs"/>
-                <a:sym typeface="Helvetica Light"/>
-              </a:defRPr>
-            </a:lvl7pPr>
-            <a:lvl8pPr marL="3657600" marR="0" indent="-457200" algn="l" defTabSz="584200" rtl="0" latinLnBrk="0">
-              <a:lnSpc>
-                <a:spcPct val="100000"/>
-              </a:lnSpc>
-              <a:spcBef>
-                <a:spcPts val="4200"/>
-              </a:spcBef>
-              <a:spcAft>
-                <a:spcPts val="0"/>
-              </a:spcAft>
-              <a:buClrTx/>
-              <a:buSzPct val="75000"/>
-              <a:buFontTx/>
-              <a:buChar char="•"/>
-              <a:tabLst/>
-              <a:defRPr sz="3800" b="0" i="0" u="none" strike="noStrike" cap="none" spc="0" baseline="0">
-                <a:ln>
-                  <a:noFill/>
-                </a:ln>
-                <a:solidFill>
-                  <a:srgbClr val="FFFFFF"/>
-                </a:solidFill>
-                <a:uFillTx/>
-                <a:latin typeface="+mn-lt"/>
-                <a:ea typeface="+mn-ea"/>
-                <a:cs typeface="+mn-cs"/>
-                <a:sym typeface="Helvetica Light"/>
-              </a:defRPr>
-            </a:lvl8pPr>
-            <a:lvl9pPr marL="4114800" marR="0" indent="-457200" algn="l" defTabSz="584200" rtl="0" latinLnBrk="0">
-              <a:lnSpc>
-                <a:spcPct val="100000"/>
-              </a:lnSpc>
-              <a:spcBef>
-                <a:spcPts val="4200"/>
-              </a:spcBef>
-              <a:spcAft>
-                <a:spcPts val="0"/>
-              </a:spcAft>
-              <a:buClrTx/>
-              <a:buSzPct val="75000"/>
-              <a:buFontTx/>
-              <a:buChar char="•"/>
-              <a:tabLst/>
-              <a:defRPr sz="3800" b="0" i="0" u="none" strike="noStrike" cap="none" spc="0" baseline="0">
-                <a:ln>
-                  <a:noFill/>
-                </a:ln>
-                <a:solidFill>
-                  <a:srgbClr val="FFFFFF"/>
-                </a:solidFill>
-                <a:uFillTx/>
-                <a:latin typeface="+mn-lt"/>
-                <a:ea typeface="+mn-ea"/>
-                <a:cs typeface="+mn-cs"/>
-                <a:sym typeface="Helvetica Light"/>
-              </a:defRPr>
-            </a:lvl9pPr>
-          </a:lstStyle>
-          <a:p>
-            <a:pPr marL="0" indent="0" hangingPunct="1">
-              <a:buNone/>
-            </a:pPr>
-            <a:r>
-              <a:rPr lang="en-US" altLang="zh-CN" sz="2800" dirty="0">
+              </a:endParaRPr>
+            </a:p>
+          </p:txBody>
+        </p:sp>
+        <p:sp>
+          <p:nvSpPr>
+            <p:cNvPr id="31" name="本次统计时间段为2017年7月24至7月30日"/>
+            <p:cNvSpPr txBox="1">
+              <a:spLocks/>
+            </p:cNvSpPr>
+            <p:nvPr/>
+          </p:nvSpPr>
+          <p:spPr>
+            <a:xfrm>
+              <a:off x="8635078" y="2780373"/>
+              <a:ext cx="758424" cy="491302"/>
+            </a:xfrm>
+            <a:prstGeom prst="rect">
+              <a:avLst/>
+            </a:prstGeom>
+          </p:spPr>
+          <p:txBody>
+            <a:bodyPr>
+              <a:noAutofit/>
+            </a:bodyPr>
+            <a:lstStyle>
+              <a:lvl1pPr marL="457200" marR="0" indent="-457200" algn="l" defTabSz="584200" rtl="0" latinLnBrk="0">
+                <a:lnSpc>
+                  <a:spcPct val="100000"/>
+                </a:lnSpc>
+                <a:spcBef>
+                  <a:spcPts val="4200"/>
+                </a:spcBef>
+                <a:spcAft>
+                  <a:spcPts val="0"/>
+                </a:spcAft>
+                <a:buClrTx/>
+                <a:buSzPct val="75000"/>
+                <a:buFontTx/>
+                <a:buChar char="•"/>
+                <a:tabLst/>
+                <a:defRPr sz="3800" b="0" i="0" u="none" strike="noStrike" cap="none" spc="0" baseline="0">
+                  <a:ln>
+                    <a:noFill/>
+                  </a:ln>
+                  <a:solidFill>
+                    <a:srgbClr val="D6D6D6"/>
+                  </a:solidFill>
+                  <a:uFillTx/>
+                  <a:latin typeface="Heiti SC Light"/>
+                  <a:ea typeface="Heiti SC Light"/>
+                  <a:cs typeface="Heiti SC Light"/>
+                  <a:sym typeface="Heiti SC Light"/>
+                </a:defRPr>
+              </a:lvl1pPr>
+              <a:lvl2pPr marL="914400" marR="0" indent="-457200" algn="l" defTabSz="584200" rtl="0" latinLnBrk="0">
+                <a:lnSpc>
+                  <a:spcPct val="100000"/>
+                </a:lnSpc>
+                <a:spcBef>
+                  <a:spcPts val="4200"/>
+                </a:spcBef>
+                <a:spcAft>
+                  <a:spcPts val="0"/>
+                </a:spcAft>
+                <a:buClrTx/>
+                <a:buSzPct val="75000"/>
+                <a:buFontTx/>
+                <a:buChar char="•"/>
+                <a:tabLst/>
+                <a:defRPr sz="3800" b="0" i="0" u="none" strike="noStrike" cap="none" spc="0" baseline="0">
+                  <a:ln>
+                    <a:noFill/>
+                  </a:ln>
+                  <a:solidFill>
+                    <a:srgbClr val="FFFFFF"/>
+                  </a:solidFill>
+                  <a:uFillTx/>
+                  <a:latin typeface="+mn-lt"/>
+                  <a:ea typeface="+mn-ea"/>
+                  <a:cs typeface="+mn-cs"/>
+                  <a:sym typeface="Helvetica Light"/>
+                </a:defRPr>
+              </a:lvl2pPr>
+              <a:lvl3pPr marL="1371600" marR="0" indent="-457200" algn="l" defTabSz="584200" rtl="0" latinLnBrk="0">
+                <a:lnSpc>
+                  <a:spcPct val="100000"/>
+                </a:lnSpc>
+                <a:spcBef>
+                  <a:spcPts val="4200"/>
+                </a:spcBef>
+                <a:spcAft>
+                  <a:spcPts val="0"/>
+                </a:spcAft>
+                <a:buClrTx/>
+                <a:buSzPct val="75000"/>
+                <a:buFontTx/>
+                <a:buChar char="•"/>
+                <a:tabLst/>
+                <a:defRPr sz="3800" b="0" i="0" u="none" strike="noStrike" cap="none" spc="0" baseline="0">
+                  <a:ln>
+                    <a:noFill/>
+                  </a:ln>
+                  <a:solidFill>
+                    <a:srgbClr val="FFFFFF"/>
+                  </a:solidFill>
+                  <a:uFillTx/>
+                  <a:latin typeface="+mn-lt"/>
+                  <a:ea typeface="+mn-ea"/>
+                  <a:cs typeface="+mn-cs"/>
+                  <a:sym typeface="Helvetica Light"/>
+                </a:defRPr>
+              </a:lvl3pPr>
+              <a:lvl4pPr marL="1828800" marR="0" indent="-457200" algn="l" defTabSz="584200" rtl="0" latinLnBrk="0">
+                <a:lnSpc>
+                  <a:spcPct val="100000"/>
+                </a:lnSpc>
+                <a:spcBef>
+                  <a:spcPts val="4200"/>
+                </a:spcBef>
+                <a:spcAft>
+                  <a:spcPts val="0"/>
+                </a:spcAft>
+                <a:buClrTx/>
+                <a:buSzPct val="75000"/>
+                <a:buFontTx/>
+                <a:buChar char="•"/>
+                <a:tabLst/>
+                <a:defRPr sz="3800" b="0" i="0" u="none" strike="noStrike" cap="none" spc="0" baseline="0">
+                  <a:ln>
+                    <a:noFill/>
+                  </a:ln>
+                  <a:solidFill>
+                    <a:srgbClr val="FFFFFF"/>
+                  </a:solidFill>
+                  <a:uFillTx/>
+                  <a:latin typeface="+mn-lt"/>
+                  <a:ea typeface="+mn-ea"/>
+                  <a:cs typeface="+mn-cs"/>
+                  <a:sym typeface="Helvetica Light"/>
+                </a:defRPr>
+              </a:lvl4pPr>
+              <a:lvl5pPr marL="2286000" marR="0" indent="-457200" algn="l" defTabSz="584200" rtl="0" latinLnBrk="0">
+                <a:lnSpc>
+                  <a:spcPct val="100000"/>
+                </a:lnSpc>
+                <a:spcBef>
+                  <a:spcPts val="4200"/>
+                </a:spcBef>
+                <a:spcAft>
+                  <a:spcPts val="0"/>
+                </a:spcAft>
+                <a:buClrTx/>
+                <a:buSzPct val="75000"/>
+                <a:buFontTx/>
+                <a:buChar char="•"/>
+                <a:tabLst/>
+                <a:defRPr sz="3800" b="0" i="0" u="none" strike="noStrike" cap="none" spc="0" baseline="0">
+                  <a:ln>
+                    <a:noFill/>
+                  </a:ln>
+                  <a:solidFill>
+                    <a:srgbClr val="FFFFFF"/>
+                  </a:solidFill>
+                  <a:uFillTx/>
+                  <a:latin typeface="+mn-lt"/>
+                  <a:ea typeface="+mn-ea"/>
+                  <a:cs typeface="+mn-cs"/>
+                  <a:sym typeface="Helvetica Light"/>
+                </a:defRPr>
+              </a:lvl5pPr>
+              <a:lvl6pPr marL="2743200" marR="0" indent="-457200" algn="l" defTabSz="584200" rtl="0" latinLnBrk="0">
+                <a:lnSpc>
+                  <a:spcPct val="100000"/>
+                </a:lnSpc>
+                <a:spcBef>
+                  <a:spcPts val="4200"/>
+                </a:spcBef>
+                <a:spcAft>
+                  <a:spcPts val="0"/>
+                </a:spcAft>
+                <a:buClrTx/>
+                <a:buSzPct val="75000"/>
+                <a:buFontTx/>
+                <a:buChar char="•"/>
+                <a:tabLst/>
+                <a:defRPr sz="3800" b="0" i="0" u="none" strike="noStrike" cap="none" spc="0" baseline="0">
+                  <a:ln>
+                    <a:noFill/>
+                  </a:ln>
+                  <a:solidFill>
+                    <a:srgbClr val="FFFFFF"/>
+                  </a:solidFill>
+                  <a:uFillTx/>
+                  <a:latin typeface="+mn-lt"/>
+                  <a:ea typeface="+mn-ea"/>
+                  <a:cs typeface="+mn-cs"/>
+                  <a:sym typeface="Helvetica Light"/>
+                </a:defRPr>
+              </a:lvl6pPr>
+              <a:lvl7pPr marL="3200400" marR="0" indent="-457200" algn="l" defTabSz="584200" rtl="0" latinLnBrk="0">
+                <a:lnSpc>
+                  <a:spcPct val="100000"/>
+                </a:lnSpc>
+                <a:spcBef>
+                  <a:spcPts val="4200"/>
+                </a:spcBef>
+                <a:spcAft>
+                  <a:spcPts val="0"/>
+                </a:spcAft>
+                <a:buClrTx/>
+                <a:buSzPct val="75000"/>
+                <a:buFontTx/>
+                <a:buChar char="•"/>
+                <a:tabLst/>
+                <a:defRPr sz="3800" b="0" i="0" u="none" strike="noStrike" cap="none" spc="0" baseline="0">
+                  <a:ln>
+                    <a:noFill/>
+                  </a:ln>
+                  <a:solidFill>
+                    <a:srgbClr val="FFFFFF"/>
+                  </a:solidFill>
+                  <a:uFillTx/>
+                  <a:latin typeface="+mn-lt"/>
+                  <a:ea typeface="+mn-ea"/>
+                  <a:cs typeface="+mn-cs"/>
+                  <a:sym typeface="Helvetica Light"/>
+                </a:defRPr>
+              </a:lvl7pPr>
+              <a:lvl8pPr marL="3657600" marR="0" indent="-457200" algn="l" defTabSz="584200" rtl="0" latinLnBrk="0">
+                <a:lnSpc>
+                  <a:spcPct val="100000"/>
+                </a:lnSpc>
+                <a:spcBef>
+                  <a:spcPts val="4200"/>
+                </a:spcBef>
+                <a:spcAft>
+                  <a:spcPts val="0"/>
+                </a:spcAft>
+                <a:buClrTx/>
+                <a:buSzPct val="75000"/>
+                <a:buFontTx/>
+                <a:buChar char="•"/>
+                <a:tabLst/>
+                <a:defRPr sz="3800" b="0" i="0" u="none" strike="noStrike" cap="none" spc="0" baseline="0">
+                  <a:ln>
+                    <a:noFill/>
+                  </a:ln>
+                  <a:solidFill>
+                    <a:srgbClr val="FFFFFF"/>
+                  </a:solidFill>
+                  <a:uFillTx/>
+                  <a:latin typeface="+mn-lt"/>
+                  <a:ea typeface="+mn-ea"/>
+                  <a:cs typeface="+mn-cs"/>
+                  <a:sym typeface="Helvetica Light"/>
+                </a:defRPr>
+              </a:lvl8pPr>
+              <a:lvl9pPr marL="4114800" marR="0" indent="-457200" algn="l" defTabSz="584200" rtl="0" latinLnBrk="0">
+                <a:lnSpc>
+                  <a:spcPct val="100000"/>
+                </a:lnSpc>
+                <a:spcBef>
+                  <a:spcPts val="4200"/>
+                </a:spcBef>
+                <a:spcAft>
+                  <a:spcPts val="0"/>
+                </a:spcAft>
+                <a:buClrTx/>
+                <a:buSzPct val="75000"/>
+                <a:buFontTx/>
+                <a:buChar char="•"/>
+                <a:tabLst/>
+                <a:defRPr sz="3800" b="0" i="0" u="none" strike="noStrike" cap="none" spc="0" baseline="0">
+                  <a:ln>
+                    <a:noFill/>
+                  </a:ln>
+                  <a:solidFill>
+                    <a:srgbClr val="FFFFFF"/>
+                  </a:solidFill>
+                  <a:uFillTx/>
+                  <a:latin typeface="+mn-lt"/>
+                  <a:ea typeface="+mn-ea"/>
+                  <a:cs typeface="+mn-cs"/>
+                  <a:sym typeface="Helvetica Light"/>
+                </a:defRPr>
+              </a:lvl9pPr>
+            </a:lstStyle>
+            <a:p>
+              <a:pPr marL="0" indent="0" hangingPunct="1">
+                <a:buNone/>
+              </a:pPr>
+              <a:r>
+                <a:rPr lang="en-US" altLang="zh-CN" sz="2800" dirty="0">
+                  <a:solidFill>
+                    <a:schemeClr val="accent1">
+                      <a:lumMod val="50000"/>
+                    </a:schemeClr>
+                  </a:solidFill>
+                </a:rPr>
+                <a:t>4</a:t>
+              </a:r>
+              <a:r>
+                <a:rPr lang="en-US" altLang="zh-CN" sz="2800" dirty="0" smtClean="0">
+                  <a:solidFill>
+                    <a:schemeClr val="accent1">
+                      <a:lumMod val="50000"/>
+                    </a:schemeClr>
+                  </a:solidFill>
+                </a:rPr>
+                <a:t>%</a:t>
+              </a:r>
+              <a:endParaRPr lang="zh-CN" altLang="en-US" sz="2800" dirty="0">
                 <a:solidFill>
                   <a:schemeClr val="accent1">
                     <a:lumMod val="50000"/>
                   </a:schemeClr>
                 </a:solidFill>
-              </a:rPr>
-              <a:t>4</a:t>
-            </a:r>
-            <a:r>
-              <a:rPr lang="en-US" altLang="zh-CN" sz="2800" dirty="0" smtClean="0">
-                <a:solidFill>
-                  <a:schemeClr val="accent1">
-                    <a:lumMod val="50000"/>
-                  </a:schemeClr>
-                </a:solidFill>
-              </a:rPr>
-              <a:t>%</a:t>
-            </a:r>
-            <a:endParaRPr lang="zh-CN" altLang="en-US" sz="2800" dirty="0">
-              <a:solidFill>
-                <a:schemeClr val="accent1">
-                  <a:lumMod val="50000"/>
-                </a:schemeClr>
-              </a:solidFill>
-            </a:endParaRPr>
-          </a:p>
-        </p:txBody>
-      </p:sp>
+              </a:endParaRPr>
+            </a:p>
+          </p:txBody>
+        </p:sp>
+      </p:grpSp>
+      <p:graphicFrame>
+        <p:nvGraphicFramePr>
+          <p:cNvPr id="13" name="图表 12"/>
+          <p:cNvGraphicFramePr/>
+          <p:nvPr>
+            <p:extLst>
+              <p:ext uri="{D42A27DB-BD31-4B8C-83A1-F6EECF244321}">
+                <p14:modId xmlns:p14="http://schemas.microsoft.com/office/powerpoint/2010/main" val="2815173414"/>
+              </p:ext>
+            </p:extLst>
+          </p:nvPr>
+        </p:nvGraphicFramePr>
+        <p:xfrm>
+          <a:off x="857876" y="5364062"/>
+          <a:ext cx="11261917" cy="3300855"/>
+        </p:xfrm>
+        <a:graphic>
+          <a:graphicData uri="http://schemas.openxmlformats.org/drawingml/2006/chart">
+            <c:chart xmlns:c="http://schemas.openxmlformats.org/drawingml/2006/chart" xmlns:r="http://schemas.openxmlformats.org/officeDocument/2006/relationships" r:id="rId3"/>
+          </a:graphicData>
+        </a:graphic>
+      </p:graphicFrame>
     </p:spTree>
   </p:cSld>
   <p:clrMapOvr>
@@ -9360,14 +11604,14 @@
           <p:nvPr>
             <p:extLst>
               <p:ext uri="{D42A27DB-BD31-4B8C-83A1-F6EECF244321}">
-                <p14:modId xmlns:p14="http://schemas.microsoft.com/office/powerpoint/2010/main" val="1223870552"/>
+                <p14:modId xmlns:p14="http://schemas.microsoft.com/office/powerpoint/2010/main" val="1082285300"/>
               </p:ext>
             </p:extLst>
           </p:nvPr>
         </p:nvGraphicFramePr>
         <p:xfrm>
-          <a:off x="2457191" y="2244421"/>
-          <a:ext cx="8669867" cy="5779911"/>
+          <a:off x="177631" y="1815921"/>
+          <a:ext cx="5695135" cy="6014434"/>
         </p:xfrm>
         <a:graphic>
           <a:graphicData uri="http://schemas.openxmlformats.org/drawingml/2006/chart">
@@ -9396,7 +11640,7 @@
           </a:ln>
           <a:extLst>
             <a:ext uri="{C572A759-6A51-4108-AA02-DFA0A04FC94B}">
-              <ma14:wrappingTextBoxFlag xmlns="" xmlns:ma14="http://schemas.microsoft.com/office/mac/drawingml/2011/main" val="1"/>
+              <ma14:wrappingTextBoxFlag xmlns:ma14="http://schemas.microsoft.com/office/mac/drawingml/2011/main" xmlns="" val="1"/>
             </a:ext>
           </a:extLst>
         </p:spPr>
@@ -9670,16 +11914,80 @@
           <a:p>
             <a:pPr hangingPunct="1"/>
             <a:r>
-              <a:rPr lang="zh-CN" altLang="en-US" dirty="0" smtClean="0"/>
-              <a:t>每周</a:t>
+              <a:rPr lang="en-US" altLang="zh-CN" dirty="0" smtClean="0"/>
+              <a:t>2</a:t>
             </a:r>
             <a:r>
-              <a:rPr lang="en-US" altLang="zh-CN" dirty="0" err="1" smtClean="0"/>
+              <a:rPr lang="zh-CN" altLang="en-US" dirty="0" smtClean="0"/>
+              <a:t>、每周活跃用户和启动次数</a:t>
+            </a:r>
+            <a:endParaRPr lang="zh-CN" altLang="en-US" dirty="0"/>
+          </a:p>
+        </p:txBody>
+      </p:sp>
+      <p:sp>
+        <p:nvSpPr>
+          <p:cNvPr id="7" name="文本框 6"/>
+          <p:cNvSpPr txBox="1"/>
+          <p:nvPr/>
+        </p:nvSpPr>
+        <p:spPr>
+          <a:xfrm>
+            <a:off x="1090661" y="8304480"/>
+            <a:ext cx="10823477" cy="687368"/>
+          </a:xfrm>
+          <a:prstGeom prst="rect">
+            <a:avLst/>
+          </a:prstGeom>
+          <a:noFill/>
+          <a:ln w="12700" cap="flat">
+            <a:noFill/>
+            <a:miter lim="400000"/>
+          </a:ln>
+          <a:effectLst/>
+          <a:sp3d/>
+        </p:spPr>
+        <p:style>
+          <a:lnRef idx="0">
+            <a:scrgbClr r="0" g="0" b="0"/>
+          </a:lnRef>
+          <a:fillRef idx="0">
+            <a:scrgbClr r="0" g="0" b="0"/>
+          </a:fillRef>
+          <a:effectRef idx="0">
+            <a:scrgbClr r="0" g="0" b="0"/>
+          </a:effectRef>
+          <a:fontRef idx="none"/>
+        </p:style>
+        <p:txBody>
+          <a:bodyPr rot="0" spcFirstLastPara="1" vertOverflow="overflow" horzOverflow="overflow" vert="horz" wrap="none" lIns="50800" tIns="50800" rIns="50800" bIns="50800" numCol="1" spcCol="38100" rtlCol="0" anchor="ctr">
+            <a:spAutoFit/>
+          </a:bodyPr>
+          <a:lstStyle/>
+          <a:p>
+            <a:pPr marL="0" marR="0" indent="0" algn="ctr" defTabSz="584200" rtl="0" fontAlgn="auto" latinLnBrk="0" hangingPunct="0">
+              <a:lnSpc>
+                <a:spcPct val="100000"/>
+              </a:lnSpc>
+              <a:spcBef>
+                <a:spcPts val="0"/>
+              </a:spcBef>
+              <a:spcAft>
+                <a:spcPts val="0"/>
+              </a:spcAft>
+              <a:buClrTx/>
+              <a:buSzTx/>
+              <a:buFontTx/>
+              <a:buNone/>
+              <a:tabLst/>
+            </a:pPr>
+            <a:r>
+              <a:rPr lang="en-US" altLang="zh-CN" dirty="0" smtClean="0"/>
               <a:t>iOS</a:t>
             </a:r>
             <a:r>
               <a:rPr lang="zh-CN" altLang="en-US" dirty="0" smtClean="0"/>
-              <a:t>和</a:t>
+              <a:t>端活跃用户数和启动次数都要高于</a:t>
             </a:r>
             <a:r>
               <a:rPr lang="en-US" altLang="zh-CN" dirty="0" smtClean="0"/>
@@ -9687,16 +11995,38 @@
             </a:r>
             <a:r>
               <a:rPr lang="zh-CN" altLang="en-US" dirty="0" smtClean="0"/>
-              <a:t>端新增用户对比</a:t>
+              <a:t>用户</a:t>
             </a:r>
-            <a:endParaRPr lang="zh-CN" altLang="en-US" dirty="0"/>
+            <a:endParaRPr lang="en-US" altLang="zh-CN" dirty="0" smtClean="0"/>
           </a:p>
         </p:txBody>
       </p:sp>
+      <p:graphicFrame>
+        <p:nvGraphicFramePr>
+          <p:cNvPr id="8" name="图表 7"/>
+          <p:cNvGraphicFramePr/>
+          <p:nvPr>
+            <p:extLst>
+              <p:ext uri="{D42A27DB-BD31-4B8C-83A1-F6EECF244321}">
+                <p14:modId xmlns:p14="http://schemas.microsoft.com/office/powerpoint/2010/main" val="2208148492"/>
+              </p:ext>
+            </p:extLst>
+          </p:nvPr>
+        </p:nvGraphicFramePr>
+        <p:xfrm>
+          <a:off x="6613243" y="1854558"/>
+          <a:ext cx="5720893" cy="6053070"/>
+        </p:xfrm>
+        <a:graphic>
+          <a:graphicData uri="http://schemas.openxmlformats.org/drawingml/2006/chart">
+            <c:chart xmlns:c="http://schemas.openxmlformats.org/drawingml/2006/chart" xmlns:r="http://schemas.openxmlformats.org/officeDocument/2006/relationships" r:id="rId3"/>
+          </a:graphicData>
+        </a:graphic>
+      </p:graphicFrame>
     </p:spTree>
     <p:extLst>
       <p:ext uri="{BB962C8B-B14F-4D97-AF65-F5344CB8AC3E}">
-        <p14:creationId xmlns:p14="http://schemas.microsoft.com/office/powerpoint/2010/main" val="2128433663"/>
+        <p14:creationId xmlns:p14="http://schemas.microsoft.com/office/powerpoint/2010/main" val="1002102588"/>
       </p:ext>
     </p:extLst>
   </p:cSld>
@@ -9704,6 +12034,13 @@
     <a:masterClrMapping/>
   </p:clrMapOvr>
   <p:transition spd="med"/>
+  <p:timing>
+    <p:tnLst>
+      <p:par>
+        <p:cTn id="1" dur="indefinite" restart="never" nodeType="tmRoot"/>
+      </p:par>
+    </p:tnLst>
+  </p:timing>
 </p:sld>
 </file>
 
@@ -9724,31 +12061,9 @@
           <a:chExt cx="0" cy="0"/>
         </a:xfrm>
       </p:grpSpPr>
-      <p:graphicFrame>
-        <p:nvGraphicFramePr>
-          <p:cNvPr id="5" name="图表 4"/>
-          <p:cNvGraphicFramePr/>
-          <p:nvPr>
-            <p:extLst>
-              <p:ext uri="{D42A27DB-BD31-4B8C-83A1-F6EECF244321}">
-                <p14:modId xmlns:p14="http://schemas.microsoft.com/office/powerpoint/2010/main" val="755520863"/>
-              </p:ext>
-            </p:extLst>
-          </p:nvPr>
-        </p:nvGraphicFramePr>
-        <p:xfrm>
-          <a:off x="2457191" y="2244421"/>
-          <a:ext cx="8669867" cy="5779911"/>
-        </p:xfrm>
-        <a:graphic>
-          <a:graphicData uri="http://schemas.openxmlformats.org/drawingml/2006/chart">
-            <c:chart xmlns:c="http://schemas.openxmlformats.org/drawingml/2006/chart" xmlns:r="http://schemas.openxmlformats.org/officeDocument/2006/relationships" r:id="rId2"/>
-          </a:graphicData>
-        </a:graphic>
-      </p:graphicFrame>
       <p:sp>
         <p:nvSpPr>
-          <p:cNvPr id="6" name="二、新增用户"/>
+          <p:cNvPr id="3" name="二、新增用户"/>
           <p:cNvSpPr txBox="1">
             <a:spLocks/>
           </p:cNvSpPr>
@@ -9756,7 +12071,7 @@
         </p:nvSpPr>
         <p:spPr>
           <a:xfrm>
-            <a:off x="1270000" y="624929"/>
+            <a:off x="1012422" y="561718"/>
             <a:ext cx="10464800" cy="800646"/>
           </a:xfrm>
           <a:prstGeom prst="rect">
@@ -9767,7 +12082,7 @@
           </a:ln>
           <a:extLst>
             <a:ext uri="{C572A759-6A51-4108-AA02-DFA0A04FC94B}">
-              <ma14:wrappingTextBoxFlag xmlns="" xmlns:ma14="http://schemas.microsoft.com/office/mac/drawingml/2011/main" val="1"/>
+              <ma14:wrappingTextBoxFlag xmlns:ma14="http://schemas.microsoft.com/office/mac/drawingml/2011/main" xmlns="" val="1"/>
             </a:ext>
           </a:extLst>
         </p:spPr>
@@ -10041,33 +12356,285 @@
           <a:p>
             <a:pPr hangingPunct="1"/>
             <a:r>
-              <a:rPr lang="zh-CN" altLang="en-US" dirty="0" smtClean="0"/>
-              <a:t>每周</a:t>
-            </a:r>
-            <a:r>
-              <a:rPr lang="en-US" altLang="zh-CN" dirty="0" err="1" smtClean="0"/>
-              <a:t>iOS</a:t>
+              <a:rPr lang="en-US" altLang="zh-CN" dirty="0" smtClean="0"/>
+              <a:t>3</a:t>
             </a:r>
             <a:r>
               <a:rPr lang="zh-CN" altLang="en-US" dirty="0" smtClean="0"/>
-              <a:t>和</a:t>
+              <a:t>、地域</a:t>
+            </a:r>
+            <a:r>
+              <a:rPr lang="zh-CN" altLang="en-US" dirty="0" smtClean="0"/>
+              <a:t>分布</a:t>
+            </a:r>
+            <a:endParaRPr lang="zh-CN" altLang="en-US" dirty="0"/>
+          </a:p>
+        </p:txBody>
+      </p:sp>
+      <p:graphicFrame>
+        <p:nvGraphicFramePr>
+          <p:cNvPr id="12" name="图表 11"/>
+          <p:cNvGraphicFramePr/>
+          <p:nvPr>
+            <p:extLst>
+              <p:ext uri="{D42A27DB-BD31-4B8C-83A1-F6EECF244321}">
+                <p14:modId xmlns:p14="http://schemas.microsoft.com/office/powerpoint/2010/main" val="896858626"/>
+              </p:ext>
+            </p:extLst>
+          </p:nvPr>
+        </p:nvGraphicFramePr>
+        <p:xfrm>
+          <a:off x="175296" y="2421227"/>
+          <a:ext cx="5684592" cy="5705341"/>
+        </p:xfrm>
+        <a:graphic>
+          <a:graphicData uri="http://schemas.openxmlformats.org/drawingml/2006/chart">
+            <c:chart xmlns:c="http://schemas.openxmlformats.org/drawingml/2006/chart" xmlns:r="http://schemas.openxmlformats.org/officeDocument/2006/relationships" r:id="rId3"/>
+          </a:graphicData>
+        </a:graphic>
+      </p:graphicFrame>
+      <p:graphicFrame>
+        <p:nvGraphicFramePr>
+          <p:cNvPr id="18" name="图表 17"/>
+          <p:cNvGraphicFramePr/>
+          <p:nvPr>
+            <p:extLst>
+              <p:ext uri="{D42A27DB-BD31-4B8C-83A1-F6EECF244321}">
+                <p14:modId xmlns:p14="http://schemas.microsoft.com/office/powerpoint/2010/main" val="2782126403"/>
+              </p:ext>
+            </p:extLst>
+          </p:nvPr>
+        </p:nvGraphicFramePr>
+        <p:xfrm>
+          <a:off x="6194740" y="2353166"/>
+          <a:ext cx="6336406" cy="5746123"/>
+        </p:xfrm>
+        <a:graphic>
+          <a:graphicData uri="http://schemas.openxmlformats.org/drawingml/2006/chart">
+            <c:chart xmlns:c="http://schemas.openxmlformats.org/drawingml/2006/chart" xmlns:r="http://schemas.openxmlformats.org/officeDocument/2006/relationships" r:id="rId4"/>
+          </a:graphicData>
+        </a:graphic>
+      </p:graphicFrame>
+      <p:sp>
+        <p:nvSpPr>
+          <p:cNvPr id="19" name="文本框 18"/>
+          <p:cNvSpPr txBox="1"/>
+          <p:nvPr/>
+        </p:nvSpPr>
+        <p:spPr>
+          <a:xfrm>
+            <a:off x="2618949" y="8497663"/>
+            <a:ext cx="8143255" cy="687368"/>
+          </a:xfrm>
+          <a:prstGeom prst="rect">
+            <a:avLst/>
+          </a:prstGeom>
+          <a:noFill/>
+          <a:ln w="12700" cap="flat">
+            <a:noFill/>
+            <a:miter lim="400000"/>
+          </a:ln>
+          <a:effectLst/>
+          <a:sp3d/>
+        </p:spPr>
+        <p:style>
+          <a:lnRef idx="0">
+            <a:scrgbClr r="0" g="0" b="0"/>
+          </a:lnRef>
+          <a:fillRef idx="0">
+            <a:scrgbClr r="0" g="0" b="0"/>
+          </a:fillRef>
+          <a:effectRef idx="0">
+            <a:scrgbClr r="0" g="0" b="0"/>
+          </a:effectRef>
+          <a:fontRef idx="none"/>
+        </p:style>
+        <p:txBody>
+          <a:bodyPr rot="0" spcFirstLastPara="1" vertOverflow="overflow" horzOverflow="overflow" vert="horz" wrap="none" lIns="50800" tIns="50800" rIns="50800" bIns="50800" numCol="1" spcCol="38100" rtlCol="0" anchor="ctr">
+            <a:spAutoFit/>
+          </a:bodyPr>
+          <a:lstStyle/>
+          <a:p>
+            <a:pPr marL="0" marR="0" indent="0" algn="ctr" defTabSz="584200" rtl="0" fontAlgn="auto" latinLnBrk="0" hangingPunct="0">
+              <a:lnSpc>
+                <a:spcPct val="100000"/>
+              </a:lnSpc>
+              <a:spcBef>
+                <a:spcPts val="0"/>
+              </a:spcBef>
+              <a:spcAft>
+                <a:spcPts val="0"/>
+              </a:spcAft>
+              <a:buClrTx/>
+              <a:buSzTx/>
+              <a:buFontTx/>
+              <a:buNone/>
+              <a:tabLst/>
+            </a:pPr>
+            <a:r>
+              <a:rPr kumimoji="0" lang="zh-CN" altLang="en-US" sz="3800" b="0" i="0" u="none" strike="noStrike" cap="none" spc="0" normalizeH="0" baseline="0" dirty="0" smtClean="0">
+                <a:ln>
+                  <a:noFill/>
+                </a:ln>
+                <a:solidFill>
+                  <a:srgbClr val="FFFFFF"/>
+                </a:solidFill>
+                <a:effectLst/>
+                <a:uFillTx/>
+                <a:latin typeface="+mn-lt"/>
+                <a:ea typeface="+mn-ea"/>
+                <a:cs typeface="+mn-cs"/>
+                <a:sym typeface="Helvetica Light"/>
+              </a:rPr>
+              <a:t>北上广三个地区的用户占总用户的</a:t>
+            </a:r>
+            <a:r>
+              <a:rPr kumimoji="0" lang="en-US" altLang="zh-CN" sz="3800" b="0" i="0" u="none" strike="noStrike" cap="none" spc="0" normalizeH="0" baseline="0" dirty="0" smtClean="0">
+                <a:ln>
+                  <a:noFill/>
+                </a:ln>
+                <a:solidFill>
+                  <a:srgbClr val="FFFFFF"/>
+                </a:solidFill>
+                <a:effectLst/>
+                <a:uFillTx/>
+                <a:latin typeface="+mn-lt"/>
+                <a:ea typeface="+mn-ea"/>
+                <a:cs typeface="+mn-cs"/>
+                <a:sym typeface="Helvetica Light"/>
+              </a:rPr>
+              <a:t>58%</a:t>
+            </a:r>
+            <a:endParaRPr kumimoji="0" lang="zh-CN" altLang="en-US" sz="3800" b="0" i="0" u="none" strike="noStrike" cap="none" spc="0" normalizeH="0" baseline="0" dirty="0">
+              <a:ln>
+                <a:noFill/>
+              </a:ln>
+              <a:solidFill>
+                <a:srgbClr val="FFFFFF"/>
+              </a:solidFill>
+              <a:effectLst/>
+              <a:uFillTx/>
+              <a:latin typeface="+mn-lt"/>
+              <a:ea typeface="+mn-ea"/>
+              <a:cs typeface="+mn-cs"/>
+              <a:sym typeface="Helvetica Light"/>
+            </a:endParaRPr>
+          </a:p>
+        </p:txBody>
+      </p:sp>
+      <p:sp>
+        <p:nvSpPr>
+          <p:cNvPr id="21" name="文本框 20"/>
+          <p:cNvSpPr txBox="1"/>
+          <p:nvPr/>
+        </p:nvSpPr>
+        <p:spPr>
+          <a:xfrm>
+            <a:off x="1879642" y="1491153"/>
+            <a:ext cx="6924973" cy="687368"/>
+          </a:xfrm>
+          <a:prstGeom prst="rect">
+            <a:avLst/>
+          </a:prstGeom>
+          <a:noFill/>
+          <a:ln w="12700" cap="flat">
+            <a:noFill/>
+            <a:miter lim="400000"/>
+          </a:ln>
+          <a:effectLst/>
+          <a:sp3d/>
+        </p:spPr>
+        <p:style>
+          <a:lnRef idx="0">
+            <a:scrgbClr r="0" g="0" b="0"/>
+          </a:lnRef>
+          <a:fillRef idx="0">
+            <a:scrgbClr r="0" g="0" b="0"/>
+          </a:fillRef>
+          <a:effectRef idx="0">
+            <a:scrgbClr r="0" g="0" b="0"/>
+          </a:effectRef>
+          <a:fontRef idx="none"/>
+        </p:style>
+        <p:txBody>
+          <a:bodyPr rot="0" spcFirstLastPara="1" vertOverflow="overflow" horzOverflow="overflow" vert="horz" wrap="none" lIns="50800" tIns="50800" rIns="50800" bIns="50800" numCol="1" spcCol="38100" rtlCol="0" anchor="ctr">
+            <a:spAutoFit/>
+          </a:bodyPr>
+          <a:lstStyle/>
+          <a:p>
+            <a:pPr marL="0" marR="0" indent="0" algn="ctr" defTabSz="584200" rtl="0" fontAlgn="auto" latinLnBrk="0" hangingPunct="0">
+              <a:lnSpc>
+                <a:spcPct val="100000"/>
+              </a:lnSpc>
+              <a:spcBef>
+                <a:spcPts val="0"/>
+              </a:spcBef>
+              <a:spcAft>
+                <a:spcPts val="0"/>
+              </a:spcAft>
+              <a:buClrTx/>
+              <a:buSzTx/>
+              <a:buFontTx/>
+              <a:buNone/>
+              <a:tabLst/>
+            </a:pPr>
+            <a:r>
+              <a:rPr lang="en-US" altLang="zh-CN" dirty="0" smtClean="0"/>
+              <a:t>7</a:t>
+            </a:r>
+            <a:r>
+              <a:rPr lang="zh-CN" altLang="en-US" dirty="0" smtClean="0"/>
+              <a:t>月</a:t>
             </a:r>
             <a:r>
               <a:rPr lang="en-US" altLang="zh-CN" dirty="0" smtClean="0"/>
-              <a:t>Android</a:t>
+              <a:t>8</a:t>
             </a:r>
             <a:r>
               <a:rPr lang="zh-CN" altLang="en-US" dirty="0" smtClean="0"/>
-              <a:t>启动次数</a:t>
+              <a:t>日至</a:t>
             </a:r>
-            <a:endParaRPr lang="zh-CN" altLang="en-US" dirty="0"/>
+            <a:r>
+              <a:rPr lang="en-US" altLang="zh-CN" dirty="0" smtClean="0"/>
+              <a:t>8</a:t>
+            </a:r>
+            <a:r>
+              <a:rPr lang="zh-CN" altLang="en-US" dirty="0" smtClean="0"/>
+              <a:t>月</a:t>
+            </a:r>
+            <a:r>
+              <a:rPr lang="en-US" altLang="zh-CN" dirty="0" smtClean="0"/>
+              <a:t>6</a:t>
+            </a:r>
+            <a:r>
+              <a:rPr lang="zh-CN" altLang="en-US" dirty="0" smtClean="0"/>
+              <a:t>日用户总数为</a:t>
+            </a:r>
+            <a:r>
+              <a:rPr lang="en-US" altLang="zh-CN" dirty="0" smtClean="0"/>
+              <a:t>3019</a:t>
+            </a:r>
+            <a:endParaRPr kumimoji="0" lang="zh-CN" altLang="en-US" sz="3800" b="0" i="0" u="none" strike="noStrike" cap="none" spc="0" normalizeH="0" baseline="0" dirty="0">
+              <a:ln>
+                <a:noFill/>
+              </a:ln>
+              <a:solidFill>
+                <a:srgbClr val="FFFFFF"/>
+              </a:solidFill>
+              <a:effectLst/>
+              <a:uFillTx/>
+              <a:latin typeface="+mn-lt"/>
+              <a:ea typeface="+mn-ea"/>
+              <a:cs typeface="+mn-cs"/>
+              <a:sym typeface="Helvetica Light"/>
+            </a:endParaRPr>
           </a:p>
         </p:txBody>
       </p:sp>
     </p:spTree>
     <p:extLst>
       <p:ext uri="{BB962C8B-B14F-4D97-AF65-F5344CB8AC3E}">
-        <p14:creationId xmlns:p14="http://schemas.microsoft.com/office/powerpoint/2010/main" val="2491968197"/>
+        <p14:creationId xmlns:p14="http://schemas.microsoft.com/office/powerpoint/2010/main" val="4081715084"/>
       </p:ext>
     </p:extLst>
   </p:cSld>
@@ -10075,6 +12642,13 @@
     <a:masterClrMapping/>
   </p:clrMapOvr>
   <p:transition spd="med"/>
+  <p:timing>
+    <p:tnLst>
+      <p:par>
+        <p:cTn id="1" dur="indefinite" restart="never" nodeType="tmRoot"/>
+      </p:par>
+    </p:tnLst>
+  </p:timing>
 </p:sld>
 </file>
 
@@ -10095,31 +12669,9 @@
           <a:chExt cx="0" cy="0"/>
         </a:xfrm>
       </p:grpSpPr>
-      <p:graphicFrame>
-        <p:nvGraphicFramePr>
-          <p:cNvPr id="5" name="图表 4"/>
-          <p:cNvGraphicFramePr/>
-          <p:nvPr>
-            <p:extLst>
-              <p:ext uri="{D42A27DB-BD31-4B8C-83A1-F6EECF244321}">
-                <p14:modId xmlns:p14="http://schemas.microsoft.com/office/powerpoint/2010/main" val="1598718401"/>
-              </p:ext>
-            </p:extLst>
-          </p:nvPr>
-        </p:nvGraphicFramePr>
-        <p:xfrm>
-          <a:off x="2457192" y="2231542"/>
-          <a:ext cx="8669867" cy="5779911"/>
-        </p:xfrm>
-        <a:graphic>
-          <a:graphicData uri="http://schemas.openxmlformats.org/drawingml/2006/chart">
-            <c:chart xmlns:c="http://schemas.openxmlformats.org/drawingml/2006/chart" xmlns:r="http://schemas.openxmlformats.org/officeDocument/2006/relationships" r:id="rId2"/>
-          </a:graphicData>
-        </a:graphic>
-      </p:graphicFrame>
       <p:sp>
         <p:nvSpPr>
-          <p:cNvPr id="6" name="二、新增用户"/>
+          <p:cNvPr id="2" name="二、新增用户"/>
           <p:cNvSpPr txBox="1">
             <a:spLocks/>
           </p:cNvSpPr>
@@ -10127,7 +12679,7 @@
         </p:nvSpPr>
         <p:spPr>
           <a:xfrm>
-            <a:off x="1270000" y="624929"/>
+            <a:off x="1012422" y="561718"/>
             <a:ext cx="10464800" cy="800646"/>
           </a:xfrm>
           <a:prstGeom prst="rect">
@@ -10138,7 +12690,7 @@
           </a:ln>
           <a:extLst>
             <a:ext uri="{C572A759-6A51-4108-AA02-DFA0A04FC94B}">
-              <ma14:wrappingTextBoxFlag xmlns="" xmlns:ma14="http://schemas.microsoft.com/office/mac/drawingml/2011/main" val="1"/>
+              <ma14:wrappingTextBoxFlag xmlns:ma14="http://schemas.microsoft.com/office/mac/drawingml/2011/main" xmlns="" val="1"/>
             </a:ext>
           </a:extLst>
         </p:spPr>
@@ -10412,16 +12964,549 @@
           <a:p>
             <a:pPr hangingPunct="1"/>
             <a:r>
-              <a:rPr lang="zh-CN" altLang="en-US" dirty="0" smtClean="0"/>
-              <a:t>每周</a:t>
+              <a:rPr lang="en-US" altLang="zh-CN" dirty="0"/>
+              <a:t>4</a:t>
             </a:r>
             <a:r>
-              <a:rPr lang="en-US" altLang="zh-CN" dirty="0" err="1" smtClean="0"/>
+              <a:rPr lang="zh-CN" altLang="en-US" dirty="0" smtClean="0"/>
+              <a:t>、留存分析</a:t>
+            </a:r>
+            <a:endParaRPr lang="zh-CN" altLang="en-US" dirty="0"/>
+          </a:p>
+        </p:txBody>
+      </p:sp>
+      <p:graphicFrame>
+        <p:nvGraphicFramePr>
+          <p:cNvPr id="6" name="表格 5"/>
+          <p:cNvGraphicFramePr>
+            <a:graphicFrameLocks noGrp="1"/>
+          </p:cNvGraphicFramePr>
+          <p:nvPr>
+            <p:extLst>
+              <p:ext uri="{D42A27DB-BD31-4B8C-83A1-F6EECF244321}">
+                <p14:modId xmlns:p14="http://schemas.microsoft.com/office/powerpoint/2010/main" val="3013948804"/>
+              </p:ext>
+            </p:extLst>
+          </p:nvPr>
+        </p:nvGraphicFramePr>
+        <p:xfrm>
+          <a:off x="1641578" y="2579274"/>
+          <a:ext cx="9962286" cy="3396522"/>
+        </p:xfrm>
+        <a:graphic>
+          <a:graphicData uri="http://schemas.openxmlformats.org/drawingml/2006/table">
+            <a:tbl>
+              <a:tblPr firstRow="1" bandRow="1">
+                <a:tableStyleId>{5940675A-B579-460E-94D1-54222C63F5DA}</a:tableStyleId>
+              </a:tblPr>
+              <a:tblGrid>
+                <a:gridCol w="3320762"/>
+                <a:gridCol w="3320762"/>
+                <a:gridCol w="3320762"/>
+              </a:tblGrid>
+              <a:tr h="1132174">
+                <a:tc>
+                  <a:txBody>
+                    <a:bodyPr/>
+                    <a:lstStyle/>
+                    <a:p>
+                      <a:pPr lvl="1"/>
+                      <a:endParaRPr lang="zh-CN" altLang="en-US" sz="3200" dirty="0">
+                        <a:solidFill>
+                          <a:schemeClr val="tx2">
+                            <a:lumMod val="10000"/>
+                          </a:schemeClr>
+                        </a:solidFill>
+                      </a:endParaRPr>
+                    </a:p>
+                  </a:txBody>
+                  <a:tcPr>
+                    <a:solidFill>
+                      <a:schemeClr val="bg2">
+                        <a:lumMod val="40000"/>
+                        <a:lumOff val="60000"/>
+                      </a:schemeClr>
+                    </a:solidFill>
+                  </a:tcPr>
+                </a:tc>
+                <a:tc>
+                  <a:txBody>
+                    <a:bodyPr/>
+                    <a:lstStyle/>
+                    <a:p>
+                      <a:pPr lvl="1"/>
+                      <a:r>
+                        <a:rPr lang="zh-CN" altLang="en-US" sz="3200" dirty="0" smtClean="0">
+                          <a:solidFill>
+                            <a:schemeClr val="tx2">
+                              <a:lumMod val="10000"/>
+                            </a:schemeClr>
+                          </a:solidFill>
+                        </a:rPr>
+                        <a:t>次日留存</a:t>
+                      </a:r>
+                      <a:endParaRPr lang="en-US" altLang="zh-CN" sz="3200" dirty="0" smtClean="0">
+                        <a:solidFill>
+                          <a:schemeClr val="tx2">
+                            <a:lumMod val="10000"/>
+                          </a:schemeClr>
+                        </a:solidFill>
+                      </a:endParaRPr>
+                    </a:p>
+                    <a:p>
+                      <a:pPr lvl="1"/>
+                      <a:r>
+                        <a:rPr lang="zh-CN" altLang="en-US" sz="1800" dirty="0" smtClean="0">
+                          <a:solidFill>
+                            <a:schemeClr val="tx2">
+                              <a:lumMod val="10000"/>
+                            </a:schemeClr>
+                          </a:solidFill>
+                        </a:rPr>
+                        <a:t>（目标：</a:t>
+                      </a:r>
+                      <a:r>
+                        <a:rPr lang="en-US" altLang="zh-CN" sz="1800" dirty="0" smtClean="0">
+                          <a:solidFill>
+                            <a:schemeClr val="tx2">
+                              <a:lumMod val="10000"/>
+                            </a:schemeClr>
+                          </a:solidFill>
+                        </a:rPr>
+                        <a:t>40%</a:t>
+                      </a:r>
+                      <a:r>
+                        <a:rPr lang="zh-CN" altLang="en-US" sz="1800" dirty="0" smtClean="0">
+                          <a:solidFill>
+                            <a:schemeClr val="tx2">
+                              <a:lumMod val="10000"/>
+                            </a:schemeClr>
+                          </a:solidFill>
+                        </a:rPr>
+                        <a:t>）</a:t>
+                      </a:r>
+                      <a:endParaRPr lang="zh-CN" altLang="en-US" sz="1800" dirty="0">
+                        <a:solidFill>
+                          <a:schemeClr val="tx2">
+                            <a:lumMod val="10000"/>
+                          </a:schemeClr>
+                        </a:solidFill>
+                      </a:endParaRPr>
+                    </a:p>
+                  </a:txBody>
+                  <a:tcPr>
+                    <a:solidFill>
+                      <a:schemeClr val="bg2">
+                        <a:lumMod val="40000"/>
+                        <a:lumOff val="60000"/>
+                      </a:schemeClr>
+                    </a:solidFill>
+                  </a:tcPr>
+                </a:tc>
+                <a:tc>
+                  <a:txBody>
+                    <a:bodyPr/>
+                    <a:lstStyle/>
+                    <a:p>
+                      <a:pPr lvl="1"/>
+                      <a:r>
+                        <a:rPr lang="zh-CN" altLang="en-US" sz="3200" dirty="0" smtClean="0">
+                          <a:solidFill>
+                            <a:schemeClr val="tx2">
+                              <a:lumMod val="10000"/>
+                            </a:schemeClr>
+                          </a:solidFill>
+                        </a:rPr>
+                        <a:t>七日留存</a:t>
+                      </a:r>
+                      <a:endParaRPr lang="en-US" altLang="zh-CN" sz="3200" dirty="0" smtClean="0">
+                        <a:solidFill>
+                          <a:schemeClr val="tx2">
+                            <a:lumMod val="10000"/>
+                          </a:schemeClr>
+                        </a:solidFill>
+                      </a:endParaRPr>
+                    </a:p>
+                    <a:p>
+                      <a:pPr marL="0" marR="0" lvl="1" indent="228600" algn="ctr" defTabSz="584200" rtl="0" eaLnBrk="1" fontAlgn="auto" latinLnBrk="0" hangingPunct="1">
+                        <a:lnSpc>
+                          <a:spcPct val="100000"/>
+                        </a:lnSpc>
+                        <a:spcBef>
+                          <a:spcPts val="0"/>
+                        </a:spcBef>
+                        <a:spcAft>
+                          <a:spcPts val="0"/>
+                        </a:spcAft>
+                        <a:buClrTx/>
+                        <a:buSzTx/>
+                        <a:buFontTx/>
+                        <a:buNone/>
+                        <a:tabLst/>
+                        <a:defRPr/>
+                      </a:pPr>
+                      <a:r>
+                        <a:rPr lang="zh-CN" altLang="en-US" sz="1800" dirty="0" smtClean="0">
+                          <a:solidFill>
+                            <a:schemeClr val="tx2">
+                              <a:lumMod val="10000"/>
+                            </a:schemeClr>
+                          </a:solidFill>
+                        </a:rPr>
+                        <a:t>（目标：</a:t>
+                      </a:r>
+                      <a:r>
+                        <a:rPr lang="en-US" altLang="zh-CN" sz="1800" dirty="0" smtClean="0">
+                          <a:solidFill>
+                            <a:schemeClr val="tx2">
+                              <a:lumMod val="10000"/>
+                            </a:schemeClr>
+                          </a:solidFill>
+                        </a:rPr>
+                        <a:t>20%</a:t>
+                      </a:r>
+                      <a:r>
+                        <a:rPr lang="zh-CN" altLang="en-US" sz="1800" dirty="0" smtClean="0">
+                          <a:solidFill>
+                            <a:schemeClr val="tx2">
+                              <a:lumMod val="10000"/>
+                            </a:schemeClr>
+                          </a:solidFill>
+                        </a:rPr>
+                        <a:t>）</a:t>
+                      </a:r>
+                    </a:p>
+                  </a:txBody>
+                  <a:tcPr>
+                    <a:solidFill>
+                      <a:schemeClr val="bg2">
+                        <a:lumMod val="40000"/>
+                        <a:lumOff val="60000"/>
+                      </a:schemeClr>
+                    </a:solidFill>
+                  </a:tcPr>
+                </a:tc>
+              </a:tr>
+              <a:tr h="1132174">
+                <a:tc>
+                  <a:txBody>
+                    <a:bodyPr/>
+                    <a:lstStyle/>
+                    <a:p>
+                      <a:pPr lvl="1" algn="ctr">
+                        <a:lnSpc>
+                          <a:spcPct val="200000"/>
+                        </a:lnSpc>
+                      </a:pPr>
+                      <a:r>
+                        <a:rPr lang="en-US" altLang="zh-CN" sz="3200" dirty="0" smtClean="0">
+                          <a:solidFill>
+                            <a:schemeClr val="tx2">
+                              <a:lumMod val="10000"/>
+                            </a:schemeClr>
+                          </a:solidFill>
+                        </a:rPr>
+                        <a:t>iOS</a:t>
+                      </a:r>
+                    </a:p>
+                  </a:txBody>
+                  <a:tcPr>
+                    <a:solidFill>
+                      <a:schemeClr val="bg2">
+                        <a:lumMod val="40000"/>
+                        <a:lumOff val="60000"/>
+                      </a:schemeClr>
+                    </a:solidFill>
+                  </a:tcPr>
+                </a:tc>
+                <a:tc>
+                  <a:txBody>
+                    <a:bodyPr/>
+                    <a:lstStyle/>
+                    <a:p>
+                      <a:pPr lvl="1" algn="ctr" fontAlgn="ctr">
+                        <a:lnSpc>
+                          <a:spcPct val="150000"/>
+                        </a:lnSpc>
+                      </a:pPr>
+                      <a:r>
+                        <a:rPr lang="en-US" altLang="zh-CN" sz="3200" b="0" i="0" u="none" strike="noStrike" dirty="0" smtClean="0">
+                          <a:solidFill>
+                            <a:schemeClr val="tx2">
+                              <a:lumMod val="10000"/>
+                            </a:schemeClr>
+                          </a:solidFill>
+                          <a:effectLst/>
+                          <a:latin typeface="宋体" panose="02010600030101010101" pitchFamily="2" charset="-122"/>
+                          <a:ea typeface="宋体" panose="02010600030101010101" pitchFamily="2" charset="-122"/>
+                        </a:rPr>
+                        <a:t>42.6%</a:t>
+                      </a:r>
+                      <a:endParaRPr lang="en-US" altLang="zh-CN" sz="3200" b="0" i="0" u="none" strike="noStrike" dirty="0">
+                        <a:solidFill>
+                          <a:schemeClr val="tx2">
+                            <a:lumMod val="10000"/>
+                          </a:schemeClr>
+                        </a:solidFill>
+                        <a:effectLst/>
+                        <a:latin typeface="宋体" panose="02010600030101010101" pitchFamily="2" charset="-122"/>
+                        <a:ea typeface="宋体" panose="02010600030101010101" pitchFamily="2" charset="-122"/>
+                      </a:endParaRPr>
+                    </a:p>
+                  </a:txBody>
+                  <a:tcPr marL="7620" marR="7620" marT="7620" marB="0" anchor="ctr">
+                    <a:solidFill>
+                      <a:schemeClr val="bg2">
+                        <a:lumMod val="40000"/>
+                        <a:lumOff val="60000"/>
+                      </a:schemeClr>
+                    </a:solidFill>
+                  </a:tcPr>
+                </a:tc>
+                <a:tc>
+                  <a:txBody>
+                    <a:bodyPr/>
+                    <a:lstStyle/>
+                    <a:p>
+                      <a:pPr lvl="1" algn="ctr" fontAlgn="ctr">
+                        <a:lnSpc>
+                          <a:spcPct val="150000"/>
+                        </a:lnSpc>
+                      </a:pPr>
+                      <a:r>
+                        <a:rPr lang="en-US" altLang="zh-CN" sz="3200" b="0" i="0" u="none" strike="noStrike" dirty="0" smtClean="0">
+                          <a:solidFill>
+                            <a:schemeClr val="tx2">
+                              <a:lumMod val="10000"/>
+                            </a:schemeClr>
+                          </a:solidFill>
+                          <a:effectLst/>
+                          <a:latin typeface="宋体" panose="02010600030101010101" pitchFamily="2" charset="-122"/>
+                          <a:ea typeface="宋体" panose="02010600030101010101" pitchFamily="2" charset="-122"/>
+                        </a:rPr>
+                        <a:t>16.7%</a:t>
+                      </a:r>
+                      <a:endParaRPr lang="en-US" altLang="zh-CN" sz="3200" b="0" i="0" u="none" strike="noStrike" dirty="0">
+                        <a:solidFill>
+                          <a:schemeClr val="tx2">
+                            <a:lumMod val="10000"/>
+                          </a:schemeClr>
+                        </a:solidFill>
+                        <a:effectLst/>
+                        <a:latin typeface="宋体" panose="02010600030101010101" pitchFamily="2" charset="-122"/>
+                        <a:ea typeface="宋体" panose="02010600030101010101" pitchFamily="2" charset="-122"/>
+                      </a:endParaRPr>
+                    </a:p>
+                  </a:txBody>
+                  <a:tcPr marL="7620" marR="7620" marT="7620" marB="0" anchor="ctr">
+                    <a:solidFill>
+                      <a:schemeClr val="bg2">
+                        <a:lumMod val="40000"/>
+                        <a:lumOff val="60000"/>
+                      </a:schemeClr>
+                    </a:solidFill>
+                  </a:tcPr>
+                </a:tc>
+              </a:tr>
+              <a:tr h="1132174">
+                <a:tc>
+                  <a:txBody>
+                    <a:bodyPr/>
+                    <a:lstStyle/>
+                    <a:p>
+                      <a:pPr lvl="1" algn="ctr">
+                        <a:lnSpc>
+                          <a:spcPct val="200000"/>
+                        </a:lnSpc>
+                      </a:pPr>
+                      <a:r>
+                        <a:rPr lang="en-US" altLang="zh-CN" sz="3200" dirty="0" smtClean="0">
+                          <a:solidFill>
+                            <a:schemeClr val="tx2">
+                              <a:lumMod val="10000"/>
+                            </a:schemeClr>
+                          </a:solidFill>
+                        </a:rPr>
+                        <a:t>Android</a:t>
+                      </a:r>
+                      <a:endParaRPr lang="zh-CN" altLang="en-US" sz="3200" dirty="0">
+                        <a:solidFill>
+                          <a:schemeClr val="tx2">
+                            <a:lumMod val="10000"/>
+                          </a:schemeClr>
+                        </a:solidFill>
+                      </a:endParaRPr>
+                    </a:p>
+                  </a:txBody>
+                  <a:tcPr>
+                    <a:solidFill>
+                      <a:schemeClr val="bg2">
+                        <a:lumMod val="40000"/>
+                        <a:lumOff val="60000"/>
+                      </a:schemeClr>
+                    </a:solidFill>
+                  </a:tcPr>
+                </a:tc>
+                <a:tc>
+                  <a:txBody>
+                    <a:bodyPr/>
+                    <a:lstStyle/>
+                    <a:p>
+                      <a:pPr lvl="1" algn="ctr" fontAlgn="ctr">
+                        <a:lnSpc>
+                          <a:spcPct val="150000"/>
+                        </a:lnSpc>
+                      </a:pPr>
+                      <a:r>
+                        <a:rPr lang="en-US" altLang="zh-CN" sz="3200" b="0" i="0" u="none" strike="noStrike" dirty="0" smtClean="0">
+                          <a:solidFill>
+                            <a:schemeClr val="tx2">
+                              <a:lumMod val="10000"/>
+                            </a:schemeClr>
+                          </a:solidFill>
+                          <a:effectLst/>
+                          <a:latin typeface="宋体" panose="02010600030101010101" pitchFamily="2" charset="-122"/>
+                          <a:ea typeface="宋体" panose="02010600030101010101" pitchFamily="2" charset="-122"/>
+                        </a:rPr>
+                        <a:t>23%</a:t>
+                      </a:r>
+                      <a:endParaRPr lang="en-US" altLang="zh-CN" sz="3200" b="0" i="0" u="none" strike="noStrike" dirty="0">
+                        <a:solidFill>
+                          <a:schemeClr val="tx2">
+                            <a:lumMod val="10000"/>
+                          </a:schemeClr>
+                        </a:solidFill>
+                        <a:effectLst/>
+                        <a:latin typeface="宋体" panose="02010600030101010101" pitchFamily="2" charset="-122"/>
+                        <a:ea typeface="宋体" panose="02010600030101010101" pitchFamily="2" charset="-122"/>
+                      </a:endParaRPr>
+                    </a:p>
+                  </a:txBody>
+                  <a:tcPr marL="7620" marR="7620" marT="7620" marB="0" anchor="ctr">
+                    <a:solidFill>
+                      <a:schemeClr val="bg2">
+                        <a:lumMod val="40000"/>
+                        <a:lumOff val="60000"/>
+                      </a:schemeClr>
+                    </a:solidFill>
+                  </a:tcPr>
+                </a:tc>
+                <a:tc>
+                  <a:txBody>
+                    <a:bodyPr/>
+                    <a:lstStyle/>
+                    <a:p>
+                      <a:pPr lvl="1" algn="ctr" fontAlgn="ctr">
+                        <a:lnSpc>
+                          <a:spcPct val="150000"/>
+                        </a:lnSpc>
+                      </a:pPr>
+                      <a:r>
+                        <a:rPr lang="en-US" altLang="zh-CN" sz="3200" b="0" i="0" u="none" strike="noStrike" dirty="0" smtClean="0">
+                          <a:solidFill>
+                            <a:schemeClr val="tx2">
+                              <a:lumMod val="10000"/>
+                            </a:schemeClr>
+                          </a:solidFill>
+                          <a:effectLst/>
+                          <a:latin typeface="宋体" panose="02010600030101010101" pitchFamily="2" charset="-122"/>
+                          <a:ea typeface="宋体" panose="02010600030101010101" pitchFamily="2" charset="-122"/>
+                        </a:rPr>
+                        <a:t>9.5%</a:t>
+                      </a:r>
+                      <a:endParaRPr lang="en-US" altLang="zh-CN" sz="3200" b="0" i="0" u="none" strike="noStrike" dirty="0">
+                        <a:solidFill>
+                          <a:schemeClr val="tx2">
+                            <a:lumMod val="10000"/>
+                          </a:schemeClr>
+                        </a:solidFill>
+                        <a:effectLst/>
+                        <a:latin typeface="宋体" panose="02010600030101010101" pitchFamily="2" charset="-122"/>
+                        <a:ea typeface="宋体" panose="02010600030101010101" pitchFamily="2" charset="-122"/>
+                      </a:endParaRPr>
+                    </a:p>
+                  </a:txBody>
+                  <a:tcPr marL="7620" marR="7620" marT="7620" marB="0" anchor="ctr">
+                    <a:solidFill>
+                      <a:schemeClr val="bg2">
+                        <a:lumMod val="40000"/>
+                        <a:lumOff val="60000"/>
+                      </a:schemeClr>
+                    </a:solidFill>
+                  </a:tcPr>
+                </a:tc>
+              </a:tr>
+            </a:tbl>
+          </a:graphicData>
+        </a:graphic>
+      </p:graphicFrame>
+      <p:sp>
+        <p:nvSpPr>
+          <p:cNvPr id="7" name="文本框 6"/>
+          <p:cNvSpPr txBox="1"/>
+          <p:nvPr/>
+        </p:nvSpPr>
+        <p:spPr>
+          <a:xfrm>
+            <a:off x="1996933" y="6878751"/>
+            <a:ext cx="9361537" cy="1272143"/>
+          </a:xfrm>
+          <a:prstGeom prst="rect">
+            <a:avLst/>
+          </a:prstGeom>
+          <a:noFill/>
+          <a:ln w="12700" cap="flat">
+            <a:noFill/>
+            <a:miter lim="400000"/>
+          </a:ln>
+          <a:effectLst/>
+          <a:sp3d/>
+        </p:spPr>
+        <p:style>
+          <a:lnRef idx="0">
+            <a:scrgbClr r="0" g="0" b="0"/>
+          </a:lnRef>
+          <a:fillRef idx="0">
+            <a:scrgbClr r="0" g="0" b="0"/>
+          </a:fillRef>
+          <a:effectRef idx="0">
+            <a:scrgbClr r="0" g="0" b="0"/>
+          </a:effectRef>
+          <a:fontRef idx="none"/>
+        </p:style>
+        <p:txBody>
+          <a:bodyPr rot="0" spcFirstLastPara="1" vertOverflow="overflow" horzOverflow="overflow" vert="horz" wrap="none" lIns="50800" tIns="50800" rIns="50800" bIns="50800" numCol="1" spcCol="38100" rtlCol="0" anchor="ctr">
+            <a:spAutoFit/>
+          </a:bodyPr>
+          <a:lstStyle/>
+          <a:p>
+            <a:pPr marL="0" marR="0" indent="0" algn="l" defTabSz="584200" rtl="0" fontAlgn="auto" latinLnBrk="0" hangingPunct="0">
+              <a:lnSpc>
+                <a:spcPct val="100000"/>
+              </a:lnSpc>
+              <a:spcBef>
+                <a:spcPts val="0"/>
+              </a:spcBef>
+              <a:spcAft>
+                <a:spcPts val="0"/>
+              </a:spcAft>
+              <a:buClrTx/>
+              <a:buSzTx/>
+              <a:buFontTx/>
+              <a:buNone/>
+              <a:tabLst/>
+            </a:pPr>
+            <a:r>
+              <a:rPr lang="zh-CN" altLang="en-US" dirty="0" smtClean="0"/>
+              <a:t>次日留存：</a:t>
+            </a:r>
+            <a:r>
+              <a:rPr lang="en-US" altLang="zh-CN" dirty="0" smtClean="0"/>
               <a:t>iOS</a:t>
             </a:r>
             <a:r>
               <a:rPr lang="zh-CN" altLang="en-US" dirty="0" smtClean="0"/>
-              <a:t>和</a:t>
+              <a:t>端符合预期，</a:t>
             </a:r>
             <a:r>
               <a:rPr lang="en-US" altLang="zh-CN" dirty="0" smtClean="0"/>
@@ -10429,16 +13514,133 @@
             </a:r>
             <a:r>
               <a:rPr lang="zh-CN" altLang="en-US" dirty="0" smtClean="0"/>
-              <a:t>活跃用户</a:t>
+              <a:t>端较低</a:t>
             </a:r>
-            <a:endParaRPr lang="zh-CN" altLang="en-US" dirty="0"/>
+            <a:endParaRPr lang="en-US" altLang="zh-CN" dirty="0" smtClean="0"/>
+          </a:p>
+          <a:p>
+            <a:pPr marL="0" marR="0" indent="0" algn="l" defTabSz="584200" rtl="0" fontAlgn="auto" latinLnBrk="0" hangingPunct="0">
+              <a:lnSpc>
+                <a:spcPct val="100000"/>
+              </a:lnSpc>
+              <a:spcBef>
+                <a:spcPts val="0"/>
+              </a:spcBef>
+              <a:spcAft>
+                <a:spcPts val="0"/>
+              </a:spcAft>
+              <a:buClrTx/>
+              <a:buSzTx/>
+              <a:buFontTx/>
+              <a:buNone/>
+              <a:tabLst/>
+            </a:pPr>
+            <a:r>
+              <a:rPr kumimoji="0" lang="zh-CN" altLang="en-US" sz="3800" b="0" i="0" u="none" strike="noStrike" cap="none" spc="0" normalizeH="0" baseline="0" dirty="0" smtClean="0">
+                <a:ln>
+                  <a:noFill/>
+                </a:ln>
+                <a:solidFill>
+                  <a:srgbClr val="FFFFFF"/>
+                </a:solidFill>
+                <a:effectLst/>
+                <a:uFillTx/>
+                <a:latin typeface="+mn-lt"/>
+                <a:ea typeface="+mn-ea"/>
+                <a:cs typeface="+mn-cs"/>
+                <a:sym typeface="Helvetica Light"/>
+              </a:rPr>
+              <a:t>七日留存：</a:t>
+            </a:r>
+            <a:r>
+              <a:rPr kumimoji="0" lang="en-US" altLang="zh-CN" sz="3800" b="0" i="0" u="none" strike="noStrike" cap="none" spc="0" normalizeH="0" baseline="0" dirty="0" smtClean="0">
+                <a:ln>
+                  <a:noFill/>
+                </a:ln>
+                <a:solidFill>
+                  <a:srgbClr val="FFFFFF"/>
+                </a:solidFill>
+                <a:effectLst/>
+                <a:uFillTx/>
+                <a:latin typeface="+mn-lt"/>
+                <a:ea typeface="+mn-ea"/>
+                <a:cs typeface="+mn-cs"/>
+                <a:sym typeface="Helvetica Light"/>
+              </a:rPr>
+              <a:t>iOS</a:t>
+            </a:r>
+            <a:r>
+              <a:rPr kumimoji="0" lang="zh-CN" altLang="en-US" sz="3800" b="0" i="0" u="none" strike="noStrike" cap="none" spc="0" normalizeH="0" baseline="0" dirty="0" smtClean="0">
+                <a:ln>
+                  <a:noFill/>
+                </a:ln>
+                <a:solidFill>
+                  <a:srgbClr val="FFFFFF"/>
+                </a:solidFill>
+                <a:effectLst/>
+                <a:uFillTx/>
+                <a:latin typeface="+mn-lt"/>
+                <a:ea typeface="+mn-ea"/>
+                <a:cs typeface="+mn-cs"/>
+                <a:sym typeface="Helvetica Light"/>
+              </a:rPr>
+              <a:t>和</a:t>
+            </a:r>
+            <a:r>
+              <a:rPr kumimoji="0" lang="en-US" altLang="zh-CN" sz="3800" b="0" i="0" u="none" strike="noStrike" cap="none" spc="0" normalizeH="0" baseline="0" dirty="0" smtClean="0">
+                <a:ln>
+                  <a:noFill/>
+                </a:ln>
+                <a:solidFill>
+                  <a:srgbClr val="FFFFFF"/>
+                </a:solidFill>
+                <a:effectLst/>
+                <a:uFillTx/>
+                <a:latin typeface="+mn-lt"/>
+                <a:ea typeface="+mn-ea"/>
+                <a:cs typeface="+mn-cs"/>
+                <a:sym typeface="Helvetica Light"/>
+              </a:rPr>
+              <a:t>Android</a:t>
+            </a:r>
+            <a:r>
+              <a:rPr kumimoji="0" lang="zh-CN" altLang="en-US" sz="3800" b="0" i="0" u="none" strike="noStrike" cap="none" spc="0" normalizeH="0" baseline="0" dirty="0" smtClean="0">
+                <a:ln>
+                  <a:noFill/>
+                </a:ln>
+                <a:solidFill>
+                  <a:srgbClr val="FFFFFF"/>
+                </a:solidFill>
+                <a:effectLst/>
+                <a:uFillTx/>
+                <a:latin typeface="+mn-lt"/>
+                <a:ea typeface="+mn-ea"/>
+                <a:cs typeface="+mn-cs"/>
+                <a:sym typeface="Helvetica Light"/>
+              </a:rPr>
+              <a:t>都较低</a:t>
+            </a:r>
+            <a:endParaRPr kumimoji="0" lang="zh-CN" altLang="en-US" sz="3800" b="0" i="0" u="none" strike="noStrike" cap="none" spc="0" normalizeH="0" baseline="0" dirty="0">
+              <a:ln>
+                <a:noFill/>
+              </a:ln>
+              <a:solidFill>
+                <a:srgbClr val="FFFFFF"/>
+              </a:solidFill>
+              <a:effectLst/>
+              <a:uFillTx/>
+              <a:latin typeface="+mn-lt"/>
+              <a:ea typeface="+mn-ea"/>
+              <a:cs typeface="+mn-cs"/>
+              <a:sym typeface="Helvetica Light"/>
+            </a:endParaRPr>
           </a:p>
         </p:txBody>
       </p:sp>
     </p:spTree>
     <p:extLst>
       <p:ext uri="{BB962C8B-B14F-4D97-AF65-F5344CB8AC3E}">
-        <p14:creationId xmlns:p14="http://schemas.microsoft.com/office/powerpoint/2010/main" val="1002102588"/>
+        <p14:creationId xmlns:p14="http://schemas.microsoft.com/office/powerpoint/2010/main" val="1642842432"/>
       </p:ext>
     </p:extLst>
   </p:cSld>
@@ -10446,6 +13648,13 @@
     <a:masterClrMapping/>
   </p:clrMapOvr>
   <p:transition spd="med"/>
+  <p:timing>
+    <p:tnLst>
+      <p:par>
+        <p:cTn id="1" dur="indefinite" restart="never" nodeType="tmRoot"/>
+      </p:par>
+    </p:tnLst>
+  </p:timing>
 </p:sld>
 </file>
 
@@ -10466,935 +13675,10 @@
           <a:chExt cx="0" cy="0"/>
         </a:xfrm>
       </p:grpSpPr>
-      <p:sp>
-        <p:nvSpPr>
-          <p:cNvPr id="3" name="二、新增用户"/>
-          <p:cNvSpPr txBox="1">
-            <a:spLocks/>
-          </p:cNvSpPr>
-          <p:nvPr/>
-        </p:nvSpPr>
-        <p:spPr>
-          <a:xfrm>
-            <a:off x="1012422" y="561718"/>
-            <a:ext cx="10464800" cy="800646"/>
-          </a:xfrm>
-          <a:prstGeom prst="rect">
-            <a:avLst/>
-          </a:prstGeom>
-          <a:ln w="12700">
-            <a:miter lim="400000"/>
-          </a:ln>
-          <a:extLst>
-            <a:ext uri="{C572A759-6A51-4108-AA02-DFA0A04FC94B}">
-              <ma14:wrappingTextBoxFlag xmlns="" xmlns:ma14="http://schemas.microsoft.com/office/mac/drawingml/2011/main" val="1"/>
-            </a:ext>
-          </a:extLst>
-        </p:spPr>
-        <p:txBody>
-          <a:bodyPr lIns="50800" tIns="50800" rIns="50800" bIns="50800" anchor="b">
-            <a:normAutofit fontScale="97500" lnSpcReduction="10000"/>
-          </a:bodyPr>
-          <a:lstStyle>
-            <a:lvl1pPr marL="0" marR="0" indent="0" algn="l" defTabSz="584200" rtl="0" latinLnBrk="0">
-              <a:lnSpc>
-                <a:spcPct val="100000"/>
-              </a:lnSpc>
-              <a:spcBef>
-                <a:spcPts val="0"/>
-              </a:spcBef>
-              <a:spcAft>
-                <a:spcPts val="0"/>
-              </a:spcAft>
-              <a:buClrTx/>
-              <a:buSzTx/>
-              <a:buFontTx/>
-              <a:buNone/>
-              <a:tabLst/>
-              <a:defRPr sz="4800" b="0" i="0" u="none" strike="noStrike" cap="none" spc="0" baseline="0">
-                <a:ln>
-                  <a:noFill/>
-                </a:ln>
-                <a:solidFill>
-                  <a:srgbClr val="FFFFFF"/>
-                </a:solidFill>
-                <a:uFillTx/>
-                <a:latin typeface="Heiti SC Light"/>
-                <a:ea typeface="Heiti SC Light"/>
-                <a:cs typeface="Heiti SC Light"/>
-                <a:sym typeface="Heiti SC Light"/>
-              </a:defRPr>
-            </a:lvl1pPr>
-            <a:lvl2pPr marL="0" marR="0" indent="228600" algn="ctr" defTabSz="584200" rtl="0" latinLnBrk="0">
-              <a:lnSpc>
-                <a:spcPct val="100000"/>
-              </a:lnSpc>
-              <a:spcBef>
-                <a:spcPts val="0"/>
-              </a:spcBef>
-              <a:spcAft>
-                <a:spcPts val="0"/>
-              </a:spcAft>
-              <a:buClrTx/>
-              <a:buSzTx/>
-              <a:buFontTx/>
-              <a:buNone/>
-              <a:tabLst/>
-              <a:defRPr sz="8000" b="0" i="0" u="none" strike="noStrike" cap="none" spc="0" baseline="0">
-                <a:ln>
-                  <a:noFill/>
-                </a:ln>
-                <a:solidFill>
-                  <a:srgbClr val="FFFFFF"/>
-                </a:solidFill>
-                <a:uFillTx/>
-                <a:latin typeface="+mn-lt"/>
-                <a:ea typeface="+mn-ea"/>
-                <a:cs typeface="+mn-cs"/>
-                <a:sym typeface="Helvetica Light"/>
-              </a:defRPr>
-            </a:lvl2pPr>
-            <a:lvl3pPr marL="0" marR="0" indent="457200" algn="ctr" defTabSz="584200" rtl="0" latinLnBrk="0">
-              <a:lnSpc>
-                <a:spcPct val="100000"/>
-              </a:lnSpc>
-              <a:spcBef>
-                <a:spcPts val="0"/>
-              </a:spcBef>
-              <a:spcAft>
-                <a:spcPts val="0"/>
-              </a:spcAft>
-              <a:buClrTx/>
-              <a:buSzTx/>
-              <a:buFontTx/>
-              <a:buNone/>
-              <a:tabLst/>
-              <a:defRPr sz="8000" b="0" i="0" u="none" strike="noStrike" cap="none" spc="0" baseline="0">
-                <a:ln>
-                  <a:noFill/>
-                </a:ln>
-                <a:solidFill>
-                  <a:srgbClr val="FFFFFF"/>
-                </a:solidFill>
-                <a:uFillTx/>
-                <a:latin typeface="+mn-lt"/>
-                <a:ea typeface="+mn-ea"/>
-                <a:cs typeface="+mn-cs"/>
-                <a:sym typeface="Helvetica Light"/>
-              </a:defRPr>
-            </a:lvl3pPr>
-            <a:lvl4pPr marL="0" marR="0" indent="685800" algn="ctr" defTabSz="584200" rtl="0" latinLnBrk="0">
-              <a:lnSpc>
-                <a:spcPct val="100000"/>
-              </a:lnSpc>
-              <a:spcBef>
-                <a:spcPts val="0"/>
-              </a:spcBef>
-              <a:spcAft>
-                <a:spcPts val="0"/>
-              </a:spcAft>
-              <a:buClrTx/>
-              <a:buSzTx/>
-              <a:buFontTx/>
-              <a:buNone/>
-              <a:tabLst/>
-              <a:defRPr sz="8000" b="0" i="0" u="none" strike="noStrike" cap="none" spc="0" baseline="0">
-                <a:ln>
-                  <a:noFill/>
-                </a:ln>
-                <a:solidFill>
-                  <a:srgbClr val="FFFFFF"/>
-                </a:solidFill>
-                <a:uFillTx/>
-                <a:latin typeface="+mn-lt"/>
-                <a:ea typeface="+mn-ea"/>
-                <a:cs typeface="+mn-cs"/>
-                <a:sym typeface="Helvetica Light"/>
-              </a:defRPr>
-            </a:lvl4pPr>
-            <a:lvl5pPr marL="0" marR="0" indent="914400" algn="ctr" defTabSz="584200" rtl="0" latinLnBrk="0">
-              <a:lnSpc>
-                <a:spcPct val="100000"/>
-              </a:lnSpc>
-              <a:spcBef>
-                <a:spcPts val="0"/>
-              </a:spcBef>
-              <a:spcAft>
-                <a:spcPts val="0"/>
-              </a:spcAft>
-              <a:buClrTx/>
-              <a:buSzTx/>
-              <a:buFontTx/>
-              <a:buNone/>
-              <a:tabLst/>
-              <a:defRPr sz="8000" b="0" i="0" u="none" strike="noStrike" cap="none" spc="0" baseline="0">
-                <a:ln>
-                  <a:noFill/>
-                </a:ln>
-                <a:solidFill>
-                  <a:srgbClr val="FFFFFF"/>
-                </a:solidFill>
-                <a:uFillTx/>
-                <a:latin typeface="+mn-lt"/>
-                <a:ea typeface="+mn-ea"/>
-                <a:cs typeface="+mn-cs"/>
-                <a:sym typeface="Helvetica Light"/>
-              </a:defRPr>
-            </a:lvl5pPr>
-            <a:lvl6pPr marL="0" marR="0" indent="1143000" algn="ctr" defTabSz="584200" rtl="0" latinLnBrk="0">
-              <a:lnSpc>
-                <a:spcPct val="100000"/>
-              </a:lnSpc>
-              <a:spcBef>
-                <a:spcPts val="0"/>
-              </a:spcBef>
-              <a:spcAft>
-                <a:spcPts val="0"/>
-              </a:spcAft>
-              <a:buClrTx/>
-              <a:buSzTx/>
-              <a:buFontTx/>
-              <a:buNone/>
-              <a:tabLst/>
-              <a:defRPr sz="8000" b="0" i="0" u="none" strike="noStrike" cap="none" spc="0" baseline="0">
-                <a:ln>
-                  <a:noFill/>
-                </a:ln>
-                <a:solidFill>
-                  <a:srgbClr val="FFFFFF"/>
-                </a:solidFill>
-                <a:uFillTx/>
-                <a:latin typeface="+mn-lt"/>
-                <a:ea typeface="+mn-ea"/>
-                <a:cs typeface="+mn-cs"/>
-                <a:sym typeface="Helvetica Light"/>
-              </a:defRPr>
-            </a:lvl6pPr>
-            <a:lvl7pPr marL="0" marR="0" indent="1371600" algn="ctr" defTabSz="584200" rtl="0" latinLnBrk="0">
-              <a:lnSpc>
-                <a:spcPct val="100000"/>
-              </a:lnSpc>
-              <a:spcBef>
-                <a:spcPts val="0"/>
-              </a:spcBef>
-              <a:spcAft>
-                <a:spcPts val="0"/>
-              </a:spcAft>
-              <a:buClrTx/>
-              <a:buSzTx/>
-              <a:buFontTx/>
-              <a:buNone/>
-              <a:tabLst/>
-              <a:defRPr sz="8000" b="0" i="0" u="none" strike="noStrike" cap="none" spc="0" baseline="0">
-                <a:ln>
-                  <a:noFill/>
-                </a:ln>
-                <a:solidFill>
-                  <a:srgbClr val="FFFFFF"/>
-                </a:solidFill>
-                <a:uFillTx/>
-                <a:latin typeface="+mn-lt"/>
-                <a:ea typeface="+mn-ea"/>
-                <a:cs typeface="+mn-cs"/>
-                <a:sym typeface="Helvetica Light"/>
-              </a:defRPr>
-            </a:lvl7pPr>
-            <a:lvl8pPr marL="0" marR="0" indent="1600200" algn="ctr" defTabSz="584200" rtl="0" latinLnBrk="0">
-              <a:lnSpc>
-                <a:spcPct val="100000"/>
-              </a:lnSpc>
-              <a:spcBef>
-                <a:spcPts val="0"/>
-              </a:spcBef>
-              <a:spcAft>
-                <a:spcPts val="0"/>
-              </a:spcAft>
-              <a:buClrTx/>
-              <a:buSzTx/>
-              <a:buFontTx/>
-              <a:buNone/>
-              <a:tabLst/>
-              <a:defRPr sz="8000" b="0" i="0" u="none" strike="noStrike" cap="none" spc="0" baseline="0">
-                <a:ln>
-                  <a:noFill/>
-                </a:ln>
-                <a:solidFill>
-                  <a:srgbClr val="FFFFFF"/>
-                </a:solidFill>
-                <a:uFillTx/>
-                <a:latin typeface="+mn-lt"/>
-                <a:ea typeface="+mn-ea"/>
-                <a:cs typeface="+mn-cs"/>
-                <a:sym typeface="Helvetica Light"/>
-              </a:defRPr>
-            </a:lvl8pPr>
-            <a:lvl9pPr marL="0" marR="0" indent="1828800" algn="ctr" defTabSz="584200" rtl="0" latinLnBrk="0">
-              <a:lnSpc>
-                <a:spcPct val="100000"/>
-              </a:lnSpc>
-              <a:spcBef>
-                <a:spcPts val="0"/>
-              </a:spcBef>
-              <a:spcAft>
-                <a:spcPts val="0"/>
-              </a:spcAft>
-              <a:buClrTx/>
-              <a:buSzTx/>
-              <a:buFontTx/>
-              <a:buNone/>
-              <a:tabLst/>
-              <a:defRPr sz="8000" b="0" i="0" u="none" strike="noStrike" cap="none" spc="0" baseline="0">
-                <a:ln>
-                  <a:noFill/>
-                </a:ln>
-                <a:solidFill>
-                  <a:srgbClr val="FFFFFF"/>
-                </a:solidFill>
-                <a:uFillTx/>
-                <a:latin typeface="+mn-lt"/>
-                <a:ea typeface="+mn-ea"/>
-                <a:cs typeface="+mn-cs"/>
-                <a:sym typeface="Helvetica Light"/>
-              </a:defRPr>
-            </a:lvl9pPr>
-          </a:lstStyle>
-          <a:p>
-            <a:pPr hangingPunct="1"/>
-            <a:r>
-              <a:rPr lang="zh-CN" altLang="en-US" dirty="0" smtClean="0"/>
-              <a:t>地域分布</a:t>
-            </a:r>
-            <a:endParaRPr lang="zh-CN" altLang="en-US" dirty="0"/>
-          </a:p>
-        </p:txBody>
-      </p:sp>
-      <p:grpSp>
-        <p:nvGrpSpPr>
-          <p:cNvPr id="9" name="组合 8"/>
-          <p:cNvGrpSpPr/>
-          <p:nvPr/>
-        </p:nvGrpSpPr>
-        <p:grpSpPr>
-          <a:xfrm>
-            <a:off x="403583" y="2420736"/>
-            <a:ext cx="12601217" cy="4882032"/>
-            <a:chOff x="403583" y="3129074"/>
-            <a:chExt cx="12601217" cy="4882032"/>
-          </a:xfrm>
-        </p:grpSpPr>
-        <p:pic>
-          <p:nvPicPr>
-            <p:cNvPr id="2" name="图片 1"/>
-            <p:cNvPicPr>
-              <a:picLocks noChangeAspect="1"/>
-            </p:cNvPicPr>
-            <p:nvPr/>
-          </p:nvPicPr>
-          <p:blipFill>
-            <a:blip r:embed="rId2"/>
-            <a:stretch>
-              <a:fillRect/>
-            </a:stretch>
-          </p:blipFill>
-          <p:spPr>
-            <a:xfrm>
-              <a:off x="403583" y="3129074"/>
-              <a:ext cx="12249150" cy="4882032"/>
-            </a:xfrm>
-            <a:prstGeom prst="rect">
-              <a:avLst/>
-            </a:prstGeom>
-          </p:spPr>
-        </p:pic>
-        <p:sp>
-          <p:nvSpPr>
-            <p:cNvPr id="5" name="文本框 4"/>
-            <p:cNvSpPr txBox="1"/>
-            <p:nvPr/>
-          </p:nvSpPr>
-          <p:spPr>
-            <a:xfrm>
-              <a:off x="11387212" y="3297257"/>
-              <a:ext cx="1617588" cy="348813"/>
-            </a:xfrm>
-            <a:prstGeom prst="rect">
-              <a:avLst/>
-            </a:prstGeom>
-            <a:noFill/>
-            <a:ln w="12700" cap="flat">
-              <a:noFill/>
-              <a:miter lim="400000"/>
-            </a:ln>
-            <a:effectLst/>
-            <a:sp3d/>
-          </p:spPr>
-          <p:style>
-            <a:lnRef idx="0">
-              <a:scrgbClr r="0" g="0" b="0"/>
-            </a:lnRef>
-            <a:fillRef idx="0">
-              <a:scrgbClr r="0" g="0" b="0"/>
-            </a:fillRef>
-            <a:effectRef idx="0">
-              <a:scrgbClr r="0" g="0" b="0"/>
-            </a:effectRef>
-            <a:fontRef idx="none"/>
-          </p:style>
-          <p:txBody>
-            <a:bodyPr rot="0" spcFirstLastPara="1" vertOverflow="overflow" horzOverflow="overflow" vert="horz" wrap="square" lIns="50800" tIns="50800" rIns="50800" bIns="50800" numCol="1" spcCol="38100" rtlCol="0" anchor="ctr">
-              <a:spAutoFit/>
-            </a:bodyPr>
-            <a:lstStyle/>
-            <a:p>
-              <a:pPr marL="0" marR="0" indent="0" algn="ctr" defTabSz="584200" rtl="0" fontAlgn="auto" latinLnBrk="0" hangingPunct="0">
-                <a:lnSpc>
-                  <a:spcPct val="100000"/>
-                </a:lnSpc>
-                <a:spcBef>
-                  <a:spcPts val="0"/>
-                </a:spcBef>
-                <a:spcAft>
-                  <a:spcPts val="0"/>
-                </a:spcAft>
-                <a:buClrTx/>
-                <a:buSzTx/>
-                <a:buFontTx/>
-                <a:buNone/>
-                <a:tabLst/>
-              </a:pPr>
-              <a:r>
-                <a:rPr kumimoji="0" lang="en-US" altLang="zh-CN" sz="1600" b="0" i="0" u="none" strike="noStrike" cap="none" spc="0" normalizeH="0" baseline="0" dirty="0" smtClean="0">
-                  <a:ln>
-                    <a:noFill/>
-                  </a:ln>
-                  <a:solidFill>
-                    <a:schemeClr val="accent1">
-                      <a:lumMod val="50000"/>
-                    </a:schemeClr>
-                  </a:solidFill>
-                  <a:effectLst/>
-                  <a:uFillTx/>
-                  <a:latin typeface="黑体" panose="02010609060101010101" pitchFamily="49" charset="-122"/>
-                  <a:ea typeface="黑体" panose="02010609060101010101" pitchFamily="49" charset="-122"/>
-                  <a:sym typeface="Helvetica Light"/>
-                </a:rPr>
-                <a:t>14.5%</a:t>
-              </a:r>
-              <a:endParaRPr kumimoji="0" lang="zh-CN" altLang="en-US" sz="1600" b="0" i="0" u="none" strike="noStrike" cap="none" spc="0" normalizeH="0" baseline="0" dirty="0">
-                <a:ln>
-                  <a:noFill/>
-                </a:ln>
-                <a:solidFill>
-                  <a:schemeClr val="accent1">
-                    <a:lumMod val="50000"/>
-                  </a:schemeClr>
-                </a:solidFill>
-                <a:effectLst/>
-                <a:uFillTx/>
-                <a:latin typeface="黑体" panose="02010609060101010101" pitchFamily="49" charset="-122"/>
-                <a:ea typeface="黑体" panose="02010609060101010101" pitchFamily="49" charset="-122"/>
-                <a:sym typeface="Helvetica Light"/>
-              </a:endParaRPr>
-            </a:p>
-          </p:txBody>
-        </p:sp>
-        <p:sp>
-          <p:nvSpPr>
-            <p:cNvPr id="6" name="文本框 5"/>
-            <p:cNvSpPr txBox="1"/>
-            <p:nvPr/>
-          </p:nvSpPr>
-          <p:spPr>
-            <a:xfrm>
-              <a:off x="8417599" y="3607433"/>
-              <a:ext cx="1915978" cy="348813"/>
-            </a:xfrm>
-            <a:prstGeom prst="rect">
-              <a:avLst/>
-            </a:prstGeom>
-            <a:noFill/>
-            <a:ln w="12700" cap="flat">
-              <a:noFill/>
-              <a:miter lim="400000"/>
-            </a:ln>
-            <a:effectLst/>
-            <a:sp3d/>
-          </p:spPr>
-          <p:style>
-            <a:lnRef idx="0">
-              <a:scrgbClr r="0" g="0" b="0"/>
-            </a:lnRef>
-            <a:fillRef idx="0">
-              <a:scrgbClr r="0" g="0" b="0"/>
-            </a:fillRef>
-            <a:effectRef idx="0">
-              <a:scrgbClr r="0" g="0" b="0"/>
-            </a:effectRef>
-            <a:fontRef idx="none"/>
-          </p:style>
-          <p:txBody>
-            <a:bodyPr rot="0" spcFirstLastPara="1" vertOverflow="overflow" horzOverflow="overflow" vert="horz" wrap="square" lIns="50800" tIns="50800" rIns="50800" bIns="50800" numCol="1" spcCol="38100" rtlCol="0" anchor="ctr">
-              <a:spAutoFit/>
-            </a:bodyPr>
-            <a:lstStyle/>
-            <a:p>
-              <a:pPr marL="0" marR="0" indent="0" algn="ctr" defTabSz="584200" rtl="0" fontAlgn="auto" latinLnBrk="0" hangingPunct="0">
-                <a:lnSpc>
-                  <a:spcPct val="100000"/>
-                </a:lnSpc>
-                <a:spcBef>
-                  <a:spcPts val="0"/>
-                </a:spcBef>
-                <a:spcAft>
-                  <a:spcPts val="0"/>
-                </a:spcAft>
-                <a:buClrTx/>
-                <a:buSzTx/>
-                <a:buFontTx/>
-                <a:buNone/>
-                <a:tabLst/>
-              </a:pPr>
-              <a:r>
-                <a:rPr kumimoji="0" lang="en-US" altLang="zh-CN" sz="1600" b="0" i="0" u="none" strike="noStrike" cap="none" spc="0" normalizeH="0" baseline="0" dirty="0" smtClean="0">
-                  <a:ln>
-                    <a:noFill/>
-                  </a:ln>
-                  <a:solidFill>
-                    <a:schemeClr val="accent1">
-                      <a:lumMod val="50000"/>
-                    </a:schemeClr>
-                  </a:solidFill>
-                  <a:effectLst/>
-                  <a:uFillTx/>
-                  <a:latin typeface="黑体" panose="02010609060101010101" pitchFamily="49" charset="-122"/>
-                  <a:ea typeface="黑体" panose="02010609060101010101" pitchFamily="49" charset="-122"/>
-                  <a:sym typeface="Helvetica Light"/>
-                </a:rPr>
-                <a:t>10.54%</a:t>
-              </a:r>
-              <a:endParaRPr kumimoji="0" lang="zh-CN" altLang="en-US" sz="1600" b="0" i="0" u="none" strike="noStrike" cap="none" spc="0" normalizeH="0" baseline="0" dirty="0">
-                <a:ln>
-                  <a:noFill/>
-                </a:ln>
-                <a:solidFill>
-                  <a:schemeClr val="accent1">
-                    <a:lumMod val="50000"/>
-                  </a:schemeClr>
-                </a:solidFill>
-                <a:effectLst/>
-                <a:uFillTx/>
-                <a:latin typeface="黑体" panose="02010609060101010101" pitchFamily="49" charset="-122"/>
-                <a:ea typeface="黑体" panose="02010609060101010101" pitchFamily="49" charset="-122"/>
-                <a:sym typeface="Helvetica Light"/>
-              </a:endParaRPr>
-            </a:p>
-          </p:txBody>
-        </p:sp>
-        <p:sp>
-          <p:nvSpPr>
-            <p:cNvPr id="7" name="文本框 6"/>
-            <p:cNvSpPr txBox="1"/>
-            <p:nvPr/>
-          </p:nvSpPr>
-          <p:spPr>
-            <a:xfrm>
-              <a:off x="7608805" y="3942722"/>
-              <a:ext cx="1617588" cy="348813"/>
-            </a:xfrm>
-            <a:prstGeom prst="rect">
-              <a:avLst/>
-            </a:prstGeom>
-            <a:noFill/>
-            <a:ln w="12700" cap="flat">
-              <a:noFill/>
-              <a:miter lim="400000"/>
-            </a:ln>
-            <a:effectLst/>
-            <a:sp3d/>
-          </p:spPr>
-          <p:style>
-            <a:lnRef idx="0">
-              <a:scrgbClr r="0" g="0" b="0"/>
-            </a:lnRef>
-            <a:fillRef idx="0">
-              <a:scrgbClr r="0" g="0" b="0"/>
-            </a:fillRef>
-            <a:effectRef idx="0">
-              <a:scrgbClr r="0" g="0" b="0"/>
-            </a:effectRef>
-            <a:fontRef idx="none"/>
-          </p:style>
-          <p:txBody>
-            <a:bodyPr rot="0" spcFirstLastPara="1" vertOverflow="overflow" horzOverflow="overflow" vert="horz" wrap="square" lIns="50800" tIns="50800" rIns="50800" bIns="50800" numCol="1" spcCol="38100" rtlCol="0" anchor="ctr">
-              <a:spAutoFit/>
-            </a:bodyPr>
-            <a:lstStyle/>
-            <a:p>
-              <a:pPr marL="0" marR="0" indent="0" algn="ctr" defTabSz="584200" rtl="0" fontAlgn="auto" latinLnBrk="0" hangingPunct="0">
-                <a:lnSpc>
-                  <a:spcPct val="100000"/>
-                </a:lnSpc>
-                <a:spcBef>
-                  <a:spcPts val="0"/>
-                </a:spcBef>
-                <a:spcAft>
-                  <a:spcPts val="0"/>
-                </a:spcAft>
-                <a:buClrTx/>
-                <a:buSzTx/>
-                <a:buFontTx/>
-                <a:buNone/>
-                <a:tabLst/>
-              </a:pPr>
-              <a:r>
-                <a:rPr kumimoji="0" lang="en-US" altLang="zh-CN" sz="1600" b="0" i="0" u="none" strike="noStrike" cap="none" spc="0" normalizeH="0" baseline="0" dirty="0" smtClean="0">
-                  <a:ln>
-                    <a:noFill/>
-                  </a:ln>
-                  <a:solidFill>
-                    <a:schemeClr val="accent1">
-                      <a:lumMod val="50000"/>
-                    </a:schemeClr>
-                  </a:solidFill>
-                  <a:effectLst/>
-                  <a:uFillTx/>
-                  <a:latin typeface="黑体" panose="02010609060101010101" pitchFamily="49" charset="-122"/>
-                  <a:ea typeface="黑体" panose="02010609060101010101" pitchFamily="49" charset="-122"/>
-                  <a:sym typeface="Helvetica Light"/>
-                </a:rPr>
-                <a:t>9.26%</a:t>
-              </a:r>
-              <a:endParaRPr kumimoji="0" lang="zh-CN" altLang="en-US" sz="1600" b="0" i="0" u="none" strike="noStrike" cap="none" spc="0" normalizeH="0" baseline="0" dirty="0">
-                <a:ln>
-                  <a:noFill/>
-                </a:ln>
-                <a:solidFill>
-                  <a:schemeClr val="accent1">
-                    <a:lumMod val="50000"/>
-                  </a:schemeClr>
-                </a:solidFill>
-                <a:effectLst/>
-                <a:uFillTx/>
-                <a:latin typeface="黑体" panose="02010609060101010101" pitchFamily="49" charset="-122"/>
-                <a:ea typeface="黑体" panose="02010609060101010101" pitchFamily="49" charset="-122"/>
-                <a:sym typeface="Helvetica Light"/>
-              </a:endParaRPr>
-            </a:p>
-          </p:txBody>
-        </p:sp>
-      </p:grpSp>
-      <p:sp>
-        <p:nvSpPr>
-          <p:cNvPr id="10" name="本次统计时间段为2017年7月24至7月30日"/>
-          <p:cNvSpPr txBox="1">
-            <a:spLocks/>
-          </p:cNvSpPr>
-          <p:nvPr/>
-        </p:nvSpPr>
-        <p:spPr>
-          <a:xfrm>
-            <a:off x="6597629" y="3565939"/>
-            <a:ext cx="758424" cy="491302"/>
-          </a:xfrm>
-          <a:prstGeom prst="rect">
-            <a:avLst/>
-          </a:prstGeom>
-        </p:spPr>
-        <p:txBody>
-          <a:bodyPr>
-            <a:noAutofit/>
-          </a:bodyPr>
-          <a:lstStyle>
-            <a:lvl1pPr marL="457200" marR="0" indent="-457200" algn="l" defTabSz="584200" rtl="0" latinLnBrk="0">
-              <a:lnSpc>
-                <a:spcPct val="100000"/>
-              </a:lnSpc>
-              <a:spcBef>
-                <a:spcPts val="4200"/>
-              </a:spcBef>
-              <a:spcAft>
-                <a:spcPts val="0"/>
-              </a:spcAft>
-              <a:buClrTx/>
-              <a:buSzPct val="75000"/>
-              <a:buFontTx/>
-              <a:buChar char="•"/>
-              <a:tabLst/>
-              <a:defRPr sz="3800" b="0" i="0" u="none" strike="noStrike" cap="none" spc="0" baseline="0">
-                <a:ln>
-                  <a:noFill/>
-                </a:ln>
-                <a:solidFill>
-                  <a:srgbClr val="D6D6D6"/>
-                </a:solidFill>
-                <a:uFillTx/>
-                <a:latin typeface="Heiti SC Light"/>
-                <a:ea typeface="Heiti SC Light"/>
-                <a:cs typeface="Heiti SC Light"/>
-                <a:sym typeface="Heiti SC Light"/>
-              </a:defRPr>
-            </a:lvl1pPr>
-            <a:lvl2pPr marL="914400" marR="0" indent="-457200" algn="l" defTabSz="584200" rtl="0" latinLnBrk="0">
-              <a:lnSpc>
-                <a:spcPct val="100000"/>
-              </a:lnSpc>
-              <a:spcBef>
-                <a:spcPts val="4200"/>
-              </a:spcBef>
-              <a:spcAft>
-                <a:spcPts val="0"/>
-              </a:spcAft>
-              <a:buClrTx/>
-              <a:buSzPct val="75000"/>
-              <a:buFontTx/>
-              <a:buChar char="•"/>
-              <a:tabLst/>
-              <a:defRPr sz="3800" b="0" i="0" u="none" strike="noStrike" cap="none" spc="0" baseline="0">
-                <a:ln>
-                  <a:noFill/>
-                </a:ln>
-                <a:solidFill>
-                  <a:srgbClr val="FFFFFF"/>
-                </a:solidFill>
-                <a:uFillTx/>
-                <a:latin typeface="+mn-lt"/>
-                <a:ea typeface="+mn-ea"/>
-                <a:cs typeface="+mn-cs"/>
-                <a:sym typeface="Helvetica Light"/>
-              </a:defRPr>
-            </a:lvl2pPr>
-            <a:lvl3pPr marL="1371600" marR="0" indent="-457200" algn="l" defTabSz="584200" rtl="0" latinLnBrk="0">
-              <a:lnSpc>
-                <a:spcPct val="100000"/>
-              </a:lnSpc>
-              <a:spcBef>
-                <a:spcPts val="4200"/>
-              </a:spcBef>
-              <a:spcAft>
-                <a:spcPts val="0"/>
-              </a:spcAft>
-              <a:buClrTx/>
-              <a:buSzPct val="75000"/>
-              <a:buFontTx/>
-              <a:buChar char="•"/>
-              <a:tabLst/>
-              <a:defRPr sz="3800" b="0" i="0" u="none" strike="noStrike" cap="none" spc="0" baseline="0">
-                <a:ln>
-                  <a:noFill/>
-                </a:ln>
-                <a:solidFill>
-                  <a:srgbClr val="FFFFFF"/>
-                </a:solidFill>
-                <a:uFillTx/>
-                <a:latin typeface="+mn-lt"/>
-                <a:ea typeface="+mn-ea"/>
-                <a:cs typeface="+mn-cs"/>
-                <a:sym typeface="Helvetica Light"/>
-              </a:defRPr>
-            </a:lvl3pPr>
-            <a:lvl4pPr marL="1828800" marR="0" indent="-457200" algn="l" defTabSz="584200" rtl="0" latinLnBrk="0">
-              <a:lnSpc>
-                <a:spcPct val="100000"/>
-              </a:lnSpc>
-              <a:spcBef>
-                <a:spcPts val="4200"/>
-              </a:spcBef>
-              <a:spcAft>
-                <a:spcPts val="0"/>
-              </a:spcAft>
-              <a:buClrTx/>
-              <a:buSzPct val="75000"/>
-              <a:buFontTx/>
-              <a:buChar char="•"/>
-              <a:tabLst/>
-              <a:defRPr sz="3800" b="0" i="0" u="none" strike="noStrike" cap="none" spc="0" baseline="0">
-                <a:ln>
-                  <a:noFill/>
-                </a:ln>
-                <a:solidFill>
-                  <a:srgbClr val="FFFFFF"/>
-                </a:solidFill>
-                <a:uFillTx/>
-                <a:latin typeface="+mn-lt"/>
-                <a:ea typeface="+mn-ea"/>
-                <a:cs typeface="+mn-cs"/>
-                <a:sym typeface="Helvetica Light"/>
-              </a:defRPr>
-            </a:lvl4pPr>
-            <a:lvl5pPr marL="2286000" marR="0" indent="-457200" algn="l" defTabSz="584200" rtl="0" latinLnBrk="0">
-              <a:lnSpc>
-                <a:spcPct val="100000"/>
-              </a:lnSpc>
-              <a:spcBef>
-                <a:spcPts val="4200"/>
-              </a:spcBef>
-              <a:spcAft>
-                <a:spcPts val="0"/>
-              </a:spcAft>
-              <a:buClrTx/>
-              <a:buSzPct val="75000"/>
-              <a:buFontTx/>
-              <a:buChar char="•"/>
-              <a:tabLst/>
-              <a:defRPr sz="3800" b="0" i="0" u="none" strike="noStrike" cap="none" spc="0" baseline="0">
-                <a:ln>
-                  <a:noFill/>
-                </a:ln>
-                <a:solidFill>
-                  <a:srgbClr val="FFFFFF"/>
-                </a:solidFill>
-                <a:uFillTx/>
-                <a:latin typeface="+mn-lt"/>
-                <a:ea typeface="+mn-ea"/>
-                <a:cs typeface="+mn-cs"/>
-                <a:sym typeface="Helvetica Light"/>
-              </a:defRPr>
-            </a:lvl5pPr>
-            <a:lvl6pPr marL="2743200" marR="0" indent="-457200" algn="l" defTabSz="584200" rtl="0" latinLnBrk="0">
-              <a:lnSpc>
-                <a:spcPct val="100000"/>
-              </a:lnSpc>
-              <a:spcBef>
-                <a:spcPts val="4200"/>
-              </a:spcBef>
-              <a:spcAft>
-                <a:spcPts val="0"/>
-              </a:spcAft>
-              <a:buClrTx/>
-              <a:buSzPct val="75000"/>
-              <a:buFontTx/>
-              <a:buChar char="•"/>
-              <a:tabLst/>
-              <a:defRPr sz="3800" b="0" i="0" u="none" strike="noStrike" cap="none" spc="0" baseline="0">
-                <a:ln>
-                  <a:noFill/>
-                </a:ln>
-                <a:solidFill>
-                  <a:srgbClr val="FFFFFF"/>
-                </a:solidFill>
-                <a:uFillTx/>
-                <a:latin typeface="+mn-lt"/>
-                <a:ea typeface="+mn-ea"/>
-                <a:cs typeface="+mn-cs"/>
-                <a:sym typeface="Helvetica Light"/>
-              </a:defRPr>
-            </a:lvl6pPr>
-            <a:lvl7pPr marL="3200400" marR="0" indent="-457200" algn="l" defTabSz="584200" rtl="0" latinLnBrk="0">
-              <a:lnSpc>
-                <a:spcPct val="100000"/>
-              </a:lnSpc>
-              <a:spcBef>
-                <a:spcPts val="4200"/>
-              </a:spcBef>
-              <a:spcAft>
-                <a:spcPts val="0"/>
-              </a:spcAft>
-              <a:buClrTx/>
-              <a:buSzPct val="75000"/>
-              <a:buFontTx/>
-              <a:buChar char="•"/>
-              <a:tabLst/>
-              <a:defRPr sz="3800" b="0" i="0" u="none" strike="noStrike" cap="none" spc="0" baseline="0">
-                <a:ln>
-                  <a:noFill/>
-                </a:ln>
-                <a:solidFill>
-                  <a:srgbClr val="FFFFFF"/>
-                </a:solidFill>
-                <a:uFillTx/>
-                <a:latin typeface="+mn-lt"/>
-                <a:ea typeface="+mn-ea"/>
-                <a:cs typeface="+mn-cs"/>
-                <a:sym typeface="Helvetica Light"/>
-              </a:defRPr>
-            </a:lvl7pPr>
-            <a:lvl8pPr marL="3657600" marR="0" indent="-457200" algn="l" defTabSz="584200" rtl="0" latinLnBrk="0">
-              <a:lnSpc>
-                <a:spcPct val="100000"/>
-              </a:lnSpc>
-              <a:spcBef>
-                <a:spcPts val="4200"/>
-              </a:spcBef>
-              <a:spcAft>
-                <a:spcPts val="0"/>
-              </a:spcAft>
-              <a:buClrTx/>
-              <a:buSzPct val="75000"/>
-              <a:buFontTx/>
-              <a:buChar char="•"/>
-              <a:tabLst/>
-              <a:defRPr sz="3800" b="0" i="0" u="none" strike="noStrike" cap="none" spc="0" baseline="0">
-                <a:ln>
-                  <a:noFill/>
-                </a:ln>
-                <a:solidFill>
-                  <a:srgbClr val="FFFFFF"/>
-                </a:solidFill>
-                <a:uFillTx/>
-                <a:latin typeface="+mn-lt"/>
-                <a:ea typeface="+mn-ea"/>
-                <a:cs typeface="+mn-cs"/>
-                <a:sym typeface="Helvetica Light"/>
-              </a:defRPr>
-            </a:lvl8pPr>
-            <a:lvl9pPr marL="4114800" marR="0" indent="-457200" algn="l" defTabSz="584200" rtl="0" latinLnBrk="0">
-              <a:lnSpc>
-                <a:spcPct val="100000"/>
-              </a:lnSpc>
-              <a:spcBef>
-                <a:spcPts val="4200"/>
-              </a:spcBef>
-              <a:spcAft>
-                <a:spcPts val="0"/>
-              </a:spcAft>
-              <a:buClrTx/>
-              <a:buSzPct val="75000"/>
-              <a:buFontTx/>
-              <a:buChar char="•"/>
-              <a:tabLst/>
-              <a:defRPr sz="3800" b="0" i="0" u="none" strike="noStrike" cap="none" spc="0" baseline="0">
-                <a:ln>
-                  <a:noFill/>
-                </a:ln>
-                <a:solidFill>
-                  <a:srgbClr val="FFFFFF"/>
-                </a:solidFill>
-                <a:uFillTx/>
-                <a:latin typeface="+mn-lt"/>
-                <a:ea typeface="+mn-ea"/>
-                <a:cs typeface="+mn-cs"/>
-                <a:sym typeface="Helvetica Light"/>
-              </a:defRPr>
-            </a:lvl9pPr>
-          </a:lstStyle>
-          <a:p>
-            <a:pPr marL="0" indent="0" hangingPunct="1">
-              <a:buNone/>
-            </a:pPr>
-            <a:r>
-              <a:rPr lang="en-US" altLang="zh-CN" sz="2800" dirty="0" smtClean="0">
-                <a:solidFill>
-                  <a:schemeClr val="accent1">
-                    <a:lumMod val="50000"/>
-                  </a:schemeClr>
-                </a:solidFill>
-              </a:rPr>
-              <a:t>23%</a:t>
-            </a:r>
-            <a:endParaRPr lang="zh-CN" altLang="en-US" sz="2800" dirty="0">
-              <a:solidFill>
-                <a:schemeClr val="accent1">
-                  <a:lumMod val="50000"/>
-                </a:schemeClr>
-              </a:solidFill>
-            </a:endParaRPr>
-          </a:p>
-        </p:txBody>
-      </p:sp>
     </p:spTree>
     <p:extLst>
       <p:ext uri="{BB962C8B-B14F-4D97-AF65-F5344CB8AC3E}">
-        <p14:creationId xmlns:p14="http://schemas.microsoft.com/office/powerpoint/2010/main" val="4081715084"/>
+        <p14:creationId xmlns:p14="http://schemas.microsoft.com/office/powerpoint/2010/main" val="3245712226"/>
       </p:ext>
     </p:extLst>
   </p:cSld>
@@ -11402,654 +13686,13 @@
     <a:masterClrMapping/>
   </p:clrMapOvr>
   <p:transition spd="med"/>
-</p:sld>
-</file>
-
-<file path=ppt/slides/slide7.xml><?xml version="1.0" encoding="utf-8"?>
-<p:sld xmlns:a="http://schemas.openxmlformats.org/drawingml/2006/main" xmlns:r="http://schemas.openxmlformats.org/officeDocument/2006/relationships" xmlns:p="http://schemas.openxmlformats.org/presentationml/2006/main">
-  <p:cSld>
-    <p:spTree>
-      <p:nvGrpSpPr>
-        <p:cNvPr id="1" name=""/>
-        <p:cNvGrpSpPr/>
-        <p:nvPr/>
-      </p:nvGrpSpPr>
-      <p:grpSpPr>
-        <a:xfrm>
-          <a:off x="0" y="0"/>
-          <a:ext cx="0" cy="0"/>
-          <a:chOff x="0" y="0"/>
-          <a:chExt cx="0" cy="0"/>
-        </a:xfrm>
-      </p:grpSpPr>
-      <p:sp>
-        <p:nvSpPr>
-          <p:cNvPr id="3" name="二、新增用户"/>
-          <p:cNvSpPr txBox="1">
-            <a:spLocks/>
-          </p:cNvSpPr>
-          <p:nvPr/>
-        </p:nvSpPr>
-        <p:spPr>
-          <a:xfrm>
-            <a:off x="1012422" y="561718"/>
-            <a:ext cx="10464800" cy="800646"/>
-          </a:xfrm>
-          <a:prstGeom prst="rect">
-            <a:avLst/>
-          </a:prstGeom>
-          <a:ln w="12700">
-            <a:miter lim="400000"/>
-          </a:ln>
-          <a:extLst>
-            <a:ext uri="{C572A759-6A51-4108-AA02-DFA0A04FC94B}">
-              <ma14:wrappingTextBoxFlag xmlns="" xmlns:ma14="http://schemas.microsoft.com/office/mac/drawingml/2011/main" val="1"/>
-            </a:ext>
-          </a:extLst>
-        </p:spPr>
-        <p:txBody>
-          <a:bodyPr lIns="50800" tIns="50800" rIns="50800" bIns="50800" anchor="b">
-            <a:normAutofit fontScale="97500" lnSpcReduction="10000"/>
-          </a:bodyPr>
-          <a:lstStyle>
-            <a:lvl1pPr marL="0" marR="0" indent="0" algn="l" defTabSz="584200" rtl="0" latinLnBrk="0">
-              <a:lnSpc>
-                <a:spcPct val="100000"/>
-              </a:lnSpc>
-              <a:spcBef>
-                <a:spcPts val="0"/>
-              </a:spcBef>
-              <a:spcAft>
-                <a:spcPts val="0"/>
-              </a:spcAft>
-              <a:buClrTx/>
-              <a:buSzTx/>
-              <a:buFontTx/>
-              <a:buNone/>
-              <a:tabLst/>
-              <a:defRPr sz="4800" b="0" i="0" u="none" strike="noStrike" cap="none" spc="0" baseline="0">
-                <a:ln>
-                  <a:noFill/>
-                </a:ln>
-                <a:solidFill>
-                  <a:srgbClr val="FFFFFF"/>
-                </a:solidFill>
-                <a:uFillTx/>
-                <a:latin typeface="Heiti SC Light"/>
-                <a:ea typeface="Heiti SC Light"/>
-                <a:cs typeface="Heiti SC Light"/>
-                <a:sym typeface="Heiti SC Light"/>
-              </a:defRPr>
-            </a:lvl1pPr>
-            <a:lvl2pPr marL="0" marR="0" indent="228600" algn="ctr" defTabSz="584200" rtl="0" latinLnBrk="0">
-              <a:lnSpc>
-                <a:spcPct val="100000"/>
-              </a:lnSpc>
-              <a:spcBef>
-                <a:spcPts val="0"/>
-              </a:spcBef>
-              <a:spcAft>
-                <a:spcPts val="0"/>
-              </a:spcAft>
-              <a:buClrTx/>
-              <a:buSzTx/>
-              <a:buFontTx/>
-              <a:buNone/>
-              <a:tabLst/>
-              <a:defRPr sz="8000" b="0" i="0" u="none" strike="noStrike" cap="none" spc="0" baseline="0">
-                <a:ln>
-                  <a:noFill/>
-                </a:ln>
-                <a:solidFill>
-                  <a:srgbClr val="FFFFFF"/>
-                </a:solidFill>
-                <a:uFillTx/>
-                <a:latin typeface="+mn-lt"/>
-                <a:ea typeface="+mn-ea"/>
-                <a:cs typeface="+mn-cs"/>
-                <a:sym typeface="Helvetica Light"/>
-              </a:defRPr>
-            </a:lvl2pPr>
-            <a:lvl3pPr marL="0" marR="0" indent="457200" algn="ctr" defTabSz="584200" rtl="0" latinLnBrk="0">
-              <a:lnSpc>
-                <a:spcPct val="100000"/>
-              </a:lnSpc>
-              <a:spcBef>
-                <a:spcPts val="0"/>
-              </a:spcBef>
-              <a:spcAft>
-                <a:spcPts val="0"/>
-              </a:spcAft>
-              <a:buClrTx/>
-              <a:buSzTx/>
-              <a:buFontTx/>
-              <a:buNone/>
-              <a:tabLst/>
-              <a:defRPr sz="8000" b="0" i="0" u="none" strike="noStrike" cap="none" spc="0" baseline="0">
-                <a:ln>
-                  <a:noFill/>
-                </a:ln>
-                <a:solidFill>
-                  <a:srgbClr val="FFFFFF"/>
-                </a:solidFill>
-                <a:uFillTx/>
-                <a:latin typeface="+mn-lt"/>
-                <a:ea typeface="+mn-ea"/>
-                <a:cs typeface="+mn-cs"/>
-                <a:sym typeface="Helvetica Light"/>
-              </a:defRPr>
-            </a:lvl3pPr>
-            <a:lvl4pPr marL="0" marR="0" indent="685800" algn="ctr" defTabSz="584200" rtl="0" latinLnBrk="0">
-              <a:lnSpc>
-                <a:spcPct val="100000"/>
-              </a:lnSpc>
-              <a:spcBef>
-                <a:spcPts val="0"/>
-              </a:spcBef>
-              <a:spcAft>
-                <a:spcPts val="0"/>
-              </a:spcAft>
-              <a:buClrTx/>
-              <a:buSzTx/>
-              <a:buFontTx/>
-              <a:buNone/>
-              <a:tabLst/>
-              <a:defRPr sz="8000" b="0" i="0" u="none" strike="noStrike" cap="none" spc="0" baseline="0">
-                <a:ln>
-                  <a:noFill/>
-                </a:ln>
-                <a:solidFill>
-                  <a:srgbClr val="FFFFFF"/>
-                </a:solidFill>
-                <a:uFillTx/>
-                <a:latin typeface="+mn-lt"/>
-                <a:ea typeface="+mn-ea"/>
-                <a:cs typeface="+mn-cs"/>
-                <a:sym typeface="Helvetica Light"/>
-              </a:defRPr>
-            </a:lvl4pPr>
-            <a:lvl5pPr marL="0" marR="0" indent="914400" algn="ctr" defTabSz="584200" rtl="0" latinLnBrk="0">
-              <a:lnSpc>
-                <a:spcPct val="100000"/>
-              </a:lnSpc>
-              <a:spcBef>
-                <a:spcPts val="0"/>
-              </a:spcBef>
-              <a:spcAft>
-                <a:spcPts val="0"/>
-              </a:spcAft>
-              <a:buClrTx/>
-              <a:buSzTx/>
-              <a:buFontTx/>
-              <a:buNone/>
-              <a:tabLst/>
-              <a:defRPr sz="8000" b="0" i="0" u="none" strike="noStrike" cap="none" spc="0" baseline="0">
-                <a:ln>
-                  <a:noFill/>
-                </a:ln>
-                <a:solidFill>
-                  <a:srgbClr val="FFFFFF"/>
-                </a:solidFill>
-                <a:uFillTx/>
-                <a:latin typeface="+mn-lt"/>
-                <a:ea typeface="+mn-ea"/>
-                <a:cs typeface="+mn-cs"/>
-                <a:sym typeface="Helvetica Light"/>
-              </a:defRPr>
-            </a:lvl5pPr>
-            <a:lvl6pPr marL="0" marR="0" indent="1143000" algn="ctr" defTabSz="584200" rtl="0" latinLnBrk="0">
-              <a:lnSpc>
-                <a:spcPct val="100000"/>
-              </a:lnSpc>
-              <a:spcBef>
-                <a:spcPts val="0"/>
-              </a:spcBef>
-              <a:spcAft>
-                <a:spcPts val="0"/>
-              </a:spcAft>
-              <a:buClrTx/>
-              <a:buSzTx/>
-              <a:buFontTx/>
-              <a:buNone/>
-              <a:tabLst/>
-              <a:defRPr sz="8000" b="0" i="0" u="none" strike="noStrike" cap="none" spc="0" baseline="0">
-                <a:ln>
-                  <a:noFill/>
-                </a:ln>
-                <a:solidFill>
-                  <a:srgbClr val="FFFFFF"/>
-                </a:solidFill>
-                <a:uFillTx/>
-                <a:latin typeface="+mn-lt"/>
-                <a:ea typeface="+mn-ea"/>
-                <a:cs typeface="+mn-cs"/>
-                <a:sym typeface="Helvetica Light"/>
-              </a:defRPr>
-            </a:lvl6pPr>
-            <a:lvl7pPr marL="0" marR="0" indent="1371600" algn="ctr" defTabSz="584200" rtl="0" latinLnBrk="0">
-              <a:lnSpc>
-                <a:spcPct val="100000"/>
-              </a:lnSpc>
-              <a:spcBef>
-                <a:spcPts val="0"/>
-              </a:spcBef>
-              <a:spcAft>
-                <a:spcPts val="0"/>
-              </a:spcAft>
-              <a:buClrTx/>
-              <a:buSzTx/>
-              <a:buFontTx/>
-              <a:buNone/>
-              <a:tabLst/>
-              <a:defRPr sz="8000" b="0" i="0" u="none" strike="noStrike" cap="none" spc="0" baseline="0">
-                <a:ln>
-                  <a:noFill/>
-                </a:ln>
-                <a:solidFill>
-                  <a:srgbClr val="FFFFFF"/>
-                </a:solidFill>
-                <a:uFillTx/>
-                <a:latin typeface="+mn-lt"/>
-                <a:ea typeface="+mn-ea"/>
-                <a:cs typeface="+mn-cs"/>
-                <a:sym typeface="Helvetica Light"/>
-              </a:defRPr>
-            </a:lvl7pPr>
-            <a:lvl8pPr marL="0" marR="0" indent="1600200" algn="ctr" defTabSz="584200" rtl="0" latinLnBrk="0">
-              <a:lnSpc>
-                <a:spcPct val="100000"/>
-              </a:lnSpc>
-              <a:spcBef>
-                <a:spcPts val="0"/>
-              </a:spcBef>
-              <a:spcAft>
-                <a:spcPts val="0"/>
-              </a:spcAft>
-              <a:buClrTx/>
-              <a:buSzTx/>
-              <a:buFontTx/>
-              <a:buNone/>
-              <a:tabLst/>
-              <a:defRPr sz="8000" b="0" i="0" u="none" strike="noStrike" cap="none" spc="0" baseline="0">
-                <a:ln>
-                  <a:noFill/>
-                </a:ln>
-                <a:solidFill>
-                  <a:srgbClr val="FFFFFF"/>
-                </a:solidFill>
-                <a:uFillTx/>
-                <a:latin typeface="+mn-lt"/>
-                <a:ea typeface="+mn-ea"/>
-                <a:cs typeface="+mn-cs"/>
-                <a:sym typeface="Helvetica Light"/>
-              </a:defRPr>
-            </a:lvl8pPr>
-            <a:lvl9pPr marL="0" marR="0" indent="1828800" algn="ctr" defTabSz="584200" rtl="0" latinLnBrk="0">
-              <a:lnSpc>
-                <a:spcPct val="100000"/>
-              </a:lnSpc>
-              <a:spcBef>
-                <a:spcPts val="0"/>
-              </a:spcBef>
-              <a:spcAft>
-                <a:spcPts val="0"/>
-              </a:spcAft>
-              <a:buClrTx/>
-              <a:buSzTx/>
-              <a:buFontTx/>
-              <a:buNone/>
-              <a:tabLst/>
-              <a:defRPr sz="8000" b="0" i="0" u="none" strike="noStrike" cap="none" spc="0" baseline="0">
-                <a:ln>
-                  <a:noFill/>
-                </a:ln>
-                <a:solidFill>
-                  <a:srgbClr val="FFFFFF"/>
-                </a:solidFill>
-                <a:uFillTx/>
-                <a:latin typeface="+mn-lt"/>
-                <a:ea typeface="+mn-ea"/>
-                <a:cs typeface="+mn-cs"/>
-                <a:sym typeface="Helvetica Light"/>
-              </a:defRPr>
-            </a:lvl9pPr>
-          </a:lstStyle>
-          <a:p>
-            <a:pPr hangingPunct="1"/>
-            <a:r>
-              <a:rPr lang="zh-CN" altLang="en-US" dirty="0" smtClean="0"/>
-              <a:t>地域分布</a:t>
-            </a:r>
-            <a:endParaRPr lang="zh-CN" altLang="en-US" dirty="0"/>
-          </a:p>
-        </p:txBody>
-      </p:sp>
-      <p:grpSp>
-        <p:nvGrpSpPr>
-          <p:cNvPr id="9" name="组合 8"/>
-          <p:cNvGrpSpPr/>
-          <p:nvPr/>
-        </p:nvGrpSpPr>
-        <p:grpSpPr>
-          <a:xfrm>
-            <a:off x="403583" y="2420736"/>
-            <a:ext cx="12601217" cy="4882032"/>
-            <a:chOff x="403583" y="3129074"/>
-            <a:chExt cx="12601217" cy="4882032"/>
-          </a:xfrm>
-        </p:grpSpPr>
-        <p:pic>
-          <p:nvPicPr>
-            <p:cNvPr id="2" name="图片 1"/>
-            <p:cNvPicPr>
-              <a:picLocks noChangeAspect="1"/>
-            </p:cNvPicPr>
-            <p:nvPr/>
-          </p:nvPicPr>
-          <p:blipFill>
-            <a:blip r:embed="rId2"/>
-            <a:stretch>
-              <a:fillRect/>
-            </a:stretch>
-          </p:blipFill>
-          <p:spPr>
-            <a:xfrm>
-              <a:off x="403583" y="3129074"/>
-              <a:ext cx="12249150" cy="4882032"/>
-            </a:xfrm>
-            <a:prstGeom prst="rect">
-              <a:avLst/>
-            </a:prstGeom>
-          </p:spPr>
-        </p:pic>
-        <p:sp>
-          <p:nvSpPr>
-            <p:cNvPr id="5" name="文本框 4"/>
-            <p:cNvSpPr txBox="1"/>
-            <p:nvPr/>
-          </p:nvSpPr>
-          <p:spPr>
-            <a:xfrm>
-              <a:off x="11387212" y="3297257"/>
-              <a:ext cx="1617588" cy="348813"/>
-            </a:xfrm>
-            <a:prstGeom prst="rect">
-              <a:avLst/>
-            </a:prstGeom>
-            <a:noFill/>
-            <a:ln w="12700" cap="flat">
-              <a:noFill/>
-              <a:miter lim="400000"/>
-            </a:ln>
-            <a:effectLst/>
-            <a:sp3d/>
-          </p:spPr>
-          <p:style>
-            <a:lnRef idx="0">
-              <a:scrgbClr r="0" g="0" b="0"/>
-            </a:lnRef>
-            <a:fillRef idx="0">
-              <a:scrgbClr r="0" g="0" b="0"/>
-            </a:fillRef>
-            <a:effectRef idx="0">
-              <a:scrgbClr r="0" g="0" b="0"/>
-            </a:effectRef>
-            <a:fontRef idx="none"/>
-          </p:style>
-          <p:txBody>
-            <a:bodyPr rot="0" spcFirstLastPara="1" vertOverflow="overflow" horzOverflow="overflow" vert="horz" wrap="square" lIns="50800" tIns="50800" rIns="50800" bIns="50800" numCol="1" spcCol="38100" rtlCol="0" anchor="ctr">
-              <a:spAutoFit/>
-            </a:bodyPr>
-            <a:lstStyle/>
-            <a:p>
-              <a:pPr marL="0" marR="0" indent="0" algn="ctr" defTabSz="584200" rtl="0" fontAlgn="auto" latinLnBrk="0" hangingPunct="0">
-                <a:lnSpc>
-                  <a:spcPct val="100000"/>
-                </a:lnSpc>
-                <a:spcBef>
-                  <a:spcPts val="0"/>
-                </a:spcBef>
-                <a:spcAft>
-                  <a:spcPts val="0"/>
-                </a:spcAft>
-                <a:buClrTx/>
-                <a:buSzTx/>
-                <a:buFontTx/>
-                <a:buNone/>
-                <a:tabLst/>
-              </a:pPr>
-              <a:r>
-                <a:rPr kumimoji="0" lang="en-US" altLang="zh-CN" sz="1600" b="0" i="0" u="none" strike="noStrike" cap="none" spc="0" normalizeH="0" baseline="0" dirty="0" smtClean="0">
-                  <a:ln>
-                    <a:noFill/>
-                  </a:ln>
-                  <a:solidFill>
-                    <a:schemeClr val="accent1">
-                      <a:lumMod val="50000"/>
-                    </a:schemeClr>
-                  </a:solidFill>
-                  <a:effectLst/>
-                  <a:uFillTx/>
-                  <a:latin typeface="黑体" panose="02010609060101010101" pitchFamily="49" charset="-122"/>
-                  <a:ea typeface="黑体" panose="02010609060101010101" pitchFamily="49" charset="-122"/>
-                  <a:sym typeface="Helvetica Light"/>
-                </a:rPr>
-                <a:t>14.5%</a:t>
-              </a:r>
-              <a:endParaRPr kumimoji="0" lang="zh-CN" altLang="en-US" sz="1600" b="0" i="0" u="none" strike="noStrike" cap="none" spc="0" normalizeH="0" baseline="0" dirty="0">
-                <a:ln>
-                  <a:noFill/>
-                </a:ln>
-                <a:solidFill>
-                  <a:schemeClr val="accent1">
-                    <a:lumMod val="50000"/>
-                  </a:schemeClr>
-                </a:solidFill>
-                <a:effectLst/>
-                <a:uFillTx/>
-                <a:latin typeface="黑体" panose="02010609060101010101" pitchFamily="49" charset="-122"/>
-                <a:ea typeface="黑体" panose="02010609060101010101" pitchFamily="49" charset="-122"/>
-                <a:sym typeface="Helvetica Light"/>
-              </a:endParaRPr>
-            </a:p>
-          </p:txBody>
-        </p:sp>
-        <p:sp>
-          <p:nvSpPr>
-            <p:cNvPr id="6" name="文本框 5"/>
-            <p:cNvSpPr txBox="1"/>
-            <p:nvPr/>
-          </p:nvSpPr>
-          <p:spPr>
-            <a:xfrm>
-              <a:off x="8417599" y="3607433"/>
-              <a:ext cx="1915978" cy="348813"/>
-            </a:xfrm>
-            <a:prstGeom prst="rect">
-              <a:avLst/>
-            </a:prstGeom>
-            <a:noFill/>
-            <a:ln w="12700" cap="flat">
-              <a:noFill/>
-              <a:miter lim="400000"/>
-            </a:ln>
-            <a:effectLst/>
-            <a:sp3d/>
-          </p:spPr>
-          <p:style>
-            <a:lnRef idx="0">
-              <a:scrgbClr r="0" g="0" b="0"/>
-            </a:lnRef>
-            <a:fillRef idx="0">
-              <a:scrgbClr r="0" g="0" b="0"/>
-            </a:fillRef>
-            <a:effectRef idx="0">
-              <a:scrgbClr r="0" g="0" b="0"/>
-            </a:effectRef>
-            <a:fontRef idx="none"/>
-          </p:style>
-          <p:txBody>
-            <a:bodyPr rot="0" spcFirstLastPara="1" vertOverflow="overflow" horzOverflow="overflow" vert="horz" wrap="square" lIns="50800" tIns="50800" rIns="50800" bIns="50800" numCol="1" spcCol="38100" rtlCol="0" anchor="ctr">
-              <a:spAutoFit/>
-            </a:bodyPr>
-            <a:lstStyle/>
-            <a:p>
-              <a:pPr marL="0" marR="0" indent="0" algn="ctr" defTabSz="584200" rtl="0" fontAlgn="auto" latinLnBrk="0" hangingPunct="0">
-                <a:lnSpc>
-                  <a:spcPct val="100000"/>
-                </a:lnSpc>
-                <a:spcBef>
-                  <a:spcPts val="0"/>
-                </a:spcBef>
-                <a:spcAft>
-                  <a:spcPts val="0"/>
-                </a:spcAft>
-                <a:buClrTx/>
-                <a:buSzTx/>
-                <a:buFontTx/>
-                <a:buNone/>
-                <a:tabLst/>
-              </a:pPr>
-              <a:r>
-                <a:rPr kumimoji="0" lang="en-US" altLang="zh-CN" sz="1600" b="0" i="0" u="none" strike="noStrike" cap="none" spc="0" normalizeH="0" baseline="0" dirty="0" smtClean="0">
-                  <a:ln>
-                    <a:noFill/>
-                  </a:ln>
-                  <a:solidFill>
-                    <a:schemeClr val="accent1">
-                      <a:lumMod val="50000"/>
-                    </a:schemeClr>
-                  </a:solidFill>
-                  <a:effectLst/>
-                  <a:uFillTx/>
-                  <a:latin typeface="黑体" panose="02010609060101010101" pitchFamily="49" charset="-122"/>
-                  <a:ea typeface="黑体" panose="02010609060101010101" pitchFamily="49" charset="-122"/>
-                  <a:sym typeface="Helvetica Light"/>
-                </a:rPr>
-                <a:t>10.54%</a:t>
-              </a:r>
-              <a:endParaRPr kumimoji="0" lang="zh-CN" altLang="en-US" sz="1600" b="0" i="0" u="none" strike="noStrike" cap="none" spc="0" normalizeH="0" baseline="0" dirty="0">
-                <a:ln>
-                  <a:noFill/>
-                </a:ln>
-                <a:solidFill>
-                  <a:schemeClr val="accent1">
-                    <a:lumMod val="50000"/>
-                  </a:schemeClr>
-                </a:solidFill>
-                <a:effectLst/>
-                <a:uFillTx/>
-                <a:latin typeface="黑体" panose="02010609060101010101" pitchFamily="49" charset="-122"/>
-                <a:ea typeface="黑体" panose="02010609060101010101" pitchFamily="49" charset="-122"/>
-                <a:sym typeface="Helvetica Light"/>
-              </a:endParaRPr>
-            </a:p>
-          </p:txBody>
-        </p:sp>
-        <p:sp>
-          <p:nvSpPr>
-            <p:cNvPr id="7" name="文本框 6"/>
-            <p:cNvSpPr txBox="1"/>
-            <p:nvPr/>
-          </p:nvSpPr>
-          <p:spPr>
-            <a:xfrm>
-              <a:off x="7608805" y="3942722"/>
-              <a:ext cx="1617588" cy="348813"/>
-            </a:xfrm>
-            <a:prstGeom prst="rect">
-              <a:avLst/>
-            </a:prstGeom>
-            <a:noFill/>
-            <a:ln w="12700" cap="flat">
-              <a:noFill/>
-              <a:miter lim="400000"/>
-            </a:ln>
-            <a:effectLst/>
-            <a:sp3d/>
-          </p:spPr>
-          <p:style>
-            <a:lnRef idx="0">
-              <a:scrgbClr r="0" g="0" b="0"/>
-            </a:lnRef>
-            <a:fillRef idx="0">
-              <a:scrgbClr r="0" g="0" b="0"/>
-            </a:fillRef>
-            <a:effectRef idx="0">
-              <a:scrgbClr r="0" g="0" b="0"/>
-            </a:effectRef>
-            <a:fontRef idx="none"/>
-          </p:style>
-          <p:txBody>
-            <a:bodyPr rot="0" spcFirstLastPara="1" vertOverflow="overflow" horzOverflow="overflow" vert="horz" wrap="square" lIns="50800" tIns="50800" rIns="50800" bIns="50800" numCol="1" spcCol="38100" rtlCol="0" anchor="ctr">
-              <a:spAutoFit/>
-            </a:bodyPr>
-            <a:lstStyle/>
-            <a:p>
-              <a:pPr marL="0" marR="0" indent="0" algn="ctr" defTabSz="584200" rtl="0" fontAlgn="auto" latinLnBrk="0" hangingPunct="0">
-                <a:lnSpc>
-                  <a:spcPct val="100000"/>
-                </a:lnSpc>
-                <a:spcBef>
-                  <a:spcPts val="0"/>
-                </a:spcBef>
-                <a:spcAft>
-                  <a:spcPts val="0"/>
-                </a:spcAft>
-                <a:buClrTx/>
-                <a:buSzTx/>
-                <a:buFontTx/>
-                <a:buNone/>
-                <a:tabLst/>
-              </a:pPr>
-              <a:r>
-                <a:rPr kumimoji="0" lang="en-US" altLang="zh-CN" sz="1600" b="0" i="0" u="none" strike="noStrike" cap="none" spc="0" normalizeH="0" baseline="0" dirty="0" smtClean="0">
-                  <a:ln>
-                    <a:noFill/>
-                  </a:ln>
-                  <a:solidFill>
-                    <a:schemeClr val="accent1">
-                      <a:lumMod val="50000"/>
-                    </a:schemeClr>
-                  </a:solidFill>
-                  <a:effectLst/>
-                  <a:uFillTx/>
-                  <a:latin typeface="黑体" panose="02010609060101010101" pitchFamily="49" charset="-122"/>
-                  <a:ea typeface="黑体" panose="02010609060101010101" pitchFamily="49" charset="-122"/>
-                  <a:sym typeface="Helvetica Light"/>
-                </a:rPr>
-                <a:t>9.26%</a:t>
-              </a:r>
-              <a:endParaRPr kumimoji="0" lang="zh-CN" altLang="en-US" sz="1600" b="0" i="0" u="none" strike="noStrike" cap="none" spc="0" normalizeH="0" baseline="0" dirty="0">
-                <a:ln>
-                  <a:noFill/>
-                </a:ln>
-                <a:solidFill>
-                  <a:schemeClr val="accent1">
-                    <a:lumMod val="50000"/>
-                  </a:schemeClr>
-                </a:solidFill>
-                <a:effectLst/>
-                <a:uFillTx/>
-                <a:latin typeface="黑体" panose="02010609060101010101" pitchFamily="49" charset="-122"/>
-                <a:ea typeface="黑体" panose="02010609060101010101" pitchFamily="49" charset="-122"/>
-                <a:sym typeface="Helvetica Light"/>
-              </a:endParaRPr>
-            </a:p>
-          </p:txBody>
-        </p:sp>
-      </p:grpSp>
-    </p:spTree>
-    <p:extLst>
-      <p:ext uri="{BB962C8B-B14F-4D97-AF65-F5344CB8AC3E}">
-        <p14:creationId xmlns:p14="http://schemas.microsoft.com/office/powerpoint/2010/main" val="3217572497"/>
-      </p:ext>
-    </p:extLst>
-  </p:cSld>
-  <p:clrMapOvr>
-    <a:masterClrMapping/>
-  </p:clrMapOvr>
-  <p:transition spd="med"/>
+  <p:timing>
+    <p:tnLst>
+      <p:par>
+        <p:cTn id="1" dur="indefinite" restart="never" nodeType="tmRoot"/>
+      </p:par>
+    </p:tnLst>
+  </p:timing>
 </p:sld>
 </file>
 
